--- a/Presentacion final.pptx
+++ b/Presentacion final.pptx
@@ -7,20 +7,24 @@
     <p:sldMasterId id="2147483678" r:id="rId3"/>
   </p:sldMasterIdLst>
   <p:notesMasterIdLst>
-    <p:notesMasterId r:id="rId15"/>
+    <p:notesMasterId r:id="rId19"/>
   </p:notesMasterIdLst>
   <p:sldIdLst>
     <p:sldId id="256" r:id="rId4"/>
     <p:sldId id="258" r:id="rId5"/>
-    <p:sldId id="259" r:id="rId6"/>
-    <p:sldId id="260" r:id="rId7"/>
-    <p:sldId id="265" r:id="rId8"/>
-    <p:sldId id="271" r:id="rId9"/>
-    <p:sldId id="266" r:id="rId10"/>
-    <p:sldId id="267" r:id="rId11"/>
-    <p:sldId id="268" r:id="rId12"/>
-    <p:sldId id="269" r:id="rId13"/>
-    <p:sldId id="270" r:id="rId14"/>
+    <p:sldId id="260" r:id="rId6"/>
+    <p:sldId id="265" r:id="rId7"/>
+    <p:sldId id="271" r:id="rId8"/>
+    <p:sldId id="266" r:id="rId9"/>
+    <p:sldId id="267" r:id="rId10"/>
+    <p:sldId id="268" r:id="rId11"/>
+    <p:sldId id="269" r:id="rId12"/>
+    <p:sldId id="270" r:id="rId13"/>
+    <p:sldId id="261" r:id="rId14"/>
+    <p:sldId id="262" r:id="rId15"/>
+    <p:sldId id="273" r:id="rId16"/>
+    <p:sldId id="274" r:id="rId17"/>
+    <p:sldId id="272" r:id="rId18"/>
   </p:sldIdLst>
   <p:sldSz cx="12192000" cy="6858000"/>
   <p:notesSz cx="6858000" cy="9144000"/>
@@ -209,7 +213,7 @@
           <a:p>
             <a:fld id="{93F99495-EDF3-4D5E-89C3-E66395B9C205}" type="datetimeFigureOut">
               <a:rPr lang="es-CL" smtClean="0"/>
-              <a:t>11-12-2023</a:t>
+              <a:t>12-12-2023</a:t>
             </a:fld>
             <a:endParaRPr lang="es-CL"/>
           </a:p>
@@ -542,7 +546,7 @@
           <a:p>
             <a:fld id="{F8090653-2897-408F-9D7F-1B5773C679D5}" type="slidenum">
               <a:rPr lang="es-CL" smtClean="0"/>
-              <a:t>7</a:t>
+              <a:t>6</a:t>
             </a:fld>
             <a:endParaRPr lang="es-CL"/>
           </a:p>
@@ -552,6 +556,150 @@
     <p:extLst>
       <p:ext uri="{BB962C8B-B14F-4D97-AF65-F5344CB8AC3E}">
         <p14:creationId xmlns:p14="http://schemas.microsoft.com/office/powerpoint/2010/main" val="3973651316"/>
+      </p:ext>
+    </p:extLst>
+  </p:cSld>
+  <p:clrMapOvr>
+    <a:masterClrMapping/>
+  </p:clrMapOvr>
+</p:notes>
+</file>
+
+<file path=ppt/notesSlides/notesSlide2.xml><?xml version="1.0" encoding="utf-8"?>
+<p:notes xmlns:a="http://schemas.openxmlformats.org/drawingml/2006/main" xmlns:r="http://schemas.openxmlformats.org/officeDocument/2006/relationships" xmlns:p="http://schemas.openxmlformats.org/presentationml/2006/main">
+  <p:cSld>
+    <p:spTree>
+      <p:nvGrpSpPr>
+        <p:cNvPr id="1" name=""/>
+        <p:cNvGrpSpPr/>
+        <p:nvPr/>
+      </p:nvGrpSpPr>
+      <p:grpSpPr>
+        <a:xfrm>
+          <a:off x="0" y="0"/>
+          <a:ext cx="0" cy="0"/>
+          <a:chOff x="0" y="0"/>
+          <a:chExt cx="0" cy="0"/>
+        </a:xfrm>
+      </p:grpSpPr>
+      <p:sp>
+        <p:nvSpPr>
+          <p:cNvPr id="2" name="Marcador de imagen de diapositiva 1"/>
+          <p:cNvSpPr>
+            <a:spLocks noGrp="1" noRot="1" noChangeAspect="1"/>
+          </p:cNvSpPr>
+          <p:nvPr>
+            <p:ph type="sldImg"/>
+          </p:nvPr>
+        </p:nvSpPr>
+        <p:spPr/>
+      </p:sp>
+      <p:sp>
+        <p:nvSpPr>
+          <p:cNvPr id="3" name="Marcador de notas 2"/>
+          <p:cNvSpPr>
+            <a:spLocks noGrp="1"/>
+          </p:cNvSpPr>
+          <p:nvPr>
+            <p:ph type="body" idx="1"/>
+          </p:nvPr>
+        </p:nvSpPr>
+        <p:spPr/>
+        <p:txBody>
+          <a:bodyPr/>
+          <a:lstStyle/>
+          <a:p>
+            <a:endParaRPr lang="es-CL" dirty="0"/>
+          </a:p>
+        </p:txBody>
+      </p:sp>
+      <p:sp>
+        <p:nvSpPr>
+          <p:cNvPr id="4" name="Marcador de número de diapositiva 3"/>
+          <p:cNvSpPr>
+            <a:spLocks noGrp="1"/>
+          </p:cNvSpPr>
+          <p:nvPr>
+            <p:ph type="sldNum" sz="quarter" idx="5"/>
+          </p:nvPr>
+        </p:nvSpPr>
+        <p:spPr/>
+        <p:txBody>
+          <a:bodyPr/>
+          <a:lstStyle/>
+          <a:p>
+            <a:pPr marL="0" marR="0" lvl="0" indent="0" algn="r" defTabSz="457200" rtl="0" eaLnBrk="1" fontAlgn="auto" latinLnBrk="0" hangingPunct="1">
+              <a:lnSpc>
+                <a:spcPct val="100000"/>
+              </a:lnSpc>
+              <a:spcBef>
+                <a:spcPts val="0"/>
+              </a:spcBef>
+              <a:spcAft>
+                <a:spcPts val="0"/>
+              </a:spcAft>
+              <a:buClrTx/>
+              <a:buSzTx/>
+              <a:buFontTx/>
+              <a:buNone/>
+              <a:tabLst/>
+              <a:defRPr/>
+            </a:pPr>
+            <a:fld id="{81F11F81-14F1-459F-AF67-1C840D63D6E0}" type="slidenum">
+              <a:rPr kumimoji="0" lang="es-CL" sz="1200" b="0" i="0" u="none" strike="noStrike" kern="1200" cap="none" spc="0" normalizeH="0" baseline="0" noProof="0" smtClean="0">
+                <a:ln>
+                  <a:noFill/>
+                </a:ln>
+                <a:solidFill>
+                  <a:prstClr val="black"/>
+                </a:solidFill>
+                <a:effectLst/>
+                <a:uLnTx/>
+                <a:uFillTx/>
+                <a:latin typeface="Calibri" panose="020F0502020204030204"/>
+                <a:ea typeface="+mn-ea"/>
+                <a:cs typeface="+mn-cs"/>
+              </a:rPr>
+              <a:pPr marL="0" marR="0" lvl="0" indent="0" algn="r" defTabSz="457200" rtl="0" eaLnBrk="1" fontAlgn="auto" latinLnBrk="0" hangingPunct="1">
+                <a:lnSpc>
+                  <a:spcPct val="100000"/>
+                </a:lnSpc>
+                <a:spcBef>
+                  <a:spcPts val="0"/>
+                </a:spcBef>
+                <a:spcAft>
+                  <a:spcPts val="0"/>
+                </a:spcAft>
+                <a:buClrTx/>
+                <a:buSzTx/>
+                <a:buFontTx/>
+                <a:buNone/>
+                <a:tabLst/>
+                <a:defRPr/>
+              </a:pPr>
+              <a:t>14</a:t>
+            </a:fld>
+            <a:endParaRPr kumimoji="0" lang="es-CL" sz="1200" b="0" i="0" u="none" strike="noStrike" kern="1200" cap="none" spc="0" normalizeH="0" baseline="0" noProof="0">
+              <a:ln>
+                <a:noFill/>
+              </a:ln>
+              <a:solidFill>
+                <a:prstClr val="black"/>
+              </a:solidFill>
+              <a:effectLst/>
+              <a:uLnTx/>
+              <a:uFillTx/>
+              <a:latin typeface="Calibri" panose="020F0502020204030204"/>
+              <a:ea typeface="+mn-ea"/>
+              <a:cs typeface="+mn-cs"/>
+            </a:endParaRPr>
+          </a:p>
+        </p:txBody>
+      </p:sp>
+    </p:spTree>
+    <p:extLst>
+      <p:ext uri="{BB962C8B-B14F-4D97-AF65-F5344CB8AC3E}">
+        <p14:creationId xmlns:p14="http://schemas.microsoft.com/office/powerpoint/2010/main" val="1262901327"/>
       </p:ext>
     </p:extLst>
   </p:cSld>
@@ -710,7 +858,7 @@
           <a:p>
             <a:fld id="{FE5E4BDF-A96E-4D1A-A5F5-BE6CC965F429}" type="datetimeFigureOut">
               <a:rPr lang="es-CL" smtClean="0"/>
-              <a:t>11-12-2023</a:t>
+              <a:t>12-12-2023</a:t>
             </a:fld>
             <a:endParaRPr lang="es-CL"/>
           </a:p>
@@ -910,7 +1058,7 @@
           <a:p>
             <a:fld id="{FE5E4BDF-A96E-4D1A-A5F5-BE6CC965F429}" type="datetimeFigureOut">
               <a:rPr lang="es-CL" smtClean="0"/>
-              <a:t>11-12-2023</a:t>
+              <a:t>12-12-2023</a:t>
             </a:fld>
             <a:endParaRPr lang="es-CL"/>
           </a:p>
@@ -1120,7 +1268,7 @@
           <a:p>
             <a:fld id="{FE5E4BDF-A96E-4D1A-A5F5-BE6CC965F429}" type="datetimeFigureOut">
               <a:rPr lang="es-CL" smtClean="0"/>
-              <a:t>11-12-2023</a:t>
+              <a:t>12-12-2023</a:t>
             </a:fld>
             <a:endParaRPr lang="es-CL"/>
           </a:p>
@@ -1469,7 +1617,7 @@
             <a:fld id="{A37D6D71-8B28-4ED6-B932-04B197003D23}" type="datetimeFigureOut">
               <a:rPr lang="en-US" smtClean="0"/>
               <a:pPr algn="r"/>
-              <a:t>12/11/2023</a:t>
+              <a:t>12/12/2023</a:t>
             </a:fld>
             <a:endParaRPr lang="en-US" spc="50" dirty="0"/>
           </a:p>
@@ -1787,7 +1935,7 @@
             <a:fld id="{A37D6D71-8B28-4ED6-B932-04B197003D23}" type="datetimeFigureOut">
               <a:rPr lang="en-US" smtClean="0"/>
               <a:pPr algn="r"/>
-              <a:t>12/11/2023</a:t>
+              <a:t>12/12/2023</a:t>
             </a:fld>
             <a:endParaRPr lang="en-US" spc="50" dirty="0"/>
           </a:p>
@@ -2180,7 +2328,7 @@
             <a:fld id="{A37D6D71-8B28-4ED6-B932-04B197003D23}" type="datetimeFigureOut">
               <a:rPr lang="en-US" smtClean="0"/>
               <a:pPr algn="r"/>
-              <a:t>12/11/2023</a:t>
+              <a:t>12/12/2023</a:t>
             </a:fld>
             <a:endParaRPr lang="en-US" spc="50" dirty="0"/>
           </a:p>
@@ -2560,7 +2708,7 @@
             <a:fld id="{A37D6D71-8B28-4ED6-B932-04B197003D23}" type="datetimeFigureOut">
               <a:rPr lang="en-US" smtClean="0"/>
               <a:pPr algn="r"/>
-              <a:t>12/11/2023</a:t>
+              <a:t>12/12/2023</a:t>
             </a:fld>
             <a:endParaRPr lang="en-US" spc="50" dirty="0"/>
           </a:p>
@@ -3070,7 +3218,7 @@
             <a:fld id="{A37D6D71-8B28-4ED6-B932-04B197003D23}" type="datetimeFigureOut">
               <a:rPr lang="en-US" smtClean="0"/>
               <a:pPr algn="r"/>
-              <a:t>12/11/2023</a:t>
+              <a:t>12/12/2023</a:t>
             </a:fld>
             <a:endParaRPr lang="en-US" spc="50" dirty="0"/>
           </a:p>
@@ -3331,7 +3479,7 @@
             <a:fld id="{A37D6D71-8B28-4ED6-B932-04B197003D23}" type="datetimeFigureOut">
               <a:rPr lang="en-US" smtClean="0"/>
               <a:pPr algn="r"/>
-              <a:t>12/11/2023</a:t>
+              <a:t>12/12/2023</a:t>
             </a:fld>
             <a:endParaRPr lang="en-US" spc="50" dirty="0"/>
           </a:p>
@@ -3498,7 +3646,7 @@
             <a:fld id="{A37D6D71-8B28-4ED6-B932-04B197003D23}" type="datetimeFigureOut">
               <a:rPr lang="en-US" smtClean="0"/>
               <a:pPr algn="r"/>
-              <a:t>12/11/2023</a:t>
+              <a:t>12/12/2023</a:t>
             </a:fld>
             <a:endParaRPr lang="en-US" spc="50" dirty="0"/>
           </a:p>
@@ -3892,7 +4040,7 @@
             <a:fld id="{A37D6D71-8B28-4ED6-B932-04B197003D23}" type="datetimeFigureOut">
               <a:rPr lang="en-US" smtClean="0"/>
               <a:pPr algn="r"/>
-              <a:t>12/11/2023</a:t>
+              <a:t>12/12/2023</a:t>
             </a:fld>
             <a:endParaRPr lang="en-US" spc="50" dirty="0"/>
           </a:p>
@@ -4082,7 +4230,7 @@
           <a:p>
             <a:fld id="{FE5E4BDF-A96E-4D1A-A5F5-BE6CC965F429}" type="datetimeFigureOut">
               <a:rPr lang="es-CL" smtClean="0"/>
-              <a:t>11-12-2023</a:t>
+              <a:t>12-12-2023</a:t>
             </a:fld>
             <a:endParaRPr lang="es-CL"/>
           </a:p>
@@ -4505,7 +4653,7 @@
             <a:fld id="{A37D6D71-8B28-4ED6-B932-04B197003D23}" type="datetimeFigureOut">
               <a:rPr lang="en-US" smtClean="0"/>
               <a:pPr algn="r"/>
-              <a:t>12/11/2023</a:t>
+              <a:t>12/12/2023</a:t>
             </a:fld>
             <a:endParaRPr lang="en-US" spc="50" dirty="0"/>
           </a:p>
@@ -4918,7 +5066,7 @@
             <a:fld id="{A37D6D71-8B28-4ED6-B932-04B197003D23}" type="datetimeFigureOut">
               <a:rPr lang="en-US" smtClean="0"/>
               <a:pPr algn="r"/>
-              <a:t>12/11/2023</a:t>
+              <a:t>12/12/2023</a:t>
             </a:fld>
             <a:endParaRPr lang="en-US" spc="50" dirty="0"/>
           </a:p>
@@ -5258,7 +5406,7 @@
             <a:fld id="{A37D6D71-8B28-4ED6-B932-04B197003D23}" type="datetimeFigureOut">
               <a:rPr lang="en-US" smtClean="0"/>
               <a:pPr algn="r"/>
-              <a:t>12/11/2023</a:t>
+              <a:t>12/12/2023</a:t>
             </a:fld>
             <a:endParaRPr lang="en-US" spc="50" dirty="0"/>
           </a:p>
@@ -5667,7 +5815,7 @@
             <a:fld id="{A37D6D71-8B28-4ED6-B932-04B197003D23}" type="datetimeFigureOut">
               <a:rPr lang="en-US" smtClean="0"/>
               <a:pPr algn="r"/>
-              <a:t>12/11/2023</a:t>
+              <a:t>12/12/2023</a:t>
             </a:fld>
             <a:endParaRPr lang="en-US" spc="50" dirty="0"/>
           </a:p>
@@ -6239,7 +6387,7 @@
             <a:fld id="{A37D6D71-8B28-4ED6-B932-04B197003D23}" type="datetimeFigureOut">
               <a:rPr lang="en-US" smtClean="0"/>
               <a:pPr algn="r"/>
-              <a:t>12/11/2023</a:t>
+              <a:t>12/12/2023</a:t>
             </a:fld>
             <a:endParaRPr lang="en-US" spc="50" dirty="0"/>
           </a:p>
@@ -6924,7 +7072,7 @@
             <a:fld id="{A37D6D71-8B28-4ED6-B932-04B197003D23}" type="datetimeFigureOut">
               <a:rPr lang="en-US" smtClean="0"/>
               <a:pPr algn="r"/>
-              <a:t>12/11/2023</a:t>
+              <a:t>12/12/2023</a:t>
             </a:fld>
             <a:endParaRPr lang="en-US" spc="50" dirty="0"/>
           </a:p>
@@ -7841,7 +7989,7 @@
             <a:fld id="{A37D6D71-8B28-4ED6-B932-04B197003D23}" type="datetimeFigureOut">
               <a:rPr lang="en-US" smtClean="0"/>
               <a:pPr algn="r"/>
-              <a:t>12/11/2023</a:t>
+              <a:t>12/12/2023</a:t>
             </a:fld>
             <a:endParaRPr lang="en-US" spc="50" dirty="0"/>
           </a:p>
@@ -8158,7 +8306,7 @@
             <a:fld id="{A37D6D71-8B28-4ED6-B932-04B197003D23}" type="datetimeFigureOut">
               <a:rPr lang="en-US" smtClean="0"/>
               <a:pPr algn="r"/>
-              <a:t>12/11/2023</a:t>
+              <a:t>12/12/2023</a:t>
             </a:fld>
             <a:endParaRPr lang="en-US" spc="50" dirty="0"/>
           </a:p>
@@ -8426,7 +8574,7 @@
             <a:fld id="{A37D6D71-8B28-4ED6-B932-04B197003D23}" type="datetimeFigureOut">
               <a:rPr lang="en-US" smtClean="0"/>
               <a:pPr algn="r"/>
-              <a:t>12/11/2023</a:t>
+              <a:t>12/12/2023</a:t>
             </a:fld>
             <a:endParaRPr lang="en-US" spc="50" dirty="0"/>
           </a:p>
@@ -8777,7 +8925,7 @@
           <a:p>
             <a:fld id="{FF5F3A84-089D-49E7-9C64-554E9F909266}" type="datetimeFigureOut">
               <a:rPr lang="es-CL" smtClean="0"/>
-              <a:t>11-12-2023</a:t>
+              <a:t>12-12-2023</a:t>
             </a:fld>
             <a:endParaRPr lang="es-CL"/>
           </a:p>
@@ -9046,7 +9194,7 @@
           <a:p>
             <a:fld id="{FE5E4BDF-A96E-4D1A-A5F5-BE6CC965F429}" type="datetimeFigureOut">
               <a:rPr lang="es-CL" smtClean="0"/>
-              <a:t>11-12-2023</a:t>
+              <a:t>12-12-2023</a:t>
             </a:fld>
             <a:endParaRPr lang="es-CL"/>
           </a:p>
@@ -9367,7 +9515,7 @@
           <a:p>
             <a:fld id="{FF5F3A84-089D-49E7-9C64-554E9F909266}" type="datetimeFigureOut">
               <a:rPr lang="es-CL" smtClean="0"/>
-              <a:t>11-12-2023</a:t>
+              <a:t>12-12-2023</a:t>
             </a:fld>
             <a:endParaRPr lang="es-CL"/>
           </a:p>
@@ -9756,7 +9904,7 @@
           <a:p>
             <a:fld id="{FF5F3A84-089D-49E7-9C64-554E9F909266}" type="datetimeFigureOut">
               <a:rPr lang="es-CL" smtClean="0"/>
-              <a:t>11-12-2023</a:t>
+              <a:t>12-12-2023</a:t>
             </a:fld>
             <a:endParaRPr lang="es-CL"/>
           </a:p>
@@ -10132,7 +10280,7 @@
           <a:p>
             <a:fld id="{FF5F3A84-089D-49E7-9C64-554E9F909266}" type="datetimeFigureOut">
               <a:rPr lang="es-CL" smtClean="0"/>
-              <a:t>11-12-2023</a:t>
+              <a:t>12-12-2023</a:t>
             </a:fld>
             <a:endParaRPr lang="es-CL"/>
           </a:p>
@@ -10638,7 +10786,7 @@
           <a:p>
             <a:fld id="{FF5F3A84-089D-49E7-9C64-554E9F909266}" type="datetimeFigureOut">
               <a:rPr lang="es-CL" smtClean="0"/>
-              <a:t>11-12-2023</a:t>
+              <a:t>12-12-2023</a:t>
             </a:fld>
             <a:endParaRPr lang="es-CL"/>
           </a:p>
@@ -10895,7 +11043,7 @@
           <a:p>
             <a:fld id="{FF5F3A84-089D-49E7-9C64-554E9F909266}" type="datetimeFigureOut">
               <a:rPr lang="es-CL" smtClean="0"/>
-              <a:t>11-12-2023</a:t>
+              <a:t>12-12-2023</a:t>
             </a:fld>
             <a:endParaRPr lang="es-CL"/>
           </a:p>
@@ -11058,7 +11206,7 @@
           <a:p>
             <a:fld id="{FF5F3A84-089D-49E7-9C64-554E9F909266}" type="datetimeFigureOut">
               <a:rPr lang="es-CL" smtClean="0"/>
-              <a:t>11-12-2023</a:t>
+              <a:t>12-12-2023</a:t>
             </a:fld>
             <a:endParaRPr lang="es-CL"/>
           </a:p>
@@ -11448,7 +11596,7 @@
           <a:p>
             <a:fld id="{FF5F3A84-089D-49E7-9C64-554E9F909266}" type="datetimeFigureOut">
               <a:rPr lang="es-CL" smtClean="0"/>
-              <a:t>11-12-2023</a:t>
+              <a:t>12-12-2023</a:t>
             </a:fld>
             <a:endParaRPr lang="es-CL"/>
           </a:p>
@@ -11857,7 +12005,7 @@
           <a:p>
             <a:fld id="{FF5F3A84-089D-49E7-9C64-554E9F909266}" type="datetimeFigureOut">
               <a:rPr lang="es-CL" smtClean="0"/>
-              <a:t>11-12-2023</a:t>
+              <a:t>12-12-2023</a:t>
             </a:fld>
             <a:endParaRPr lang="es-CL"/>
           </a:p>
@@ -12266,7 +12414,7 @@
           <a:p>
             <a:fld id="{FF5F3A84-089D-49E7-9C64-554E9F909266}" type="datetimeFigureOut">
               <a:rPr lang="es-CL" smtClean="0"/>
-              <a:t>11-12-2023</a:t>
+              <a:t>12-12-2023</a:t>
             </a:fld>
             <a:endParaRPr lang="es-CL"/>
           </a:p>
@@ -12602,7 +12750,7 @@
           <a:p>
             <a:fld id="{FF5F3A84-089D-49E7-9C64-554E9F909266}" type="datetimeFigureOut">
               <a:rPr lang="es-CL" smtClean="0"/>
-              <a:t>11-12-2023</a:t>
+              <a:t>12-12-2023</a:t>
             </a:fld>
             <a:endParaRPr lang="es-CL"/>
           </a:p>
@@ -12863,7 +13011,7 @@
           <a:p>
             <a:fld id="{FE5E4BDF-A96E-4D1A-A5F5-BE6CC965F429}" type="datetimeFigureOut">
               <a:rPr lang="es-CL" smtClean="0"/>
-              <a:t>11-12-2023</a:t>
+              <a:t>12-12-2023</a:t>
             </a:fld>
             <a:endParaRPr lang="es-CL"/>
           </a:p>
@@ -13275,7 +13423,7 @@
           <a:p>
             <a:fld id="{FF5F3A84-089D-49E7-9C64-554E9F909266}" type="datetimeFigureOut">
               <a:rPr lang="es-CL" smtClean="0"/>
-              <a:t>11-12-2023</a:t>
+              <a:t>12-12-2023</a:t>
             </a:fld>
             <a:endParaRPr lang="es-CL"/>
           </a:p>
@@ -13843,7 +13991,7 @@
           <a:p>
             <a:fld id="{FF5F3A84-089D-49E7-9C64-554E9F909266}" type="datetimeFigureOut">
               <a:rPr lang="es-CL" smtClean="0"/>
-              <a:t>11-12-2023</a:t>
+              <a:t>12-12-2023</a:t>
             </a:fld>
             <a:endParaRPr lang="es-CL"/>
           </a:p>
@@ -14524,7 +14672,7 @@
           <a:p>
             <a:fld id="{FF5F3A84-089D-49E7-9C64-554E9F909266}" type="datetimeFigureOut">
               <a:rPr lang="es-CL" smtClean="0"/>
-              <a:t>11-12-2023</a:t>
+              <a:t>12-12-2023</a:t>
             </a:fld>
             <a:endParaRPr lang="es-CL"/>
           </a:p>
@@ -15437,7 +15585,7 @@
           <a:p>
             <a:fld id="{FF5F3A84-089D-49E7-9C64-554E9F909266}" type="datetimeFigureOut">
               <a:rPr lang="es-CL" smtClean="0"/>
-              <a:t>11-12-2023</a:t>
+              <a:t>12-12-2023</a:t>
             </a:fld>
             <a:endParaRPr lang="es-CL"/>
           </a:p>
@@ -15750,7 +15898,7 @@
           <a:p>
             <a:fld id="{FF5F3A84-089D-49E7-9C64-554E9F909266}" type="datetimeFigureOut">
               <a:rPr lang="es-CL" smtClean="0"/>
-              <a:t>11-12-2023</a:t>
+              <a:t>12-12-2023</a:t>
             </a:fld>
             <a:endParaRPr lang="es-CL"/>
           </a:p>
@@ -16014,7 +16162,7 @@
           <a:p>
             <a:fld id="{FF5F3A84-089D-49E7-9C64-554E9F909266}" type="datetimeFigureOut">
               <a:rPr lang="es-CL" smtClean="0"/>
-              <a:t>11-12-2023</a:t>
+              <a:t>12-12-2023</a:t>
             </a:fld>
             <a:endParaRPr lang="es-CL"/>
           </a:p>
@@ -16431,7 +16579,7 @@
           <a:p>
             <a:fld id="{FE5E4BDF-A96E-4D1A-A5F5-BE6CC965F429}" type="datetimeFigureOut">
               <a:rPr lang="es-CL" smtClean="0"/>
-              <a:t>11-12-2023</a:t>
+              <a:t>12-12-2023</a:t>
             </a:fld>
             <a:endParaRPr lang="es-CL"/>
           </a:p>
@@ -16573,7 +16721,7 @@
           <a:p>
             <a:fld id="{FE5E4BDF-A96E-4D1A-A5F5-BE6CC965F429}" type="datetimeFigureOut">
               <a:rPr lang="es-CL" smtClean="0"/>
-              <a:t>11-12-2023</a:t>
+              <a:t>12-12-2023</a:t>
             </a:fld>
             <a:endParaRPr lang="es-CL"/>
           </a:p>
@@ -16686,7 +16834,7 @@
           <a:p>
             <a:fld id="{FE5E4BDF-A96E-4D1A-A5F5-BE6CC965F429}" type="datetimeFigureOut">
               <a:rPr lang="es-CL" smtClean="0"/>
-              <a:t>11-12-2023</a:t>
+              <a:t>12-12-2023</a:t>
             </a:fld>
             <a:endParaRPr lang="es-CL"/>
           </a:p>
@@ -16999,7 +17147,7 @@
           <a:p>
             <a:fld id="{FE5E4BDF-A96E-4D1A-A5F5-BE6CC965F429}" type="datetimeFigureOut">
               <a:rPr lang="es-CL" smtClean="0"/>
-              <a:t>11-12-2023</a:t>
+              <a:t>12-12-2023</a:t>
             </a:fld>
             <a:endParaRPr lang="es-CL"/>
           </a:p>
@@ -17288,7 +17436,7 @@
           <a:p>
             <a:fld id="{FE5E4BDF-A96E-4D1A-A5F5-BE6CC965F429}" type="datetimeFigureOut">
               <a:rPr lang="es-CL" smtClean="0"/>
-              <a:t>11-12-2023</a:t>
+              <a:t>12-12-2023</a:t>
             </a:fld>
             <a:endParaRPr lang="es-CL"/>
           </a:p>
@@ -17531,7 +17679,7 @@
           <a:p>
             <a:fld id="{FE5E4BDF-A96E-4D1A-A5F5-BE6CC965F429}" type="datetimeFigureOut">
               <a:rPr lang="es-CL" smtClean="0"/>
-              <a:t>11-12-2023</a:t>
+              <a:t>12-12-2023</a:t>
             </a:fld>
             <a:endParaRPr lang="es-CL"/>
           </a:p>
@@ -18116,7 +18264,7 @@
             <a:fld id="{A37D6D71-8B28-4ED6-B932-04B197003D23}" type="datetimeFigureOut">
               <a:rPr lang="en-US" smtClean="0"/>
               <a:pPr algn="r"/>
-              <a:t>12/11/2023</a:t>
+              <a:t>12/12/2023</a:t>
             </a:fld>
             <a:endParaRPr lang="en-US" spc="50" dirty="0"/>
           </a:p>
@@ -18695,7 +18843,7 @@
           <a:p>
             <a:fld id="{FF5F3A84-089D-49E7-9C64-554E9F909266}" type="datetimeFigureOut">
               <a:rPr lang="es-CL" smtClean="0"/>
-              <a:t>11-12-2023</a:t>
+              <a:t>12-12-2023</a:t>
             </a:fld>
             <a:endParaRPr lang="es-CL"/>
           </a:p>
@@ -19451,7 +19599,7 @@
           <p:cNvPr id="2" name="Título 1">
             <a:extLst>
               <a:ext uri="{FF2B5EF4-FFF2-40B4-BE49-F238E27FC236}">
-                <a16:creationId xmlns:a16="http://schemas.microsoft.com/office/drawing/2014/main" id="{1FD00EC5-EBA0-C357-9876-FA2A9D97D22B}"/>
+                <a16:creationId xmlns:a16="http://schemas.microsoft.com/office/drawing/2014/main" id="{C0B77E4C-326A-8D11-898E-AA5D3A381118}"/>
               </a:ext>
             </a:extLst>
           </p:cNvPr>
@@ -19469,75 +19617,51 @@
           <a:p>
             <a:r>
               <a:rPr lang="es-MX" dirty="0"/>
-              <a:t>Funciones utilizadas </a:t>
+              <a:t>DExPSO</a:t>
             </a:r>
             <a:endParaRPr lang="es-CL" dirty="0"/>
           </a:p>
         </p:txBody>
       </p:sp>
-      <p:sp>
-        <p:nvSpPr>
-          <p:cNvPr id="3" name="Marcador de contenido 2">
+      <p:pic>
+        <p:nvPicPr>
+          <p:cNvPr id="5" name="Marcador de contenido 4" descr="Un dibujo de una persona&#10;&#10;Descripción generada automáticamente con confianza baja">
             <a:extLst>
               <a:ext uri="{FF2B5EF4-FFF2-40B4-BE49-F238E27FC236}">
-                <a16:creationId xmlns:a16="http://schemas.microsoft.com/office/drawing/2014/main" id="{0201771E-6B6E-B149-168E-008129D2A4C1}"/>
-              </a:ext>
-            </a:extLst>
-          </p:cNvPr>
-          <p:cNvSpPr>
-            <a:spLocks noGrp="1"/>
-          </p:cNvSpPr>
-          <p:nvPr>
-            <p:ph idx="1"/>
-          </p:nvPr>
-        </p:nvSpPr>
-        <p:spPr/>
-        <p:txBody>
-          <a:bodyPr/>
-          <a:lstStyle/>
-          <a:p>
-            <a:r>
-              <a:rPr lang="es-MX" dirty="0"/>
-              <a:t>2.-</a:t>
-            </a:r>
-            <a:endParaRPr lang="es-CL" dirty="0"/>
-          </a:p>
-        </p:txBody>
-      </p:sp>
-      <p:pic>
-        <p:nvPicPr>
-          <p:cNvPr id="4" name="Imagen 3" descr="Gráfico, Gráfico de cajas y bigotes&#10;&#10;Descripción generada automáticamente">
-            <a:extLst>
-              <a:ext uri="{FF2B5EF4-FFF2-40B4-BE49-F238E27FC236}">
-                <a16:creationId xmlns:a16="http://schemas.microsoft.com/office/drawing/2014/main" id="{A0DECC6A-9036-4959-83AB-C65876CFD23A}"/>
+                <a16:creationId xmlns:a16="http://schemas.microsoft.com/office/drawing/2014/main" id="{6A40CDB8-79FD-B981-444D-9AE24FFBA4A3}"/>
               </a:ext>
             </a:extLst>
           </p:cNvPr>
           <p:cNvPicPr>
-            <a:picLocks noChangeAspect="1"/>
+            <a:picLocks noGrp="1" noChangeAspect="1"/>
           </p:cNvPicPr>
-          <p:nvPr/>
+          <p:nvPr>
+            <p:ph idx="1"/>
+          </p:nvPr>
         </p:nvPicPr>
         <p:blipFill>
-          <a:blip r:embed="rId2"/>
+          <a:blip r:embed="rId2">
+            <a:extLst>
+              <a:ext uri="{28A0092B-C50C-407E-A947-70E740481C1C}">
+                <a14:useLocalDpi xmlns:a14="http://schemas.microsoft.com/office/drawing/2010/main" val="0"/>
+              </a:ext>
+            </a:extLst>
+          </a:blip>
           <a:stretch>
             <a:fillRect/>
           </a:stretch>
         </p:blipFill>
         <p:spPr>
           <a:xfrm>
-            <a:off x="2056887" y="2985796"/>
-            <a:ext cx="8237295" cy="1595638"/>
-          </a:xfrm>
-          <a:prstGeom prst="rect">
-            <a:avLst/>
-          </a:prstGeom>
+            <a:off x="2313385" y="2479088"/>
+            <a:ext cx="6349206" cy="3314286"/>
+          </a:xfrm>
         </p:spPr>
       </p:pic>
     </p:spTree>
     <p:extLst>
       <p:ext uri="{BB962C8B-B14F-4D97-AF65-F5344CB8AC3E}">
-        <p14:creationId xmlns:p14="http://schemas.microsoft.com/office/powerpoint/2010/main" val="2300176303"/>
+        <p14:creationId xmlns:p14="http://schemas.microsoft.com/office/powerpoint/2010/main" val="2035211936"/>
       </p:ext>
     </p:extLst>
   </p:cSld>
@@ -19569,7 +19693,7 @@
           <p:cNvPr id="2" name="Título 1">
             <a:extLst>
               <a:ext uri="{FF2B5EF4-FFF2-40B4-BE49-F238E27FC236}">
-                <a16:creationId xmlns:a16="http://schemas.microsoft.com/office/drawing/2014/main" id="{C0B77E4C-326A-8D11-898E-AA5D3A381118}"/>
+                <a16:creationId xmlns:a16="http://schemas.microsoft.com/office/drawing/2014/main" id="{B01E06C9-AFF5-9DA9-08D7-F115569C7017}"/>
               </a:ext>
             </a:extLst>
           </p:cNvPr>
@@ -19585,7 +19709,11 @@
           <a:bodyPr/>
           <a:lstStyle/>
           <a:p>
-            <a:endParaRPr lang="es-CL"/>
+            <a:r>
+              <a:rPr lang="es-MX" dirty="0"/>
+              <a:t>Datos de comparación </a:t>
+            </a:r>
+            <a:endParaRPr lang="es-CL" dirty="0"/>
           </a:p>
         </p:txBody>
       </p:sp>
@@ -19594,7 +19722,7 @@
           <p:cNvPr id="3" name="Marcador de contenido 2">
             <a:extLst>
               <a:ext uri="{FF2B5EF4-FFF2-40B4-BE49-F238E27FC236}">
-                <a16:creationId xmlns:a16="http://schemas.microsoft.com/office/drawing/2014/main" id="{3F9DFF8F-9894-CF2B-633C-CB6D2743EAEA}"/>
+                <a16:creationId xmlns:a16="http://schemas.microsoft.com/office/drawing/2014/main" id="{BD00DF52-60EE-1450-67F7-B96122AFAB99}"/>
               </a:ext>
             </a:extLst>
           </p:cNvPr>
@@ -19610,14 +19738,1335 @@
           <a:bodyPr/>
           <a:lstStyle/>
           <a:p>
-            <a:endParaRPr lang="es-CL"/>
-          </a:p>
-        </p:txBody>
-      </p:sp>
+            <a:r>
+              <a:rPr lang="es-MX" sz="1800" dirty="0"/>
+              <a:t>Se le aplico a cada programa con PSO &amp; DExPSO un test de estrés en un rango [0,10] y 1000 interacciones, </a:t>
+            </a:r>
+            <a:r>
+              <a:rPr lang="es-CL" sz="1800" dirty="0"/>
+              <a:t>se evaluó el punto de convergencia y tiempo de ejecución para 2 funciones. </a:t>
+            </a:r>
+          </a:p>
+          <a:p>
+            <a:r>
+              <a:rPr lang="es-CL" sz="1800" dirty="0"/>
+              <a:t>Función 1: </a:t>
+            </a:r>
+          </a:p>
+          <a:p>
+            <a:endParaRPr lang="es-MX" dirty="0"/>
+          </a:p>
+        </p:txBody>
+      </p:sp>
+      <p:graphicFrame>
+        <p:nvGraphicFramePr>
+          <p:cNvPr id="4" name="Tabla 3">
+            <a:extLst>
+              <a:ext uri="{FF2B5EF4-FFF2-40B4-BE49-F238E27FC236}">
+                <a16:creationId xmlns:a16="http://schemas.microsoft.com/office/drawing/2014/main" id="{38E498C5-6F9B-1EB8-B7A3-C695CBD60E12}"/>
+              </a:ext>
+            </a:extLst>
+          </p:cNvPr>
+          <p:cNvGraphicFramePr>
+            <a:graphicFrameLocks noGrp="1"/>
+          </p:cNvGraphicFramePr>
+          <p:nvPr>
+            <p:extLst>
+              <p:ext uri="{D42A27DB-BD31-4B8C-83A1-F6EECF244321}">
+                <p14:modId xmlns:p14="http://schemas.microsoft.com/office/powerpoint/2010/main" val="607680646"/>
+              </p:ext>
+            </p:extLst>
+          </p:nvPr>
+        </p:nvGraphicFramePr>
+        <p:xfrm>
+          <a:off x="2976311" y="4009922"/>
+          <a:ext cx="6239378" cy="1617155"/>
+        </p:xfrm>
+        <a:graphic>
+          <a:graphicData uri="http://schemas.openxmlformats.org/drawingml/2006/table">
+            <a:tbl>
+              <a:tblPr>
+                <a:tableStyleId>{5C22544A-7EE6-4342-B048-85BDC9FD1C3A}</a:tableStyleId>
+              </a:tblPr>
+              <a:tblGrid>
+                <a:gridCol w="3314493">
+                  <a:extLst>
+                    <a:ext uri="{9D8B030D-6E8A-4147-A177-3AD203B41FA5}">
+                      <a16:colId xmlns:a16="http://schemas.microsoft.com/office/drawing/2014/main" val="1375096303"/>
+                    </a:ext>
+                  </a:extLst>
+                </a:gridCol>
+                <a:gridCol w="1549815">
+                  <a:extLst>
+                    <a:ext uri="{9D8B030D-6E8A-4147-A177-3AD203B41FA5}">
+                      <a16:colId xmlns:a16="http://schemas.microsoft.com/office/drawing/2014/main" val="1803681630"/>
+                    </a:ext>
+                  </a:extLst>
+                </a:gridCol>
+                <a:gridCol w="1375070">
+                  <a:extLst>
+                    <a:ext uri="{9D8B030D-6E8A-4147-A177-3AD203B41FA5}">
+                      <a16:colId xmlns:a16="http://schemas.microsoft.com/office/drawing/2014/main" val="3287558662"/>
+                    </a:ext>
+                  </a:extLst>
+                </a:gridCol>
+              </a:tblGrid>
+              <a:tr h="424450">
+                <a:tc>
+                  <a:txBody>
+                    <a:bodyPr/>
+                    <a:lstStyle/>
+                    <a:p>
+                      <a:pPr algn="l" fontAlgn="b"/>
+                      <a:endParaRPr lang="es-CL" sz="1800" b="0" i="0" u="none" strike="noStrike" dirty="0">
+                        <a:solidFill>
+                          <a:srgbClr val="000000"/>
+                        </a:solidFill>
+                        <a:effectLst/>
+                        <a:latin typeface="Calibri" panose="020F0502020204030204" pitchFamily="34" charset="0"/>
+                      </a:endParaRPr>
+                    </a:p>
+                  </a:txBody>
+                  <a:tcPr marL="9525" marR="9525" marT="9525" marB="0" anchor="b"/>
+                </a:tc>
+                <a:tc>
+                  <a:txBody>
+                    <a:bodyPr/>
+                    <a:lstStyle/>
+                    <a:p>
+                      <a:pPr algn="l" fontAlgn="b"/>
+                      <a:r>
+                        <a:rPr lang="es-CL" sz="1800" u="none" strike="noStrike" dirty="0">
+                          <a:effectLst/>
+                        </a:rPr>
+                        <a:t>PSO</a:t>
+                      </a:r>
+                      <a:endParaRPr lang="es-CL" sz="1800" b="0" i="0" u="none" strike="noStrike" dirty="0">
+                        <a:solidFill>
+                          <a:srgbClr val="000000"/>
+                        </a:solidFill>
+                        <a:effectLst/>
+                        <a:latin typeface="Calibri" panose="020F0502020204030204" pitchFamily="34" charset="0"/>
+                      </a:endParaRPr>
+                    </a:p>
+                  </a:txBody>
+                  <a:tcPr marL="9525" marR="9525" marT="9525" marB="0" anchor="b"/>
+                </a:tc>
+                <a:tc>
+                  <a:txBody>
+                    <a:bodyPr/>
+                    <a:lstStyle/>
+                    <a:p>
+                      <a:pPr algn="l" fontAlgn="b"/>
+                      <a:r>
+                        <a:rPr lang="es-CL" sz="1800" u="none" strike="noStrike">
+                          <a:effectLst/>
+                        </a:rPr>
+                        <a:t>DExPSO</a:t>
+                      </a:r>
+                      <a:endParaRPr lang="es-CL" sz="1800" b="0" i="0" u="none" strike="noStrike">
+                        <a:solidFill>
+                          <a:srgbClr val="000000"/>
+                        </a:solidFill>
+                        <a:effectLst/>
+                        <a:latin typeface="Calibri" panose="020F0502020204030204" pitchFamily="34" charset="0"/>
+                      </a:endParaRPr>
+                    </a:p>
+                  </a:txBody>
+                  <a:tcPr marL="9525" marR="9525" marT="9525" marB="0" anchor="b"/>
+                </a:tc>
+                <a:extLst>
+                  <a:ext uri="{0D108BD9-81ED-4DB2-BD59-A6C34878D82A}">
+                    <a16:rowId xmlns:a16="http://schemas.microsoft.com/office/drawing/2014/main" val="978105924"/>
+                  </a:ext>
+                </a:extLst>
+              </a:tr>
+              <a:tr h="424450">
+                <a:tc>
+                  <a:txBody>
+                    <a:bodyPr/>
+                    <a:lstStyle/>
+                    <a:p>
+                      <a:pPr algn="l" fontAlgn="b"/>
+                      <a:r>
+                        <a:rPr lang="es-CL" sz="1800" u="none" strike="noStrike" dirty="0">
+                          <a:effectLst/>
+                        </a:rPr>
+                        <a:t>Punto de convergencia</a:t>
+                      </a:r>
+                      <a:endParaRPr lang="es-CL" sz="1800" b="0" i="0" u="none" strike="noStrike" dirty="0">
+                        <a:solidFill>
+                          <a:srgbClr val="000000"/>
+                        </a:solidFill>
+                        <a:effectLst/>
+                        <a:latin typeface="Calibri" panose="020F0502020204030204" pitchFamily="34" charset="0"/>
+                      </a:endParaRPr>
+                    </a:p>
+                  </a:txBody>
+                  <a:tcPr marL="9525" marR="9525" marT="9525" marB="0" anchor="b"/>
+                </a:tc>
+                <a:tc>
+                  <a:txBody>
+                    <a:bodyPr/>
+                    <a:lstStyle/>
+                    <a:p>
+                      <a:pPr algn="r" fontAlgn="b"/>
+                      <a:r>
+                        <a:rPr lang="es-CL" sz="1800" u="none" strike="noStrike" dirty="0">
+                          <a:effectLst/>
+                        </a:rPr>
+                        <a:t>4,999671</a:t>
+                      </a:r>
+                      <a:endParaRPr lang="es-CL" sz="1800" b="0" i="0" u="none" strike="noStrike" dirty="0">
+                        <a:solidFill>
+                          <a:srgbClr val="000000"/>
+                        </a:solidFill>
+                        <a:effectLst/>
+                        <a:latin typeface="Calibri" panose="020F0502020204030204" pitchFamily="34" charset="0"/>
+                      </a:endParaRPr>
+                    </a:p>
+                  </a:txBody>
+                  <a:tcPr marL="9525" marR="9525" marT="9525" marB="0" anchor="b"/>
+                </a:tc>
+                <a:tc>
+                  <a:txBody>
+                    <a:bodyPr/>
+                    <a:lstStyle/>
+                    <a:p>
+                      <a:pPr algn="r" fontAlgn="b"/>
+                      <a:r>
+                        <a:rPr lang="es-CL" sz="1800" u="none" strike="noStrike">
+                          <a:effectLst/>
+                        </a:rPr>
+                        <a:t>4,999671</a:t>
+                      </a:r>
+                      <a:endParaRPr lang="es-CL" sz="1800" b="0" i="0" u="none" strike="noStrike">
+                        <a:solidFill>
+                          <a:srgbClr val="000000"/>
+                        </a:solidFill>
+                        <a:effectLst/>
+                        <a:latin typeface="Calibri" panose="020F0502020204030204" pitchFamily="34" charset="0"/>
+                      </a:endParaRPr>
+                    </a:p>
+                  </a:txBody>
+                  <a:tcPr marL="9525" marR="9525" marT="9525" marB="0" anchor="b"/>
+                </a:tc>
+                <a:extLst>
+                  <a:ext uri="{0D108BD9-81ED-4DB2-BD59-A6C34878D82A}">
+                    <a16:rowId xmlns:a16="http://schemas.microsoft.com/office/drawing/2014/main" val="2801599353"/>
+                  </a:ext>
+                </a:extLst>
+              </a:tr>
+              <a:tr h="768255">
+                <a:tc>
+                  <a:txBody>
+                    <a:bodyPr/>
+                    <a:lstStyle/>
+                    <a:p>
+                      <a:pPr algn="l" fontAlgn="b"/>
+                      <a:r>
+                        <a:rPr lang="es-CL" sz="1800" u="none" strike="noStrike" dirty="0">
+                          <a:effectLst/>
+                        </a:rPr>
+                        <a:t>Tiempo de ejecución(segundos)</a:t>
+                      </a:r>
+                      <a:endParaRPr lang="es-CL" sz="1800" b="0" i="0" u="none" strike="noStrike" dirty="0">
+                        <a:solidFill>
+                          <a:srgbClr val="000000"/>
+                        </a:solidFill>
+                        <a:effectLst/>
+                        <a:latin typeface="Calibri" panose="020F0502020204030204" pitchFamily="34" charset="0"/>
+                      </a:endParaRPr>
+                    </a:p>
+                  </a:txBody>
+                  <a:tcPr marL="9525" marR="9525" marT="9525" marB="0" anchor="b"/>
+                </a:tc>
+                <a:tc>
+                  <a:txBody>
+                    <a:bodyPr/>
+                    <a:lstStyle/>
+                    <a:p>
+                      <a:pPr algn="r" fontAlgn="b"/>
+                      <a:r>
+                        <a:rPr lang="es-CL" sz="1800" u="none" strike="noStrike" dirty="0">
+                          <a:effectLst/>
+                        </a:rPr>
+                        <a:t>308,23947</a:t>
+                      </a:r>
+                      <a:endParaRPr lang="es-CL" sz="1800" b="0" i="0" u="none" strike="noStrike" dirty="0">
+                        <a:solidFill>
+                          <a:srgbClr val="000000"/>
+                        </a:solidFill>
+                        <a:effectLst/>
+                        <a:latin typeface="Calibri" panose="020F0502020204030204" pitchFamily="34" charset="0"/>
+                      </a:endParaRPr>
+                    </a:p>
+                  </a:txBody>
+                  <a:tcPr marL="9525" marR="9525" marT="9525" marB="0" anchor="b"/>
+                </a:tc>
+                <a:tc>
+                  <a:txBody>
+                    <a:bodyPr/>
+                    <a:lstStyle/>
+                    <a:p>
+                      <a:pPr algn="r" fontAlgn="b"/>
+                      <a:r>
+                        <a:rPr lang="es-CL" sz="1800" u="none" strike="noStrike" dirty="0">
+                          <a:effectLst/>
+                        </a:rPr>
+                        <a:t>275,83437</a:t>
+                      </a:r>
+                      <a:endParaRPr lang="es-CL" sz="1800" b="0" i="0" u="none" strike="noStrike" dirty="0">
+                        <a:solidFill>
+                          <a:srgbClr val="000000"/>
+                        </a:solidFill>
+                        <a:effectLst/>
+                        <a:latin typeface="Calibri" panose="020F0502020204030204" pitchFamily="34" charset="0"/>
+                      </a:endParaRPr>
+                    </a:p>
+                  </a:txBody>
+                  <a:tcPr marL="9525" marR="9525" marT="9525" marB="0" anchor="b"/>
+                </a:tc>
+                <a:extLst>
+                  <a:ext uri="{0D108BD9-81ED-4DB2-BD59-A6C34878D82A}">
+                    <a16:rowId xmlns:a16="http://schemas.microsoft.com/office/drawing/2014/main" val="252252140"/>
+                  </a:ext>
+                </a:extLst>
+              </a:tr>
+            </a:tbl>
+          </a:graphicData>
+        </a:graphic>
+      </p:graphicFrame>
     </p:spTree>
     <p:extLst>
       <p:ext uri="{BB962C8B-B14F-4D97-AF65-F5344CB8AC3E}">
-        <p14:creationId xmlns:p14="http://schemas.microsoft.com/office/powerpoint/2010/main" val="2035211936"/>
+        <p14:creationId xmlns:p14="http://schemas.microsoft.com/office/powerpoint/2010/main" val="2003846823"/>
+      </p:ext>
+    </p:extLst>
+  </p:cSld>
+  <p:clrMapOvr>
+    <a:masterClrMapping/>
+  </p:clrMapOvr>
+</p:sld>
+</file>
+
+<file path=ppt/slides/slide12.xml><?xml version="1.0" encoding="utf-8"?>
+<p:sld xmlns:a="http://schemas.openxmlformats.org/drawingml/2006/main" xmlns:r="http://schemas.openxmlformats.org/officeDocument/2006/relationships" xmlns:p="http://schemas.openxmlformats.org/presentationml/2006/main">
+  <p:cSld>
+    <p:spTree>
+      <p:nvGrpSpPr>
+        <p:cNvPr id="1" name=""/>
+        <p:cNvGrpSpPr/>
+        <p:nvPr/>
+      </p:nvGrpSpPr>
+      <p:grpSpPr>
+        <a:xfrm>
+          <a:off x="0" y="0"/>
+          <a:ext cx="0" cy="0"/>
+          <a:chOff x="0" y="0"/>
+          <a:chExt cx="0" cy="0"/>
+        </a:xfrm>
+      </p:grpSpPr>
+      <p:sp>
+        <p:nvSpPr>
+          <p:cNvPr id="2" name="Título 1">
+            <a:extLst>
+              <a:ext uri="{FF2B5EF4-FFF2-40B4-BE49-F238E27FC236}">
+                <a16:creationId xmlns:a16="http://schemas.microsoft.com/office/drawing/2014/main" id="{7D22A4B0-139C-D846-3D3D-CD9CD522CF5F}"/>
+              </a:ext>
+            </a:extLst>
+          </p:cNvPr>
+          <p:cNvSpPr>
+            <a:spLocks noGrp="1"/>
+          </p:cNvSpPr>
+          <p:nvPr>
+            <p:ph type="title"/>
+          </p:nvPr>
+        </p:nvSpPr>
+        <p:spPr/>
+        <p:txBody>
+          <a:bodyPr/>
+          <a:lstStyle/>
+          <a:p>
+            <a:r>
+              <a:rPr lang="es-MX" dirty="0"/>
+              <a:t>Datos de comparación </a:t>
+            </a:r>
+            <a:endParaRPr lang="es-CL" dirty="0"/>
+          </a:p>
+        </p:txBody>
+      </p:sp>
+      <p:sp>
+        <p:nvSpPr>
+          <p:cNvPr id="3" name="Marcador de contenido 2">
+            <a:extLst>
+              <a:ext uri="{FF2B5EF4-FFF2-40B4-BE49-F238E27FC236}">
+                <a16:creationId xmlns:a16="http://schemas.microsoft.com/office/drawing/2014/main" id="{69AECEA7-623B-8369-8BBF-C429AC03A822}"/>
+              </a:ext>
+            </a:extLst>
+          </p:cNvPr>
+          <p:cNvSpPr>
+            <a:spLocks noGrp="1"/>
+          </p:cNvSpPr>
+          <p:nvPr>
+            <p:ph idx="1"/>
+          </p:nvPr>
+        </p:nvSpPr>
+        <p:spPr/>
+        <p:txBody>
+          <a:bodyPr/>
+          <a:lstStyle/>
+          <a:p>
+            <a:r>
+              <a:rPr lang="es-MX" dirty="0"/>
+              <a:t>Función 2: </a:t>
+            </a:r>
+            <a:endParaRPr lang="es-CL" dirty="0"/>
+          </a:p>
+        </p:txBody>
+      </p:sp>
+      <p:graphicFrame>
+        <p:nvGraphicFramePr>
+          <p:cNvPr id="4" name="Tabla 3">
+            <a:extLst>
+              <a:ext uri="{FF2B5EF4-FFF2-40B4-BE49-F238E27FC236}">
+                <a16:creationId xmlns:a16="http://schemas.microsoft.com/office/drawing/2014/main" id="{6DBEEE52-5847-A353-5AED-1AB7B64A8ECA}"/>
+              </a:ext>
+            </a:extLst>
+          </p:cNvPr>
+          <p:cNvGraphicFramePr>
+            <a:graphicFrameLocks noGrp="1"/>
+          </p:cNvGraphicFramePr>
+          <p:nvPr>
+            <p:extLst>
+              <p:ext uri="{D42A27DB-BD31-4B8C-83A1-F6EECF244321}">
+                <p14:modId xmlns:p14="http://schemas.microsoft.com/office/powerpoint/2010/main" val="4210007279"/>
+              </p:ext>
+            </p:extLst>
+          </p:nvPr>
+        </p:nvGraphicFramePr>
+        <p:xfrm>
+          <a:off x="3040184" y="3326992"/>
+          <a:ext cx="6111631" cy="2097379"/>
+        </p:xfrm>
+        <a:graphic>
+          <a:graphicData uri="http://schemas.openxmlformats.org/drawingml/2006/table">
+            <a:tbl>
+              <a:tblPr>
+                <a:tableStyleId>{5C22544A-7EE6-4342-B048-85BDC9FD1C3A}</a:tableStyleId>
+              </a:tblPr>
+              <a:tblGrid>
+                <a:gridCol w="3417799">
+                  <a:extLst>
+                    <a:ext uri="{9D8B030D-6E8A-4147-A177-3AD203B41FA5}">
+                      <a16:colId xmlns:a16="http://schemas.microsoft.com/office/drawing/2014/main" val="2961338113"/>
+                    </a:ext>
+                  </a:extLst>
+                </a:gridCol>
+                <a:gridCol w="1346916">
+                  <a:extLst>
+                    <a:ext uri="{9D8B030D-6E8A-4147-A177-3AD203B41FA5}">
+                      <a16:colId xmlns:a16="http://schemas.microsoft.com/office/drawing/2014/main" val="2604377844"/>
+                    </a:ext>
+                  </a:extLst>
+                </a:gridCol>
+                <a:gridCol w="1346916">
+                  <a:extLst>
+                    <a:ext uri="{9D8B030D-6E8A-4147-A177-3AD203B41FA5}">
+                      <a16:colId xmlns:a16="http://schemas.microsoft.com/office/drawing/2014/main" val="3058146041"/>
+                    </a:ext>
+                  </a:extLst>
+                </a:gridCol>
+              </a:tblGrid>
+              <a:tr h="550493">
+                <a:tc>
+                  <a:txBody>
+                    <a:bodyPr/>
+                    <a:lstStyle/>
+                    <a:p>
+                      <a:pPr algn="l" fontAlgn="b"/>
+                      <a:endParaRPr lang="es-CL" sz="1800" b="0" i="0" u="none" strike="noStrike" dirty="0">
+                        <a:solidFill>
+                          <a:srgbClr val="000000"/>
+                        </a:solidFill>
+                        <a:effectLst/>
+                        <a:latin typeface="Calibri" panose="020F0502020204030204" pitchFamily="34" charset="0"/>
+                      </a:endParaRPr>
+                    </a:p>
+                  </a:txBody>
+                  <a:tcPr marL="9525" marR="9525" marT="9525" marB="0" anchor="b"/>
+                </a:tc>
+                <a:tc>
+                  <a:txBody>
+                    <a:bodyPr/>
+                    <a:lstStyle/>
+                    <a:p>
+                      <a:pPr algn="l" fontAlgn="b"/>
+                      <a:r>
+                        <a:rPr lang="es-CL" sz="1800" u="none" strike="noStrike">
+                          <a:effectLst/>
+                        </a:rPr>
+                        <a:t>PSO</a:t>
+                      </a:r>
+                      <a:endParaRPr lang="es-CL" sz="1800" b="0" i="0" u="none" strike="noStrike">
+                        <a:solidFill>
+                          <a:srgbClr val="000000"/>
+                        </a:solidFill>
+                        <a:effectLst/>
+                        <a:latin typeface="Calibri" panose="020F0502020204030204" pitchFamily="34" charset="0"/>
+                      </a:endParaRPr>
+                    </a:p>
+                  </a:txBody>
+                  <a:tcPr marL="9525" marR="9525" marT="9525" marB="0" anchor="b"/>
+                </a:tc>
+                <a:tc>
+                  <a:txBody>
+                    <a:bodyPr/>
+                    <a:lstStyle/>
+                    <a:p>
+                      <a:pPr algn="l" fontAlgn="b"/>
+                      <a:r>
+                        <a:rPr lang="es-CL" sz="1800" u="none" strike="noStrike">
+                          <a:effectLst/>
+                        </a:rPr>
+                        <a:t>DExPSO</a:t>
+                      </a:r>
+                      <a:endParaRPr lang="es-CL" sz="1800" b="0" i="0" u="none" strike="noStrike">
+                        <a:solidFill>
+                          <a:srgbClr val="000000"/>
+                        </a:solidFill>
+                        <a:effectLst/>
+                        <a:latin typeface="Calibri" panose="020F0502020204030204" pitchFamily="34" charset="0"/>
+                      </a:endParaRPr>
+                    </a:p>
+                  </a:txBody>
+                  <a:tcPr marL="9525" marR="9525" marT="9525" marB="0" anchor="b"/>
+                </a:tc>
+                <a:extLst>
+                  <a:ext uri="{0D108BD9-81ED-4DB2-BD59-A6C34878D82A}">
+                    <a16:rowId xmlns:a16="http://schemas.microsoft.com/office/drawing/2014/main" val="3904650684"/>
+                  </a:ext>
+                </a:extLst>
+              </a:tr>
+              <a:tr h="550493">
+                <a:tc>
+                  <a:txBody>
+                    <a:bodyPr/>
+                    <a:lstStyle/>
+                    <a:p>
+                      <a:pPr algn="l" fontAlgn="b"/>
+                      <a:r>
+                        <a:rPr lang="es-CL" sz="1800" u="none" strike="noStrike" dirty="0">
+                          <a:effectLst/>
+                        </a:rPr>
+                        <a:t>Punto de convergencia</a:t>
+                      </a:r>
+                      <a:endParaRPr lang="es-CL" sz="1800" b="0" i="0" u="none" strike="noStrike" dirty="0">
+                        <a:solidFill>
+                          <a:srgbClr val="000000"/>
+                        </a:solidFill>
+                        <a:effectLst/>
+                        <a:latin typeface="Calibri" panose="020F0502020204030204" pitchFamily="34" charset="0"/>
+                      </a:endParaRPr>
+                    </a:p>
+                  </a:txBody>
+                  <a:tcPr marL="9525" marR="9525" marT="9525" marB="0" anchor="b"/>
+                </a:tc>
+                <a:tc>
+                  <a:txBody>
+                    <a:bodyPr/>
+                    <a:lstStyle/>
+                    <a:p>
+                      <a:pPr algn="r" fontAlgn="b"/>
+                      <a:r>
+                        <a:rPr lang="es-CL" sz="1800" u="none" strike="noStrike">
+                          <a:effectLst/>
+                        </a:rPr>
+                        <a:t>3,999753</a:t>
+                      </a:r>
+                      <a:endParaRPr lang="es-CL" sz="1800" b="0" i="0" u="none" strike="noStrike">
+                        <a:solidFill>
+                          <a:srgbClr val="000000"/>
+                        </a:solidFill>
+                        <a:effectLst/>
+                        <a:latin typeface="Calibri" panose="020F0502020204030204" pitchFamily="34" charset="0"/>
+                      </a:endParaRPr>
+                    </a:p>
+                  </a:txBody>
+                  <a:tcPr marL="9525" marR="9525" marT="9525" marB="0" anchor="b"/>
+                </a:tc>
+                <a:tc>
+                  <a:txBody>
+                    <a:bodyPr/>
+                    <a:lstStyle/>
+                    <a:p>
+                      <a:pPr algn="r" fontAlgn="b"/>
+                      <a:r>
+                        <a:rPr lang="es-CL" sz="1800" u="none" strike="noStrike">
+                          <a:effectLst/>
+                        </a:rPr>
+                        <a:t>3,999753</a:t>
+                      </a:r>
+                      <a:endParaRPr lang="es-CL" sz="1800" b="0" i="0" u="none" strike="noStrike">
+                        <a:solidFill>
+                          <a:srgbClr val="000000"/>
+                        </a:solidFill>
+                        <a:effectLst/>
+                        <a:latin typeface="Calibri" panose="020F0502020204030204" pitchFamily="34" charset="0"/>
+                      </a:endParaRPr>
+                    </a:p>
+                  </a:txBody>
+                  <a:tcPr marL="9525" marR="9525" marT="9525" marB="0" anchor="b"/>
+                </a:tc>
+                <a:extLst>
+                  <a:ext uri="{0D108BD9-81ED-4DB2-BD59-A6C34878D82A}">
+                    <a16:rowId xmlns:a16="http://schemas.microsoft.com/office/drawing/2014/main" val="142014039"/>
+                  </a:ext>
+                </a:extLst>
+              </a:tr>
+              <a:tr h="996393">
+                <a:tc>
+                  <a:txBody>
+                    <a:bodyPr/>
+                    <a:lstStyle/>
+                    <a:p>
+                      <a:pPr algn="l" fontAlgn="b"/>
+                      <a:r>
+                        <a:rPr lang="es-CL" sz="1800" u="none" strike="noStrike" dirty="0">
+                          <a:effectLst/>
+                        </a:rPr>
+                        <a:t>Tiempo de ejecución(segundos)</a:t>
+                      </a:r>
+                      <a:endParaRPr lang="es-CL" sz="1800" b="0" i="0" u="none" strike="noStrike" dirty="0">
+                        <a:solidFill>
+                          <a:srgbClr val="000000"/>
+                        </a:solidFill>
+                        <a:effectLst/>
+                        <a:latin typeface="Calibri" panose="020F0502020204030204" pitchFamily="34" charset="0"/>
+                      </a:endParaRPr>
+                    </a:p>
+                  </a:txBody>
+                  <a:tcPr marL="9525" marR="9525" marT="9525" marB="0" anchor="b"/>
+                </a:tc>
+                <a:tc>
+                  <a:txBody>
+                    <a:bodyPr/>
+                    <a:lstStyle/>
+                    <a:p>
+                      <a:pPr algn="r" fontAlgn="b"/>
+                      <a:r>
+                        <a:rPr lang="es-CL" sz="1800" u="none" strike="noStrike" dirty="0">
+                          <a:effectLst/>
+                        </a:rPr>
+                        <a:t>113,33807</a:t>
+                      </a:r>
+                      <a:endParaRPr lang="es-CL" sz="1800" b="0" i="0" u="none" strike="noStrike" dirty="0">
+                        <a:solidFill>
+                          <a:srgbClr val="000000"/>
+                        </a:solidFill>
+                        <a:effectLst/>
+                        <a:latin typeface="Calibri" panose="020F0502020204030204" pitchFamily="34" charset="0"/>
+                      </a:endParaRPr>
+                    </a:p>
+                  </a:txBody>
+                  <a:tcPr marL="9525" marR="9525" marT="9525" marB="0" anchor="b"/>
+                </a:tc>
+                <a:tc>
+                  <a:txBody>
+                    <a:bodyPr/>
+                    <a:lstStyle/>
+                    <a:p>
+                      <a:pPr algn="r" fontAlgn="b"/>
+                      <a:r>
+                        <a:rPr lang="es-CL" sz="1800" u="none" strike="noStrike" dirty="0">
+                          <a:effectLst/>
+                        </a:rPr>
+                        <a:t>84,99834</a:t>
+                      </a:r>
+                      <a:endParaRPr lang="es-CL" sz="1800" b="0" i="0" u="none" strike="noStrike" dirty="0">
+                        <a:solidFill>
+                          <a:srgbClr val="000000"/>
+                        </a:solidFill>
+                        <a:effectLst/>
+                        <a:latin typeface="Calibri" panose="020F0502020204030204" pitchFamily="34" charset="0"/>
+                      </a:endParaRPr>
+                    </a:p>
+                  </a:txBody>
+                  <a:tcPr marL="9525" marR="9525" marT="9525" marB="0" anchor="b"/>
+                </a:tc>
+                <a:extLst>
+                  <a:ext uri="{0D108BD9-81ED-4DB2-BD59-A6C34878D82A}">
+                    <a16:rowId xmlns:a16="http://schemas.microsoft.com/office/drawing/2014/main" val="2416730434"/>
+                  </a:ext>
+                </a:extLst>
+              </a:tr>
+            </a:tbl>
+          </a:graphicData>
+        </a:graphic>
+      </p:graphicFrame>
+    </p:spTree>
+    <p:extLst>
+      <p:ext uri="{BB962C8B-B14F-4D97-AF65-F5344CB8AC3E}">
+        <p14:creationId xmlns:p14="http://schemas.microsoft.com/office/powerpoint/2010/main" val="650566364"/>
+      </p:ext>
+    </p:extLst>
+  </p:cSld>
+  <p:clrMapOvr>
+    <a:masterClrMapping/>
+  </p:clrMapOvr>
+</p:sld>
+</file>
+
+<file path=ppt/slides/slide13.xml><?xml version="1.0" encoding="utf-8"?>
+<p:sld xmlns:a="http://schemas.openxmlformats.org/drawingml/2006/main" xmlns:r="http://schemas.openxmlformats.org/officeDocument/2006/relationships" xmlns:p="http://schemas.openxmlformats.org/presentationml/2006/main">
+  <p:cSld>
+    <p:spTree>
+      <p:nvGrpSpPr>
+        <p:cNvPr id="1" name=""/>
+        <p:cNvGrpSpPr/>
+        <p:nvPr/>
+      </p:nvGrpSpPr>
+      <p:grpSpPr>
+        <a:xfrm>
+          <a:off x="0" y="0"/>
+          <a:ext cx="0" cy="0"/>
+          <a:chOff x="0" y="0"/>
+          <a:chExt cx="0" cy="0"/>
+        </a:xfrm>
+      </p:grpSpPr>
+      <p:sp>
+        <p:nvSpPr>
+          <p:cNvPr id="2" name="Título 1">
+            <a:extLst>
+              <a:ext uri="{FF2B5EF4-FFF2-40B4-BE49-F238E27FC236}">
+                <a16:creationId xmlns:a16="http://schemas.microsoft.com/office/drawing/2014/main" id="{61BFE963-96F7-159C-6512-28B4F4576A5A}"/>
+              </a:ext>
+            </a:extLst>
+          </p:cNvPr>
+          <p:cNvSpPr>
+            <a:spLocks noGrp="1"/>
+          </p:cNvSpPr>
+          <p:nvPr>
+            <p:ph type="title"/>
+          </p:nvPr>
+        </p:nvSpPr>
+        <p:spPr/>
+        <p:txBody>
+          <a:bodyPr/>
+          <a:lstStyle/>
+          <a:p>
+            <a:r>
+              <a:rPr lang="es-MX" dirty="0"/>
+              <a:t>Datos de comparación con cambio de variable </a:t>
+            </a:r>
+            <a:endParaRPr lang="es-CL" dirty="0"/>
+          </a:p>
+        </p:txBody>
+      </p:sp>
+      <p:sp>
+        <p:nvSpPr>
+          <p:cNvPr id="3" name="Marcador de contenido 2">
+            <a:extLst>
+              <a:ext uri="{FF2B5EF4-FFF2-40B4-BE49-F238E27FC236}">
+                <a16:creationId xmlns:a16="http://schemas.microsoft.com/office/drawing/2014/main" id="{79F99744-52B0-CD22-21AD-159A0D0C4B70}"/>
+              </a:ext>
+            </a:extLst>
+          </p:cNvPr>
+          <p:cNvSpPr>
+            <a:spLocks noGrp="1"/>
+          </p:cNvSpPr>
+          <p:nvPr>
+            <p:ph idx="1"/>
+          </p:nvPr>
+        </p:nvSpPr>
+        <p:spPr/>
+        <p:txBody>
+          <a:bodyPr/>
+          <a:lstStyle/>
+          <a:p>
+            <a:r>
+              <a:rPr lang="es-CL" sz="1800" kern="100" dirty="0">
+                <a:effectLst/>
+                <a:latin typeface="Arial" panose="020B0604020202020204" pitchFamily="34" charset="0"/>
+                <a:ea typeface="Calibri" panose="020F0502020204030204" pitchFamily="34" charset="0"/>
+                <a:cs typeface="Times New Roman" panose="02020603050405020304" pitchFamily="18" charset="0"/>
+              </a:rPr>
+              <a:t>Para seguir comprobando eficiencia se plantea la siguiente pregunta: Para la misma función 1, </a:t>
+            </a:r>
+            <a:r>
+              <a:rPr lang="es-CL" sz="1800" kern="100" dirty="0">
+                <a:latin typeface="Arial" panose="020B0604020202020204" pitchFamily="34" charset="0"/>
+                <a:ea typeface="Calibri" panose="020F0502020204030204" pitchFamily="34" charset="0"/>
+                <a:cs typeface="Times New Roman" panose="02020603050405020304" pitchFamily="18" charset="0"/>
+              </a:rPr>
+              <a:t>s</a:t>
+            </a:r>
+            <a:r>
+              <a:rPr lang="es-CL" sz="1800" kern="100" dirty="0">
+                <a:effectLst/>
+                <a:latin typeface="Arial" panose="020B0604020202020204" pitchFamily="34" charset="0"/>
+                <a:ea typeface="Calibri" panose="020F0502020204030204" pitchFamily="34" charset="0"/>
+                <a:cs typeface="Times New Roman" panose="02020603050405020304" pitchFamily="18" charset="0"/>
+              </a:rPr>
+              <a:t>í cambiamos z por un valor aleatorio entre un rango [2,3]</a:t>
+            </a:r>
+            <a:r>
+              <a:rPr lang="es-CL" sz="1800" kern="100" dirty="0">
+                <a:latin typeface="Arial" panose="020B0604020202020204" pitchFamily="34" charset="0"/>
+                <a:ea typeface="Calibri" panose="020F0502020204030204" pitchFamily="34" charset="0"/>
+                <a:cs typeface="Times New Roman" panose="02020603050405020304" pitchFamily="18" charset="0"/>
+              </a:rPr>
+              <a:t> ¿S</a:t>
+            </a:r>
+            <a:r>
+              <a:rPr lang="es-CL" sz="1800" kern="100" dirty="0">
+                <a:effectLst/>
+                <a:latin typeface="Arial" panose="020B0604020202020204" pitchFamily="34" charset="0"/>
+                <a:ea typeface="Calibri" panose="020F0502020204030204" pitchFamily="34" charset="0"/>
+                <a:cs typeface="Times New Roman" panose="02020603050405020304" pitchFamily="18" charset="0"/>
+              </a:rPr>
+              <a:t>e mantendrá la misma eficiencia o similar?</a:t>
+            </a:r>
+            <a:endParaRPr lang="es-CL" sz="1800" kern="100" dirty="0">
+              <a:effectLst/>
+              <a:latin typeface="Calibri" panose="020F0502020204030204" pitchFamily="34" charset="0"/>
+              <a:ea typeface="Calibri" panose="020F0502020204030204" pitchFamily="34" charset="0"/>
+              <a:cs typeface="Times New Roman" panose="02020603050405020304" pitchFamily="18" charset="0"/>
+            </a:endParaRPr>
+          </a:p>
+          <a:p>
+            <a:endParaRPr lang="es-CL" dirty="0"/>
+          </a:p>
+        </p:txBody>
+      </p:sp>
+      <p:graphicFrame>
+        <p:nvGraphicFramePr>
+          <p:cNvPr id="4" name="Tabla 3">
+            <a:extLst>
+              <a:ext uri="{FF2B5EF4-FFF2-40B4-BE49-F238E27FC236}">
+                <a16:creationId xmlns:a16="http://schemas.microsoft.com/office/drawing/2014/main" id="{4E080E22-BD9E-56EC-683D-6FFD0DBA6689}"/>
+              </a:ext>
+            </a:extLst>
+          </p:cNvPr>
+          <p:cNvGraphicFramePr>
+            <a:graphicFrameLocks noGrp="1"/>
+          </p:cNvGraphicFramePr>
+          <p:nvPr>
+            <p:extLst>
+              <p:ext uri="{D42A27DB-BD31-4B8C-83A1-F6EECF244321}">
+                <p14:modId xmlns:p14="http://schemas.microsoft.com/office/powerpoint/2010/main" val="363502697"/>
+              </p:ext>
+            </p:extLst>
+          </p:nvPr>
+        </p:nvGraphicFramePr>
+        <p:xfrm>
+          <a:off x="3076917" y="3824741"/>
+          <a:ext cx="6038166" cy="2111448"/>
+        </p:xfrm>
+        <a:graphic>
+          <a:graphicData uri="http://schemas.openxmlformats.org/drawingml/2006/table">
+            <a:tbl>
+              <a:tblPr>
+                <a:tableStyleId>{5C22544A-7EE6-4342-B048-85BDC9FD1C3A}</a:tableStyleId>
+              </a:tblPr>
+              <a:tblGrid>
+                <a:gridCol w="3376716">
+                  <a:extLst>
+                    <a:ext uri="{9D8B030D-6E8A-4147-A177-3AD203B41FA5}">
+                      <a16:colId xmlns:a16="http://schemas.microsoft.com/office/drawing/2014/main" val="3394229363"/>
+                    </a:ext>
+                  </a:extLst>
+                </a:gridCol>
+                <a:gridCol w="1330725">
+                  <a:extLst>
+                    <a:ext uri="{9D8B030D-6E8A-4147-A177-3AD203B41FA5}">
+                      <a16:colId xmlns:a16="http://schemas.microsoft.com/office/drawing/2014/main" val="276044106"/>
+                    </a:ext>
+                  </a:extLst>
+                </a:gridCol>
+                <a:gridCol w="1330725">
+                  <a:extLst>
+                    <a:ext uri="{9D8B030D-6E8A-4147-A177-3AD203B41FA5}">
+                      <a16:colId xmlns:a16="http://schemas.microsoft.com/office/drawing/2014/main" val="33532743"/>
+                    </a:ext>
+                  </a:extLst>
+                </a:gridCol>
+              </a:tblGrid>
+              <a:tr h="554186">
+                <a:tc>
+                  <a:txBody>
+                    <a:bodyPr/>
+                    <a:lstStyle/>
+                    <a:p>
+                      <a:pPr algn="l" fontAlgn="b"/>
+                      <a:endParaRPr lang="es-CL" sz="1800" b="0" i="0" u="none" strike="noStrike" dirty="0">
+                        <a:solidFill>
+                          <a:srgbClr val="000000"/>
+                        </a:solidFill>
+                        <a:effectLst/>
+                        <a:latin typeface="Calibri" panose="020F0502020204030204" pitchFamily="34" charset="0"/>
+                      </a:endParaRPr>
+                    </a:p>
+                  </a:txBody>
+                  <a:tcPr marL="9525" marR="9525" marT="9525" marB="0" anchor="b"/>
+                </a:tc>
+                <a:tc>
+                  <a:txBody>
+                    <a:bodyPr/>
+                    <a:lstStyle/>
+                    <a:p>
+                      <a:pPr algn="l" fontAlgn="b"/>
+                      <a:r>
+                        <a:rPr lang="es-CL" sz="1800" u="none" strike="noStrike">
+                          <a:effectLst/>
+                        </a:rPr>
+                        <a:t>PSO</a:t>
+                      </a:r>
+                      <a:endParaRPr lang="es-CL" sz="1800" b="0" i="0" u="none" strike="noStrike">
+                        <a:solidFill>
+                          <a:srgbClr val="000000"/>
+                        </a:solidFill>
+                        <a:effectLst/>
+                        <a:latin typeface="Calibri" panose="020F0502020204030204" pitchFamily="34" charset="0"/>
+                      </a:endParaRPr>
+                    </a:p>
+                  </a:txBody>
+                  <a:tcPr marL="9525" marR="9525" marT="9525" marB="0" anchor="b"/>
+                </a:tc>
+                <a:tc>
+                  <a:txBody>
+                    <a:bodyPr/>
+                    <a:lstStyle/>
+                    <a:p>
+                      <a:pPr algn="l" fontAlgn="b"/>
+                      <a:r>
+                        <a:rPr lang="es-CL" sz="1800" u="none" strike="noStrike">
+                          <a:effectLst/>
+                        </a:rPr>
+                        <a:t>DExPSO</a:t>
+                      </a:r>
+                      <a:endParaRPr lang="es-CL" sz="1800" b="0" i="0" u="none" strike="noStrike">
+                        <a:solidFill>
+                          <a:srgbClr val="000000"/>
+                        </a:solidFill>
+                        <a:effectLst/>
+                        <a:latin typeface="Calibri" panose="020F0502020204030204" pitchFamily="34" charset="0"/>
+                      </a:endParaRPr>
+                    </a:p>
+                  </a:txBody>
+                  <a:tcPr marL="9525" marR="9525" marT="9525" marB="0" anchor="b"/>
+                </a:tc>
+                <a:extLst>
+                  <a:ext uri="{0D108BD9-81ED-4DB2-BD59-A6C34878D82A}">
+                    <a16:rowId xmlns:a16="http://schemas.microsoft.com/office/drawing/2014/main" val="3458663354"/>
+                  </a:ext>
+                </a:extLst>
+              </a:tr>
+              <a:tr h="554186">
+                <a:tc>
+                  <a:txBody>
+                    <a:bodyPr/>
+                    <a:lstStyle/>
+                    <a:p>
+                      <a:pPr algn="l" fontAlgn="b"/>
+                      <a:r>
+                        <a:rPr lang="es-CL" sz="1800" u="none" strike="noStrike" dirty="0">
+                          <a:effectLst/>
+                        </a:rPr>
+                        <a:t>Punto de convergencia</a:t>
+                      </a:r>
+                      <a:endParaRPr lang="es-CL" sz="1800" b="0" i="0" u="none" strike="noStrike" dirty="0">
+                        <a:solidFill>
+                          <a:srgbClr val="000000"/>
+                        </a:solidFill>
+                        <a:effectLst/>
+                        <a:latin typeface="Calibri" panose="020F0502020204030204" pitchFamily="34" charset="0"/>
+                      </a:endParaRPr>
+                    </a:p>
+                  </a:txBody>
+                  <a:tcPr marL="9525" marR="9525" marT="9525" marB="0" anchor="b"/>
+                </a:tc>
+                <a:tc>
+                  <a:txBody>
+                    <a:bodyPr/>
+                    <a:lstStyle/>
+                    <a:p>
+                      <a:pPr algn="r" fontAlgn="b"/>
+                      <a:r>
+                        <a:rPr lang="es-CL" sz="1800" u="none" strike="noStrike" dirty="0">
+                          <a:effectLst/>
+                        </a:rPr>
+                        <a:t>4,9043</a:t>
+                      </a:r>
+                      <a:endParaRPr lang="es-CL" sz="1800" b="0" i="0" u="none" strike="noStrike" dirty="0">
+                        <a:solidFill>
+                          <a:srgbClr val="000000"/>
+                        </a:solidFill>
+                        <a:effectLst/>
+                        <a:latin typeface="Calibri" panose="020F0502020204030204" pitchFamily="34" charset="0"/>
+                      </a:endParaRPr>
+                    </a:p>
+                  </a:txBody>
+                  <a:tcPr marL="9525" marR="9525" marT="9525" marB="0" anchor="b"/>
+                </a:tc>
+                <a:tc>
+                  <a:txBody>
+                    <a:bodyPr/>
+                    <a:lstStyle/>
+                    <a:p>
+                      <a:pPr algn="r" fontAlgn="b"/>
+                      <a:r>
+                        <a:rPr lang="es-CL" sz="1800" u="none" strike="noStrike" dirty="0">
+                          <a:effectLst/>
+                        </a:rPr>
+                        <a:t>4,7613</a:t>
+                      </a:r>
+                      <a:endParaRPr lang="es-CL" sz="1800" b="0" i="0" u="none" strike="noStrike" dirty="0">
+                        <a:solidFill>
+                          <a:srgbClr val="000000"/>
+                        </a:solidFill>
+                        <a:effectLst/>
+                        <a:latin typeface="Calibri" panose="020F0502020204030204" pitchFamily="34" charset="0"/>
+                      </a:endParaRPr>
+                    </a:p>
+                  </a:txBody>
+                  <a:tcPr marL="9525" marR="9525" marT="9525" marB="0" anchor="b"/>
+                </a:tc>
+                <a:extLst>
+                  <a:ext uri="{0D108BD9-81ED-4DB2-BD59-A6C34878D82A}">
+                    <a16:rowId xmlns:a16="http://schemas.microsoft.com/office/drawing/2014/main" val="845090212"/>
+                  </a:ext>
+                </a:extLst>
+              </a:tr>
+              <a:tr h="1003076">
+                <a:tc>
+                  <a:txBody>
+                    <a:bodyPr/>
+                    <a:lstStyle/>
+                    <a:p>
+                      <a:pPr algn="l" fontAlgn="b"/>
+                      <a:r>
+                        <a:rPr lang="es-CL" sz="1800" u="none" strike="noStrike">
+                          <a:effectLst/>
+                        </a:rPr>
+                        <a:t>Tiempo de ejecución(segundos)</a:t>
+                      </a:r>
+                      <a:endParaRPr lang="es-CL" sz="1800" b="0" i="0" u="none" strike="noStrike">
+                        <a:solidFill>
+                          <a:srgbClr val="000000"/>
+                        </a:solidFill>
+                        <a:effectLst/>
+                        <a:latin typeface="Calibri" panose="020F0502020204030204" pitchFamily="34" charset="0"/>
+                      </a:endParaRPr>
+                    </a:p>
+                  </a:txBody>
+                  <a:tcPr marL="9525" marR="9525" marT="9525" marB="0" anchor="b"/>
+                </a:tc>
+                <a:tc>
+                  <a:txBody>
+                    <a:bodyPr/>
+                    <a:lstStyle/>
+                    <a:p>
+                      <a:pPr algn="r" fontAlgn="b"/>
+                      <a:r>
+                        <a:rPr lang="es-CL" sz="1800" u="none" strike="noStrike" dirty="0">
+                          <a:effectLst/>
+                        </a:rPr>
+                        <a:t>289,19057</a:t>
+                      </a:r>
+                      <a:endParaRPr lang="es-CL" sz="1800" b="0" i="0" u="none" strike="noStrike" dirty="0">
+                        <a:solidFill>
+                          <a:srgbClr val="000000"/>
+                        </a:solidFill>
+                        <a:effectLst/>
+                        <a:latin typeface="Calibri" panose="020F0502020204030204" pitchFamily="34" charset="0"/>
+                      </a:endParaRPr>
+                    </a:p>
+                  </a:txBody>
+                  <a:tcPr marL="9525" marR="9525" marT="9525" marB="0" anchor="b"/>
+                </a:tc>
+                <a:tc>
+                  <a:txBody>
+                    <a:bodyPr/>
+                    <a:lstStyle/>
+                    <a:p>
+                      <a:pPr algn="r" fontAlgn="b"/>
+                      <a:r>
+                        <a:rPr lang="es-CL" sz="1800" u="none" strike="noStrike" dirty="0">
+                          <a:effectLst/>
+                        </a:rPr>
+                        <a:t>255,213247</a:t>
+                      </a:r>
+                      <a:endParaRPr lang="es-CL" sz="1800" b="0" i="0" u="none" strike="noStrike" dirty="0">
+                        <a:solidFill>
+                          <a:srgbClr val="000000"/>
+                        </a:solidFill>
+                        <a:effectLst/>
+                        <a:latin typeface="Calibri" panose="020F0502020204030204" pitchFamily="34" charset="0"/>
+                      </a:endParaRPr>
+                    </a:p>
+                  </a:txBody>
+                  <a:tcPr marL="9525" marR="9525" marT="9525" marB="0" anchor="b"/>
+                </a:tc>
+                <a:extLst>
+                  <a:ext uri="{0D108BD9-81ED-4DB2-BD59-A6C34878D82A}">
+                    <a16:rowId xmlns:a16="http://schemas.microsoft.com/office/drawing/2014/main" val="1707375329"/>
+                  </a:ext>
+                </a:extLst>
+              </a:tr>
+            </a:tbl>
+          </a:graphicData>
+        </a:graphic>
+      </p:graphicFrame>
+    </p:spTree>
+    <p:extLst>
+      <p:ext uri="{BB962C8B-B14F-4D97-AF65-F5344CB8AC3E}">
+        <p14:creationId xmlns:p14="http://schemas.microsoft.com/office/powerpoint/2010/main" val="3775160587"/>
+      </p:ext>
+    </p:extLst>
+  </p:cSld>
+  <p:clrMapOvr>
+    <a:masterClrMapping/>
+  </p:clrMapOvr>
+</p:sld>
+</file>
+
+<file path=ppt/slides/slide14.xml><?xml version="1.0" encoding="utf-8"?>
+<p:sld xmlns:a="http://schemas.openxmlformats.org/drawingml/2006/main" xmlns:r="http://schemas.openxmlformats.org/officeDocument/2006/relationships" xmlns:p="http://schemas.openxmlformats.org/presentationml/2006/main">
+  <p:cSld>
+    <p:spTree>
+      <p:nvGrpSpPr>
+        <p:cNvPr id="1" name=""/>
+        <p:cNvGrpSpPr/>
+        <p:nvPr/>
+      </p:nvGrpSpPr>
+      <p:grpSpPr>
+        <a:xfrm>
+          <a:off x="0" y="0"/>
+          <a:ext cx="0" cy="0"/>
+          <a:chOff x="0" y="0"/>
+          <a:chExt cx="0" cy="0"/>
+        </a:xfrm>
+      </p:grpSpPr>
+      <p:sp>
+        <p:nvSpPr>
+          <p:cNvPr id="2" name="Título 1">
+            <a:extLst>
+              <a:ext uri="{FF2B5EF4-FFF2-40B4-BE49-F238E27FC236}">
+                <a16:creationId xmlns:a16="http://schemas.microsoft.com/office/drawing/2014/main" id="{233CF9BD-2D6A-D9A5-BE06-46AF1755E646}"/>
+              </a:ext>
+            </a:extLst>
+          </p:cNvPr>
+          <p:cNvSpPr>
+            <a:spLocks noGrp="1"/>
+          </p:cNvSpPr>
+          <p:nvPr>
+            <p:ph type="title"/>
+          </p:nvPr>
+        </p:nvSpPr>
+        <p:spPr/>
+        <p:txBody>
+          <a:bodyPr/>
+          <a:lstStyle/>
+          <a:p>
+            <a:r>
+              <a:rPr lang="es-MX" dirty="0"/>
+              <a:t>Conclusión resultados </a:t>
+            </a:r>
+            <a:endParaRPr lang="es-CL" dirty="0"/>
+          </a:p>
+        </p:txBody>
+      </p:sp>
+      <p:sp>
+        <p:nvSpPr>
+          <p:cNvPr id="3" name="Marcador de contenido 2">
+            <a:extLst>
+              <a:ext uri="{FF2B5EF4-FFF2-40B4-BE49-F238E27FC236}">
+                <a16:creationId xmlns:a16="http://schemas.microsoft.com/office/drawing/2014/main" id="{11729901-AA3A-1CF2-75F8-7273F2B5A66D}"/>
+              </a:ext>
+            </a:extLst>
+          </p:cNvPr>
+          <p:cNvSpPr>
+            <a:spLocks noGrp="1"/>
+          </p:cNvSpPr>
+          <p:nvPr>
+            <p:ph idx="1"/>
+          </p:nvPr>
+        </p:nvSpPr>
+        <p:spPr/>
+        <p:txBody>
+          <a:bodyPr/>
+          <a:lstStyle/>
+          <a:p>
+            <a:r>
+              <a:rPr lang="es-CL" sz="1800" kern="100" dirty="0">
+                <a:effectLst/>
+                <a:latin typeface="Arial" panose="020B0604020202020204" pitchFamily="34" charset="0"/>
+                <a:ea typeface="Calibri" panose="020F0502020204030204" pitchFamily="34" charset="0"/>
+                <a:cs typeface="Times New Roman" panose="02020603050405020304" pitchFamily="18" charset="0"/>
+              </a:rPr>
+              <a:t>Si bien es esperable que el punto de convergencia entre ambos programas sea distinto ya que z cambia en cada llamada de función dentro del rango dado, la eficiencia de DExPSO se mantiene sobre PSO en un 11,74% muy similar a la prueba anterior.</a:t>
+            </a:r>
+            <a:endParaRPr lang="es-CL" sz="1800" kern="100" dirty="0">
+              <a:effectLst/>
+              <a:latin typeface="Calibri" panose="020F0502020204030204" pitchFamily="34" charset="0"/>
+              <a:ea typeface="Calibri" panose="020F0502020204030204" pitchFamily="34" charset="0"/>
+              <a:cs typeface="Times New Roman" panose="02020603050405020304" pitchFamily="18" charset="0"/>
+            </a:endParaRPr>
+          </a:p>
+          <a:p>
+            <a:endParaRPr lang="es-CL" dirty="0"/>
+          </a:p>
+        </p:txBody>
+      </p:sp>
+      <p:pic>
+        <p:nvPicPr>
+          <p:cNvPr id="5" name="Imagen 4">
+            <a:extLst>
+              <a:ext uri="{FF2B5EF4-FFF2-40B4-BE49-F238E27FC236}">
+                <a16:creationId xmlns:a16="http://schemas.microsoft.com/office/drawing/2014/main" id="{C0B97ADA-49DF-3A4A-A0A5-49E7B410BDDB}"/>
+              </a:ext>
+            </a:extLst>
+          </p:cNvPr>
+          <p:cNvPicPr>
+            <a:picLocks noChangeAspect="1"/>
+          </p:cNvPicPr>
+          <p:nvPr/>
+        </p:nvPicPr>
+        <p:blipFill>
+          <a:blip r:embed="rId3"/>
+          <a:stretch>
+            <a:fillRect/>
+          </a:stretch>
+        </p:blipFill>
+        <p:spPr>
+          <a:xfrm>
+            <a:off x="722386" y="3846338"/>
+            <a:ext cx="4941782" cy="2857898"/>
+          </a:xfrm>
+          <a:prstGeom prst="rect">
+            <a:avLst/>
+          </a:prstGeom>
+        </p:spPr>
+      </p:pic>
+      <p:pic>
+        <p:nvPicPr>
+          <p:cNvPr id="7" name="Imagen 6">
+            <a:extLst>
+              <a:ext uri="{FF2B5EF4-FFF2-40B4-BE49-F238E27FC236}">
+                <a16:creationId xmlns:a16="http://schemas.microsoft.com/office/drawing/2014/main" id="{80DB96E9-D579-9EA2-56ED-0B51C26AB2AC}"/>
+              </a:ext>
+            </a:extLst>
+          </p:cNvPr>
+          <p:cNvPicPr>
+            <a:picLocks noChangeAspect="1"/>
+          </p:cNvPicPr>
+          <p:nvPr/>
+        </p:nvPicPr>
+        <p:blipFill>
+          <a:blip r:embed="rId4"/>
+          <a:stretch>
+            <a:fillRect/>
+          </a:stretch>
+        </p:blipFill>
+        <p:spPr>
+          <a:xfrm>
+            <a:off x="6527834" y="3846337"/>
+            <a:ext cx="4686954" cy="2857899"/>
+          </a:xfrm>
+          <a:prstGeom prst="rect">
+            <a:avLst/>
+          </a:prstGeom>
+        </p:spPr>
+      </p:pic>
+    </p:spTree>
+    <p:extLst>
+      <p:ext uri="{BB962C8B-B14F-4D97-AF65-F5344CB8AC3E}">
+        <p14:creationId xmlns:p14="http://schemas.microsoft.com/office/powerpoint/2010/main" val="3070665468"/>
+      </p:ext>
+    </p:extLst>
+  </p:cSld>
+  <p:clrMapOvr>
+    <a:masterClrMapping/>
+  </p:clrMapOvr>
+</p:sld>
+</file>
+
+<file path=ppt/slides/slide15.xml><?xml version="1.0" encoding="utf-8"?>
+<p:sld xmlns:a="http://schemas.openxmlformats.org/drawingml/2006/main" xmlns:r="http://schemas.openxmlformats.org/officeDocument/2006/relationships" xmlns:p="http://schemas.openxmlformats.org/presentationml/2006/main">
+  <p:cSld>
+    <p:spTree>
+      <p:nvGrpSpPr>
+        <p:cNvPr id="1" name=""/>
+        <p:cNvGrpSpPr/>
+        <p:nvPr/>
+      </p:nvGrpSpPr>
+      <p:grpSpPr>
+        <a:xfrm>
+          <a:off x="0" y="0"/>
+          <a:ext cx="0" cy="0"/>
+          <a:chOff x="0" y="0"/>
+          <a:chExt cx="0" cy="0"/>
+        </a:xfrm>
+      </p:grpSpPr>
+      <p:sp>
+        <p:nvSpPr>
+          <p:cNvPr id="2" name="Título 1">
+            <a:extLst>
+              <a:ext uri="{FF2B5EF4-FFF2-40B4-BE49-F238E27FC236}">
+                <a16:creationId xmlns:a16="http://schemas.microsoft.com/office/drawing/2014/main" id="{E1FE51ED-DE2B-FEE8-9727-57197BC9F207}"/>
+              </a:ext>
+            </a:extLst>
+          </p:cNvPr>
+          <p:cNvSpPr>
+            <a:spLocks noGrp="1"/>
+          </p:cNvSpPr>
+          <p:nvPr>
+            <p:ph type="title"/>
+          </p:nvPr>
+        </p:nvSpPr>
+        <p:spPr/>
+        <p:txBody>
+          <a:bodyPr/>
+          <a:lstStyle/>
+          <a:p>
+            <a:r>
+              <a:rPr lang="es-MX" dirty="0"/>
+              <a:t>Conclusión </a:t>
+            </a:r>
+            <a:endParaRPr lang="es-CL" dirty="0"/>
+          </a:p>
+        </p:txBody>
+      </p:sp>
+      <p:sp>
+        <p:nvSpPr>
+          <p:cNvPr id="3" name="Marcador de contenido 2">
+            <a:extLst>
+              <a:ext uri="{FF2B5EF4-FFF2-40B4-BE49-F238E27FC236}">
+                <a16:creationId xmlns:a16="http://schemas.microsoft.com/office/drawing/2014/main" id="{78BFEC70-D89B-B2F1-A0F2-7F5DDE46B015}"/>
+              </a:ext>
+            </a:extLst>
+          </p:cNvPr>
+          <p:cNvSpPr>
+            <a:spLocks noGrp="1"/>
+          </p:cNvSpPr>
+          <p:nvPr>
+            <p:ph idx="1"/>
+          </p:nvPr>
+        </p:nvSpPr>
+        <p:spPr/>
+        <p:txBody>
+          <a:bodyPr/>
+          <a:lstStyle/>
+          <a:p>
+            <a:endParaRPr lang="es-CL"/>
+          </a:p>
+        </p:txBody>
+      </p:sp>
+    </p:spTree>
+    <p:extLst>
+      <p:ext uri="{BB962C8B-B14F-4D97-AF65-F5344CB8AC3E}">
+        <p14:creationId xmlns:p14="http://schemas.microsoft.com/office/powerpoint/2010/main" val="1630003386"/>
       </p:ext>
     </p:extLst>
   </p:cSld>
@@ -19694,11 +21143,16 @@
           </p:cNvGraphicFramePr>
           <p:nvPr>
             <p:ph idx="1"/>
+            <p:extLst>
+              <p:ext uri="{D42A27DB-BD31-4B8C-83A1-F6EECF244321}">
+                <p14:modId xmlns:p14="http://schemas.microsoft.com/office/powerpoint/2010/main" val="132832246"/>
+              </p:ext>
+            </p:extLst>
           </p:nvPr>
         </p:nvGraphicFramePr>
         <p:xfrm>
           <a:off x="681037" y="2379809"/>
-          <a:ext cx="10830641" cy="4117202"/>
+          <a:ext cx="10830641" cy="3512846"/>
         </p:xfrm>
         <a:graphic>
           <a:graphicData uri="http://schemas.openxmlformats.org/drawingml/2006/table">
@@ -19719,30 +21173,106 @@
                     <a:bodyPr/>
                     <a:lstStyle/>
                     <a:p>
-                      <a:pPr algn="l" fontAlgn="t">
+                      <a:pPr marL="0" marR="0" lvl="0" indent="0" algn="l" defTabSz="914400" rtl="0" eaLnBrk="1" fontAlgn="t" latinLnBrk="0" hangingPunct="1">
+                        <a:lnSpc>
+                          <a:spcPct val="100000"/>
+                        </a:lnSpc>
                         <a:spcBef>
                           <a:spcPts val="0"/>
                         </a:spcBef>
                         <a:spcAft>
                           <a:spcPts val="0"/>
                         </a:spcAft>
+                        <a:buClrTx/>
+                        <a:buSzTx/>
+                        <a:buFontTx/>
+                        <a:buNone/>
+                        <a:tabLst/>
+                        <a:defRPr/>
+                      </a:pPr>
+                      <a:endParaRPr lang="es-MX" sz="2400" dirty="0"/>
+                    </a:p>
+                    <a:p>
+                      <a:pPr marL="0" marR="0" lvl="0" indent="0" algn="l" defTabSz="914400" rtl="0" eaLnBrk="1" fontAlgn="t" latinLnBrk="0" hangingPunct="1">
+                        <a:lnSpc>
+                          <a:spcPct val="100000"/>
+                        </a:lnSpc>
+                        <a:spcBef>
+                          <a:spcPts val="0"/>
+                        </a:spcBef>
+                        <a:spcAft>
+                          <a:spcPts val="0"/>
+                        </a:spcAft>
+                        <a:buClrTx/>
+                        <a:buSzTx/>
+                        <a:buFontTx/>
+                        <a:buNone/>
+                        <a:tabLst/>
+                        <a:defRPr/>
+                      </a:pPr>
+                      <a:endParaRPr lang="es-MX" sz="2400" dirty="0"/>
+                    </a:p>
+                    <a:p>
+                      <a:pPr marL="0" marR="0" lvl="0" indent="0" algn="l" defTabSz="914400" rtl="0" eaLnBrk="1" fontAlgn="t" latinLnBrk="0" hangingPunct="1">
+                        <a:lnSpc>
+                          <a:spcPct val="100000"/>
+                        </a:lnSpc>
+                        <a:spcBef>
+                          <a:spcPts val="0"/>
+                        </a:spcBef>
+                        <a:spcAft>
+                          <a:spcPts val="0"/>
+                        </a:spcAft>
+                        <a:buClrTx/>
+                        <a:buSzTx/>
+                        <a:buFontTx/>
+                        <a:buNone/>
+                        <a:tabLst/>
+                        <a:defRPr/>
+                      </a:pPr>
+                      <a:endParaRPr lang="es-MX" sz="2400" dirty="0"/>
+                    </a:p>
+                    <a:p>
+                      <a:pPr marL="0" marR="0" lvl="0" indent="0" algn="l" defTabSz="914400" rtl="0" eaLnBrk="1" fontAlgn="t" latinLnBrk="0" hangingPunct="1">
+                        <a:lnSpc>
+                          <a:spcPct val="100000"/>
+                        </a:lnSpc>
+                        <a:spcBef>
+                          <a:spcPts val="0"/>
+                        </a:spcBef>
+                        <a:spcAft>
+                          <a:spcPts val="0"/>
+                        </a:spcAft>
+                        <a:buClrTx/>
+                        <a:buSzTx/>
+                        <a:buFontTx/>
+                        <a:buNone/>
+                        <a:tabLst/>
+                        <a:defRPr/>
+                      </a:pPr>
+                      <a:endParaRPr lang="es-MX" sz="2400" dirty="0"/>
+                    </a:p>
+                    <a:p>
+                      <a:pPr marL="0" marR="0" lvl="0" indent="0" algn="l" defTabSz="914400" rtl="0" eaLnBrk="1" fontAlgn="t" latinLnBrk="0" hangingPunct="1">
+                        <a:lnSpc>
+                          <a:spcPct val="100000"/>
+                        </a:lnSpc>
+                        <a:spcBef>
+                          <a:spcPts val="0"/>
+                        </a:spcBef>
+                        <a:spcAft>
+                          <a:spcPts val="0"/>
+                        </a:spcAft>
+                        <a:buClrTx/>
+                        <a:buSzTx/>
+                        <a:buFontTx/>
+                        <a:buNone/>
+                        <a:tabLst/>
+                        <a:defRPr/>
                       </a:pPr>
                       <a:r>
-                        <a:rPr lang="es-CL" sz="1900" b="0" i="0" u="none" strike="noStrike" dirty="0">
-                          <a:effectLst/>
-                          <a:latin typeface="Calibri" panose="020F0502020204030204" pitchFamily="34" charset="0"/>
-                          <a:ea typeface="Times New Roman" panose="02020603050405020304" pitchFamily="18" charset="0"/>
-                          <a:cs typeface="Tahoma" panose="020B0604030504040204" pitchFamily="34" charset="0"/>
-                        </a:rPr>
-                        <a:t> </a:t>
-                      </a:r>
-                      <a:r>
-                        <a:rPr lang="es-CL" sz="2300" b="0" i="0" u="none" strike="noStrike" dirty="0">
-                          <a:effectLst/>
-                          <a:latin typeface="Arial" panose="020B0604020202020204" pitchFamily="34" charset="0"/>
-                          <a:ea typeface="Times New Roman" panose="02020603050405020304" pitchFamily="18" charset="0"/>
-                        </a:rPr>
-                        <a:t>El algoritmo de Optimización por Enjambre de Partículas (PSO) es una técnica de optimización inspirada en el comportamiento social de los pájaros o peces. En PSO, un grupo de partículas (o agentes) se mueven en el espacio de búsqueda para encontrar la solución óptima a un problema dado. Cada partícula representa una posible solución al problema y se mueve en función de su propia experiencia y la de las mejores partículas en el enjambre.</a:t>
+                        <a:rPr lang="es-MX" sz="2400" dirty="0"/>
+                        <a:t>Optimización, enjambre, solución, partículas, movimiento.</a:t>
                       </a:r>
                     </a:p>
                     <a:p>
@@ -19755,28 +21285,6 @@
                         </a:spcAft>
                       </a:pPr>
                       <a:endParaRPr lang="es-CL" sz="2300" b="0" i="0" u="none" strike="noStrike" dirty="0">
-                        <a:effectLst/>
-                        <a:latin typeface="Arial" panose="020B0604020202020204" pitchFamily="34" charset="0"/>
-                      </a:endParaRPr>
-                    </a:p>
-                    <a:p>
-                      <a:pPr algn="l" fontAlgn="t">
-                        <a:spcBef>
-                          <a:spcPts val="0"/>
-                        </a:spcBef>
-                        <a:spcAft>
-                          <a:spcPts val="0"/>
-                        </a:spcAft>
-                      </a:pPr>
-                      <a:r>
-                        <a:rPr lang="es-MX" sz="2400" dirty="0"/>
-                        <a:t>DExPSO es una variante de PSO que utiliza una distribución exponencial para guiar los movimientos de las partículas y un decaimiento exponencial del peso de inercia. Esto puede ayudar a mejorar la capacidad de PSO para encontrar soluciones óptimas en problemas de optimización</a:t>
-                      </a:r>
-                      <a:r>
-                        <a:rPr lang="es-MX" sz="3600" dirty="0"/>
-                        <a:t>.</a:t>
-                      </a:r>
-                      <a:endParaRPr lang="es-CL" sz="3300" b="0" i="0" u="none" strike="noStrike" dirty="0">
                         <a:effectLst/>
                         <a:latin typeface="Arial" panose="020B0604020202020204" pitchFamily="34" charset="0"/>
                       </a:endParaRPr>
@@ -19866,7 +21374,7 @@
           <p:cNvPr id="2" name="Título 1">
             <a:extLst>
               <a:ext uri="{FF2B5EF4-FFF2-40B4-BE49-F238E27FC236}">
-                <a16:creationId xmlns:a16="http://schemas.microsoft.com/office/drawing/2014/main" id="{61201270-878D-6B18-ADF6-5879FC046DE6}"/>
+                <a16:creationId xmlns:a16="http://schemas.microsoft.com/office/drawing/2014/main" id="{B08FD583-27D2-9FBA-234F-B8F6CEF82762}"/>
               </a:ext>
             </a:extLst>
           </p:cNvPr>
@@ -19884,7 +21392,7 @@
           <a:p>
             <a:r>
               <a:rPr lang="es-MX" dirty="0"/>
-              <a:t>Introducción </a:t>
+              <a:t>Objetivos:</a:t>
             </a:r>
             <a:endParaRPr lang="es-CL" dirty="0"/>
           </a:p>
@@ -19895,7 +21403,7 @@
           <p:cNvPr id="3" name="Marcador de contenido 2">
             <a:extLst>
               <a:ext uri="{FF2B5EF4-FFF2-40B4-BE49-F238E27FC236}">
-                <a16:creationId xmlns:a16="http://schemas.microsoft.com/office/drawing/2014/main" id="{BE328318-85E7-A2F7-6C7A-BC529F58CB06}"/>
+                <a16:creationId xmlns:a16="http://schemas.microsoft.com/office/drawing/2014/main" id="{81BF05C3-D39F-410C-FE10-51E8EB2B366F}"/>
               </a:ext>
             </a:extLst>
           </p:cNvPr>
@@ -19906,19 +21414,661 @@
             <p:ph idx="1"/>
           </p:nvPr>
         </p:nvSpPr>
-        <p:spPr/>
+        <p:spPr>
+          <a:xfrm>
+            <a:off x="627311" y="2354980"/>
+            <a:ext cx="9613861" cy="3599316"/>
+          </a:xfrm>
+        </p:spPr>
         <p:txBody>
           <a:bodyPr/>
           <a:lstStyle/>
           <a:p>
             <a:r>
-              <a:rPr lang="es-CL" sz="2400" dirty="0">
+              <a:rPr lang="es-MX" dirty="0"/>
+              <a:t>Objetivo General: </a:t>
+            </a:r>
+            <a:r>
+              <a:rPr lang="es-MX" sz="1800" dirty="0">
                 <a:effectLst/>
                 <a:latin typeface="Arial" panose="020B0604020202020204" pitchFamily="34" charset="0"/>
-                <a:ea typeface="Calibri" panose="020F0502020204030204" pitchFamily="34" charset="0"/>
+                <a:ea typeface="Times New Roman" panose="02020603050405020304" pitchFamily="18" charset="0"/>
               </a:rPr>
-              <a:t>En DExPSO, las partículas actualizan sus velocidades en función de una distribución de doble exponencial. Esta distribución ayuda a controlar el equilibrio entre la exploración y la explotación en el espacio de búsqueda, mejorando la capacidad del algoritmo para escapar de los óptimos locales y explorar nuevas regiones.</a:t>
-            </a:r>
+              <a:t>Optimización de función en algoritmo PSO</a:t>
+            </a:r>
+            <a:r>
+              <a:rPr lang="en-US" sz="1800" dirty="0">
+                <a:effectLst/>
+                <a:latin typeface="Arial" panose="020B0604020202020204" pitchFamily="34" charset="0"/>
+                <a:ea typeface="Times New Roman" panose="02020603050405020304" pitchFamily="18" charset="0"/>
+              </a:rPr>
+              <a:t>. El </a:t>
+            </a:r>
+            <a:r>
+              <a:rPr lang="en-US" sz="1800" dirty="0" err="1">
+                <a:effectLst/>
+                <a:latin typeface="Arial" panose="020B0604020202020204" pitchFamily="34" charset="0"/>
+                <a:ea typeface="Times New Roman" panose="02020603050405020304" pitchFamily="18" charset="0"/>
+              </a:rPr>
+              <a:t>objetivo</a:t>
+            </a:r>
+            <a:r>
+              <a:rPr lang="en-US" sz="1800" dirty="0">
+                <a:effectLst/>
+                <a:latin typeface="Arial" panose="020B0604020202020204" pitchFamily="34" charset="0"/>
+                <a:ea typeface="Times New Roman" panose="02020603050405020304" pitchFamily="18" charset="0"/>
+              </a:rPr>
+              <a:t> de la </a:t>
+            </a:r>
+            <a:r>
+              <a:rPr lang="en-US" sz="1800" dirty="0" err="1">
+                <a:effectLst/>
+                <a:latin typeface="Arial" panose="020B0604020202020204" pitchFamily="34" charset="0"/>
+                <a:ea typeface="Times New Roman" panose="02020603050405020304" pitchFamily="18" charset="0"/>
+              </a:rPr>
+              <a:t>optimización</a:t>
+            </a:r>
+            <a:r>
+              <a:rPr lang="en-US" sz="1800" dirty="0">
+                <a:effectLst/>
+                <a:latin typeface="Arial" panose="020B0604020202020204" pitchFamily="34" charset="0"/>
+                <a:ea typeface="Times New Roman" panose="02020603050405020304" pitchFamily="18" charset="0"/>
+              </a:rPr>
+              <a:t> es </a:t>
+            </a:r>
+            <a:r>
+              <a:rPr lang="en-US" sz="1800" dirty="0" err="1">
+                <a:effectLst/>
+                <a:latin typeface="Arial" panose="020B0604020202020204" pitchFamily="34" charset="0"/>
+                <a:ea typeface="Times New Roman" panose="02020603050405020304" pitchFamily="18" charset="0"/>
+              </a:rPr>
+              <a:t>encontrar</a:t>
+            </a:r>
+            <a:r>
+              <a:rPr lang="en-US" sz="1800" dirty="0">
+                <a:effectLst/>
+                <a:latin typeface="Arial" panose="020B0604020202020204" pitchFamily="34" charset="0"/>
+                <a:ea typeface="Times New Roman" panose="02020603050405020304" pitchFamily="18" charset="0"/>
+              </a:rPr>
+              <a:t> la </a:t>
+            </a:r>
+            <a:r>
+              <a:rPr lang="en-US" sz="1800" dirty="0" err="1">
+                <a:effectLst/>
+                <a:latin typeface="Arial" panose="020B0604020202020204" pitchFamily="34" charset="0"/>
+                <a:ea typeface="Times New Roman" panose="02020603050405020304" pitchFamily="18" charset="0"/>
+              </a:rPr>
+              <a:t>posición</a:t>
+            </a:r>
+            <a:r>
+              <a:rPr lang="en-US" sz="1800" dirty="0">
+                <a:effectLst/>
+                <a:latin typeface="Arial" panose="020B0604020202020204" pitchFamily="34" charset="0"/>
+                <a:ea typeface="Times New Roman" panose="02020603050405020304" pitchFamily="18" charset="0"/>
+              </a:rPr>
+              <a:t> de la </a:t>
+            </a:r>
+            <a:r>
+              <a:rPr lang="en-US" sz="1800" dirty="0" err="1">
+                <a:effectLst/>
+                <a:latin typeface="Arial" panose="020B0604020202020204" pitchFamily="34" charset="0"/>
+                <a:ea typeface="Times New Roman" panose="02020603050405020304" pitchFamily="18" charset="0"/>
+              </a:rPr>
+              <a:t>partícula</a:t>
+            </a:r>
+            <a:r>
+              <a:rPr lang="en-US" sz="1800" dirty="0">
+                <a:effectLst/>
+                <a:latin typeface="Arial" panose="020B0604020202020204" pitchFamily="34" charset="0"/>
+                <a:ea typeface="Times New Roman" panose="02020603050405020304" pitchFamily="18" charset="0"/>
+              </a:rPr>
+              <a:t> que produce </a:t>
+            </a:r>
+            <a:r>
+              <a:rPr lang="en-US" sz="1800" dirty="0" err="1">
+                <a:effectLst/>
+                <a:latin typeface="Arial" panose="020B0604020202020204" pitchFamily="34" charset="0"/>
+                <a:ea typeface="Times New Roman" panose="02020603050405020304" pitchFamily="18" charset="0"/>
+              </a:rPr>
+              <a:t>el</a:t>
+            </a:r>
+            <a:r>
+              <a:rPr lang="en-US" sz="1800" dirty="0">
+                <a:effectLst/>
+                <a:latin typeface="Arial" panose="020B0604020202020204" pitchFamily="34" charset="0"/>
+                <a:ea typeface="Times New Roman" panose="02020603050405020304" pitchFamily="18" charset="0"/>
+              </a:rPr>
+              <a:t> </a:t>
+            </a:r>
+            <a:r>
+              <a:rPr lang="en-US" sz="1800" dirty="0" err="1">
+                <a:effectLst/>
+                <a:latin typeface="Arial" panose="020B0604020202020204" pitchFamily="34" charset="0"/>
+                <a:ea typeface="Times New Roman" panose="02020603050405020304" pitchFamily="18" charset="0"/>
+              </a:rPr>
+              <a:t>mejor</a:t>
+            </a:r>
+            <a:r>
+              <a:rPr lang="en-US" sz="1800" dirty="0">
+                <a:effectLst/>
+                <a:latin typeface="Arial" panose="020B0604020202020204" pitchFamily="34" charset="0"/>
+                <a:ea typeface="Times New Roman" panose="02020603050405020304" pitchFamily="18" charset="0"/>
+              </a:rPr>
+              <a:t> valor de la </a:t>
+            </a:r>
+            <a:r>
+              <a:rPr lang="en-US" sz="1800" dirty="0" err="1">
+                <a:effectLst/>
+                <a:latin typeface="Arial" panose="020B0604020202020204" pitchFamily="34" charset="0"/>
+                <a:ea typeface="Times New Roman" panose="02020603050405020304" pitchFamily="18" charset="0"/>
+              </a:rPr>
+              <a:t>función</a:t>
+            </a:r>
+            <a:r>
+              <a:rPr lang="en-US" sz="1800" dirty="0">
+                <a:effectLst/>
+                <a:latin typeface="Arial" panose="020B0604020202020204" pitchFamily="34" charset="0"/>
+                <a:ea typeface="Times New Roman" panose="02020603050405020304" pitchFamily="18" charset="0"/>
+              </a:rPr>
+              <a:t> de </a:t>
+            </a:r>
+            <a:r>
+              <a:rPr lang="en-US" sz="1800" dirty="0" err="1">
+                <a:effectLst/>
+                <a:latin typeface="Arial" panose="020B0604020202020204" pitchFamily="34" charset="0"/>
+                <a:ea typeface="Times New Roman" panose="02020603050405020304" pitchFamily="18" charset="0"/>
+              </a:rPr>
+              <a:t>costo</a:t>
+            </a:r>
+            <a:r>
+              <a:rPr lang="en-US" sz="1800" dirty="0">
+                <a:effectLst/>
+                <a:latin typeface="Arial" panose="020B0604020202020204" pitchFamily="34" charset="0"/>
+                <a:ea typeface="Times New Roman" panose="02020603050405020304" pitchFamily="18" charset="0"/>
+              </a:rPr>
+              <a:t> (</a:t>
+            </a:r>
+            <a:r>
+              <a:rPr lang="en-US" sz="1800" dirty="0" err="1">
+                <a:effectLst/>
+                <a:latin typeface="Arial" panose="020B0604020202020204" pitchFamily="34" charset="0"/>
+                <a:ea typeface="Times New Roman" panose="02020603050405020304" pitchFamily="18" charset="0"/>
+              </a:rPr>
+              <a:t>ya</a:t>
+            </a:r>
+            <a:r>
+              <a:rPr lang="en-US" sz="1800" dirty="0">
+                <a:effectLst/>
+                <a:latin typeface="Arial" panose="020B0604020202020204" pitchFamily="34" charset="0"/>
+                <a:ea typeface="Times New Roman" panose="02020603050405020304" pitchFamily="18" charset="0"/>
+              </a:rPr>
+              <a:t> sea un </a:t>
+            </a:r>
+            <a:r>
+              <a:rPr lang="en-US" sz="1800" dirty="0" err="1">
+                <a:effectLst/>
+                <a:latin typeface="Arial" panose="020B0604020202020204" pitchFamily="34" charset="0"/>
+                <a:ea typeface="Times New Roman" panose="02020603050405020304" pitchFamily="18" charset="0"/>
+              </a:rPr>
+              <a:t>máximo</a:t>
+            </a:r>
+            <a:r>
+              <a:rPr lang="en-US" sz="1800" dirty="0">
+                <a:effectLst/>
+                <a:latin typeface="Arial" panose="020B0604020202020204" pitchFamily="34" charset="0"/>
+                <a:ea typeface="Times New Roman" panose="02020603050405020304" pitchFamily="18" charset="0"/>
+              </a:rPr>
+              <a:t> o un </a:t>
+            </a:r>
+            <a:r>
+              <a:rPr lang="en-US" sz="1800" dirty="0" err="1">
+                <a:effectLst/>
+                <a:latin typeface="Arial" panose="020B0604020202020204" pitchFamily="34" charset="0"/>
+                <a:ea typeface="Times New Roman" panose="02020603050405020304" pitchFamily="18" charset="0"/>
+              </a:rPr>
+              <a:t>mínimo</a:t>
+            </a:r>
+            <a:r>
+              <a:rPr lang="en-US" sz="1800" dirty="0">
+                <a:effectLst/>
+                <a:latin typeface="Arial" panose="020B0604020202020204" pitchFamily="34" charset="0"/>
+                <a:ea typeface="Times New Roman" panose="02020603050405020304" pitchFamily="18" charset="0"/>
+              </a:rPr>
+              <a:t>) </a:t>
+            </a:r>
+            <a:r>
+              <a:rPr lang="en-US" sz="1800" dirty="0" err="1">
+                <a:effectLst/>
+                <a:latin typeface="Arial" panose="020B0604020202020204" pitchFamily="34" charset="0"/>
+                <a:ea typeface="Times New Roman" panose="02020603050405020304" pitchFamily="18" charset="0"/>
+              </a:rPr>
+              <a:t>en</a:t>
+            </a:r>
+            <a:r>
+              <a:rPr lang="en-US" sz="1800" dirty="0">
+                <a:effectLst/>
+                <a:latin typeface="Arial" panose="020B0604020202020204" pitchFamily="34" charset="0"/>
+                <a:ea typeface="Times New Roman" panose="02020603050405020304" pitchFamily="18" charset="0"/>
+              </a:rPr>
+              <a:t> </a:t>
+            </a:r>
+            <a:r>
+              <a:rPr lang="en-US" sz="1800" dirty="0" err="1">
+                <a:effectLst/>
+                <a:latin typeface="Arial" panose="020B0604020202020204" pitchFamily="34" charset="0"/>
+                <a:ea typeface="Times New Roman" panose="02020603050405020304" pitchFamily="18" charset="0"/>
+              </a:rPr>
+              <a:t>el</a:t>
+            </a:r>
+            <a:r>
+              <a:rPr lang="en-US" sz="1800" dirty="0">
+                <a:effectLst/>
+                <a:latin typeface="Arial" panose="020B0604020202020204" pitchFamily="34" charset="0"/>
+                <a:ea typeface="Times New Roman" panose="02020603050405020304" pitchFamily="18" charset="0"/>
+              </a:rPr>
+              <a:t> </a:t>
+            </a:r>
+            <a:r>
+              <a:rPr lang="en-US" sz="1800" dirty="0" err="1">
+                <a:effectLst/>
+                <a:latin typeface="Arial" panose="020B0604020202020204" pitchFamily="34" charset="0"/>
+                <a:ea typeface="Times New Roman" panose="02020603050405020304" pitchFamily="18" charset="0"/>
+              </a:rPr>
+              <a:t>menor</a:t>
+            </a:r>
+            <a:r>
+              <a:rPr lang="en-US" sz="1800" dirty="0">
+                <a:effectLst/>
+                <a:latin typeface="Arial" panose="020B0604020202020204" pitchFamily="34" charset="0"/>
+                <a:ea typeface="Times New Roman" panose="02020603050405020304" pitchFamily="18" charset="0"/>
+              </a:rPr>
+              <a:t> </a:t>
+            </a:r>
+            <a:r>
+              <a:rPr lang="en-US" sz="1800" dirty="0" err="1">
+                <a:effectLst/>
+                <a:latin typeface="Arial" panose="020B0604020202020204" pitchFamily="34" charset="0"/>
+                <a:ea typeface="Times New Roman" panose="02020603050405020304" pitchFamily="18" charset="0"/>
+              </a:rPr>
+              <a:t>tiempo</a:t>
+            </a:r>
+            <a:r>
+              <a:rPr lang="en-US" sz="1800" dirty="0">
+                <a:effectLst/>
+                <a:latin typeface="Arial" panose="020B0604020202020204" pitchFamily="34" charset="0"/>
+                <a:ea typeface="Times New Roman" panose="02020603050405020304" pitchFamily="18" charset="0"/>
+              </a:rPr>
+              <a:t> </a:t>
+            </a:r>
+            <a:r>
+              <a:rPr lang="en-US" sz="1800" dirty="0" err="1">
+                <a:effectLst/>
+                <a:latin typeface="Arial" panose="020B0604020202020204" pitchFamily="34" charset="0"/>
+                <a:ea typeface="Times New Roman" panose="02020603050405020304" pitchFamily="18" charset="0"/>
+              </a:rPr>
+              <a:t>posible</a:t>
+            </a:r>
+            <a:r>
+              <a:rPr lang="en-US" sz="1800" dirty="0">
+                <a:effectLst/>
+                <a:latin typeface="Arial" panose="020B0604020202020204" pitchFamily="34" charset="0"/>
+                <a:ea typeface="Times New Roman" panose="02020603050405020304" pitchFamily="18" charset="0"/>
+              </a:rPr>
+              <a:t>. </a:t>
+            </a:r>
+          </a:p>
+          <a:p>
+            <a:endParaRPr lang="es-CL" sz="1800" dirty="0">
+              <a:latin typeface="Arial" panose="020B0604020202020204" pitchFamily="34" charset="0"/>
+            </a:endParaRPr>
+          </a:p>
+          <a:p>
+            <a:pPr algn="just"/>
+            <a:r>
+              <a:rPr lang="es-CL" dirty="0">
+                <a:latin typeface="Arial" panose="020B0604020202020204" pitchFamily="34" charset="0"/>
+                <a:cs typeface="Arial" panose="020B0604020202020204" pitchFamily="34" charset="0"/>
+              </a:rPr>
+              <a:t>Objetivos específicos: </a:t>
+            </a:r>
+            <a:r>
+              <a:rPr lang="en-US" sz="1800" dirty="0">
+                <a:effectLst/>
+                <a:latin typeface="Arial" panose="020B0604020202020204" pitchFamily="34" charset="0"/>
+                <a:ea typeface="Times New Roman" panose="02020603050405020304" pitchFamily="18" charset="0"/>
+                <a:cs typeface="Arial" panose="020B0604020202020204" pitchFamily="34" charset="0"/>
+              </a:rPr>
+              <a:t>Esta </a:t>
+            </a:r>
+            <a:r>
+              <a:rPr lang="en-US" sz="1800" dirty="0" err="1">
+                <a:effectLst/>
+                <a:latin typeface="Arial" panose="020B0604020202020204" pitchFamily="34" charset="0"/>
+                <a:ea typeface="Times New Roman" panose="02020603050405020304" pitchFamily="18" charset="0"/>
+                <a:cs typeface="Arial" panose="020B0604020202020204" pitchFamily="34" charset="0"/>
+              </a:rPr>
+              <a:t>implementación</a:t>
+            </a:r>
+            <a:r>
+              <a:rPr lang="en-US" sz="1800" dirty="0">
+                <a:effectLst/>
+                <a:latin typeface="Arial" panose="020B0604020202020204" pitchFamily="34" charset="0"/>
+                <a:ea typeface="Times New Roman" panose="02020603050405020304" pitchFamily="18" charset="0"/>
+                <a:cs typeface="Arial" panose="020B0604020202020204" pitchFamily="34" charset="0"/>
+              </a:rPr>
+              <a:t> </a:t>
+            </a:r>
+            <a:r>
+              <a:rPr lang="en-US" sz="1800" dirty="0" err="1">
+                <a:effectLst/>
+                <a:latin typeface="Arial" panose="020B0604020202020204" pitchFamily="34" charset="0"/>
+                <a:ea typeface="Times New Roman" panose="02020603050405020304" pitchFamily="18" charset="0"/>
+                <a:cs typeface="Arial" panose="020B0604020202020204" pitchFamily="34" charset="0"/>
+              </a:rPr>
+              <a:t>debe</a:t>
+            </a:r>
+            <a:r>
+              <a:rPr lang="en-US" sz="1800" dirty="0">
+                <a:effectLst/>
+                <a:latin typeface="Arial" panose="020B0604020202020204" pitchFamily="34" charset="0"/>
+                <a:ea typeface="Times New Roman" panose="02020603050405020304" pitchFamily="18" charset="0"/>
+                <a:cs typeface="Arial" panose="020B0604020202020204" pitchFamily="34" charset="0"/>
+              </a:rPr>
+              <a:t> </a:t>
+            </a:r>
+            <a:r>
+              <a:rPr lang="en-US" sz="1800" dirty="0" err="1">
+                <a:effectLst/>
+                <a:latin typeface="Arial" panose="020B0604020202020204" pitchFamily="34" charset="0"/>
+                <a:ea typeface="Times New Roman" panose="02020603050405020304" pitchFamily="18" charset="0"/>
+                <a:cs typeface="Arial" panose="020B0604020202020204" pitchFamily="34" charset="0"/>
+              </a:rPr>
+              <a:t>llevarse</a:t>
+            </a:r>
+            <a:r>
+              <a:rPr lang="en-US" sz="1800" dirty="0">
+                <a:effectLst/>
+                <a:latin typeface="Arial" panose="020B0604020202020204" pitchFamily="34" charset="0"/>
+                <a:ea typeface="Times New Roman" panose="02020603050405020304" pitchFamily="18" charset="0"/>
+                <a:cs typeface="Arial" panose="020B0604020202020204" pitchFamily="34" charset="0"/>
+              </a:rPr>
+              <a:t> a </a:t>
+            </a:r>
+            <a:r>
+              <a:rPr lang="en-US" sz="1800" dirty="0" err="1">
+                <a:effectLst/>
+                <a:latin typeface="Arial" panose="020B0604020202020204" pitchFamily="34" charset="0"/>
+                <a:ea typeface="Times New Roman" panose="02020603050405020304" pitchFamily="18" charset="0"/>
+                <a:cs typeface="Arial" panose="020B0604020202020204" pitchFamily="34" charset="0"/>
+              </a:rPr>
+              <a:t>cabo</a:t>
+            </a:r>
+            <a:r>
+              <a:rPr lang="en-US" sz="1800" dirty="0">
+                <a:effectLst/>
+                <a:latin typeface="Arial" panose="020B0604020202020204" pitchFamily="34" charset="0"/>
+                <a:ea typeface="Times New Roman" panose="02020603050405020304" pitchFamily="18" charset="0"/>
+                <a:cs typeface="Arial" panose="020B0604020202020204" pitchFamily="34" charset="0"/>
+              </a:rPr>
+              <a:t> </a:t>
+            </a:r>
+            <a:r>
+              <a:rPr lang="es-CL" sz="1800" dirty="0">
+                <a:effectLst/>
+                <a:latin typeface="Arial" panose="020B0604020202020204" pitchFamily="34" charset="0"/>
+                <a:ea typeface="Times New Roman" panose="02020603050405020304" pitchFamily="18" charset="0"/>
+                <a:cs typeface="Arial" panose="020B0604020202020204" pitchFamily="34" charset="0"/>
+              </a:rPr>
+              <a:t>en</a:t>
+            </a:r>
+            <a:r>
+              <a:rPr lang="en-US" sz="1800" dirty="0">
+                <a:effectLst/>
+                <a:latin typeface="Arial" panose="020B0604020202020204" pitchFamily="34" charset="0"/>
+                <a:ea typeface="Times New Roman" panose="02020603050405020304" pitchFamily="18" charset="0"/>
+                <a:cs typeface="Arial" panose="020B0604020202020204" pitchFamily="34" charset="0"/>
+              </a:rPr>
+              <a:t> Python y </a:t>
+            </a:r>
+            <a:r>
+              <a:rPr lang="en-US" sz="1800" dirty="0" err="1">
+                <a:effectLst/>
+                <a:latin typeface="Arial" panose="020B0604020202020204" pitchFamily="34" charset="0"/>
+                <a:ea typeface="Times New Roman" panose="02020603050405020304" pitchFamily="18" charset="0"/>
+                <a:cs typeface="Arial" panose="020B0604020202020204" pitchFamily="34" charset="0"/>
+              </a:rPr>
+              <a:t>encontrar</a:t>
+            </a:r>
+            <a:r>
+              <a:rPr lang="en-US" sz="1800" dirty="0">
+                <a:effectLst/>
+                <a:latin typeface="Arial" panose="020B0604020202020204" pitchFamily="34" charset="0"/>
+                <a:ea typeface="Times New Roman" panose="02020603050405020304" pitchFamily="18" charset="0"/>
+                <a:cs typeface="Arial" panose="020B0604020202020204" pitchFamily="34" charset="0"/>
+              </a:rPr>
+              <a:t> un </a:t>
+            </a:r>
+            <a:r>
+              <a:rPr lang="es-CL" sz="1800" dirty="0">
+                <a:effectLst/>
+                <a:latin typeface="Arial" panose="020B0604020202020204" pitchFamily="34" charset="0"/>
+                <a:ea typeface="Times New Roman" panose="02020603050405020304" pitchFamily="18" charset="0"/>
+                <a:cs typeface="Arial" panose="020B0604020202020204" pitchFamily="34" charset="0"/>
+              </a:rPr>
+              <a:t>mínimo</a:t>
+            </a:r>
+            <a:r>
+              <a:rPr lang="en-US" sz="1800" dirty="0">
+                <a:effectLst/>
+                <a:latin typeface="Arial" panose="020B0604020202020204" pitchFamily="34" charset="0"/>
+                <a:ea typeface="Times New Roman" panose="02020603050405020304" pitchFamily="18" charset="0"/>
+                <a:cs typeface="Arial" panose="020B0604020202020204" pitchFamily="34" charset="0"/>
+              </a:rPr>
+              <a:t> y </a:t>
+            </a:r>
+            <a:r>
+              <a:rPr lang="en-US" sz="1800" dirty="0" err="1">
+                <a:effectLst/>
+                <a:latin typeface="Arial" panose="020B0604020202020204" pitchFamily="34" charset="0"/>
+                <a:ea typeface="Times New Roman" panose="02020603050405020304" pitchFamily="18" charset="0"/>
+                <a:cs typeface="Arial" panose="020B0604020202020204" pitchFamily="34" charset="0"/>
+              </a:rPr>
+              <a:t>máximo</a:t>
+            </a:r>
+            <a:r>
+              <a:rPr lang="en-US" sz="1800" dirty="0">
+                <a:effectLst/>
+                <a:latin typeface="Arial" panose="020B0604020202020204" pitchFamily="34" charset="0"/>
+                <a:ea typeface="Times New Roman" panose="02020603050405020304" pitchFamily="18" charset="0"/>
+                <a:cs typeface="Arial" panose="020B0604020202020204" pitchFamily="34" charset="0"/>
+              </a:rPr>
+              <a:t> de la </a:t>
+            </a:r>
+            <a:r>
+              <a:rPr lang="en-US" sz="1800" dirty="0" err="1">
+                <a:effectLst/>
+                <a:latin typeface="Arial" panose="020B0604020202020204" pitchFamily="34" charset="0"/>
+                <a:ea typeface="Times New Roman" panose="02020603050405020304" pitchFamily="18" charset="0"/>
+                <a:cs typeface="Arial" panose="020B0604020202020204" pitchFamily="34" charset="0"/>
+              </a:rPr>
+              <a:t>función</a:t>
+            </a:r>
+            <a:r>
+              <a:rPr lang="en-US" sz="1800" dirty="0">
+                <a:effectLst/>
+                <a:latin typeface="Arial" panose="020B0604020202020204" pitchFamily="34" charset="0"/>
+                <a:ea typeface="Times New Roman" panose="02020603050405020304" pitchFamily="18" charset="0"/>
+                <a:cs typeface="Arial" panose="020B0604020202020204" pitchFamily="34" charset="0"/>
+              </a:rPr>
+              <a:t>. Se </a:t>
+            </a:r>
+            <a:r>
+              <a:rPr lang="en-US" sz="1800" dirty="0" err="1">
+                <a:effectLst/>
+                <a:latin typeface="Arial" panose="020B0604020202020204" pitchFamily="34" charset="0"/>
+                <a:ea typeface="Times New Roman" panose="02020603050405020304" pitchFamily="18" charset="0"/>
+                <a:cs typeface="Arial" panose="020B0604020202020204" pitchFamily="34" charset="0"/>
+              </a:rPr>
+              <a:t>debe</a:t>
+            </a:r>
+            <a:r>
+              <a:rPr lang="en-US" sz="1800" dirty="0">
+                <a:effectLst/>
+                <a:latin typeface="Arial" panose="020B0604020202020204" pitchFamily="34" charset="0"/>
+                <a:ea typeface="Times New Roman" panose="02020603050405020304" pitchFamily="18" charset="0"/>
+                <a:cs typeface="Arial" panose="020B0604020202020204" pitchFamily="34" charset="0"/>
+              </a:rPr>
+              <a:t> </a:t>
+            </a:r>
+            <a:r>
+              <a:rPr lang="en-US" sz="1800" dirty="0" err="1">
+                <a:effectLst/>
+                <a:latin typeface="Arial" panose="020B0604020202020204" pitchFamily="34" charset="0"/>
+                <a:ea typeface="Times New Roman" panose="02020603050405020304" pitchFamily="18" charset="0"/>
+                <a:cs typeface="Arial" panose="020B0604020202020204" pitchFamily="34" charset="0"/>
+              </a:rPr>
+              <a:t>comparar</a:t>
+            </a:r>
+            <a:r>
+              <a:rPr lang="en-US" sz="1800" dirty="0">
+                <a:effectLst/>
+                <a:latin typeface="Arial" panose="020B0604020202020204" pitchFamily="34" charset="0"/>
+                <a:ea typeface="Times New Roman" panose="02020603050405020304" pitchFamily="18" charset="0"/>
+                <a:cs typeface="Arial" panose="020B0604020202020204" pitchFamily="34" charset="0"/>
+              </a:rPr>
+              <a:t> con </a:t>
+            </a:r>
+            <a:r>
+              <a:rPr lang="en-US" sz="1800" dirty="0" err="1">
+                <a:effectLst/>
+                <a:latin typeface="Arial" panose="020B0604020202020204" pitchFamily="34" charset="0"/>
+                <a:ea typeface="Times New Roman" panose="02020603050405020304" pitchFamily="18" charset="0"/>
+                <a:cs typeface="Arial" panose="020B0604020202020204" pitchFamily="34" charset="0"/>
+              </a:rPr>
+              <a:t>resultados</a:t>
+            </a:r>
+            <a:r>
+              <a:rPr lang="en-US" sz="1800" dirty="0">
+                <a:latin typeface="Arial" panose="020B0604020202020204" pitchFamily="34" charset="0"/>
+                <a:ea typeface="Times New Roman" panose="02020603050405020304" pitchFamily="18" charset="0"/>
+                <a:cs typeface="Arial" panose="020B0604020202020204" pitchFamily="34" charset="0"/>
+              </a:rPr>
+              <a:t> </a:t>
+            </a:r>
+            <a:r>
+              <a:rPr lang="en-US" sz="1800" dirty="0" err="1">
+                <a:effectLst/>
+                <a:latin typeface="Arial" panose="020B0604020202020204" pitchFamily="34" charset="0"/>
+                <a:ea typeface="Times New Roman" panose="02020603050405020304" pitchFamily="18" charset="0"/>
+                <a:cs typeface="Arial" panose="020B0604020202020204" pitchFamily="34" charset="0"/>
+              </a:rPr>
+              <a:t>en</a:t>
+            </a:r>
+            <a:r>
+              <a:rPr lang="en-US" sz="1800" dirty="0">
+                <a:effectLst/>
+                <a:latin typeface="Arial" panose="020B0604020202020204" pitchFamily="34" charset="0"/>
+                <a:ea typeface="Times New Roman" panose="02020603050405020304" pitchFamily="18" charset="0"/>
+                <a:cs typeface="Arial" panose="020B0604020202020204" pitchFamily="34" charset="0"/>
+              </a:rPr>
+              <a:t> </a:t>
+            </a:r>
+            <a:r>
+              <a:rPr lang="en-US" sz="1800" dirty="0" err="1">
+                <a:effectLst/>
+                <a:latin typeface="Arial" panose="020B0604020202020204" pitchFamily="34" charset="0"/>
+                <a:ea typeface="Times New Roman" panose="02020603050405020304" pitchFamily="18" charset="0"/>
+                <a:cs typeface="Arial" panose="020B0604020202020204" pitchFamily="34" charset="0"/>
+              </a:rPr>
+              <a:t>relación</a:t>
+            </a:r>
+            <a:r>
+              <a:rPr lang="en-US" sz="1800" dirty="0">
+                <a:effectLst/>
+                <a:latin typeface="Arial" panose="020B0604020202020204" pitchFamily="34" charset="0"/>
+                <a:ea typeface="Times New Roman" panose="02020603050405020304" pitchFamily="18" charset="0"/>
+                <a:cs typeface="Arial" panose="020B0604020202020204" pitchFamily="34" charset="0"/>
+              </a:rPr>
+              <a:t> a </a:t>
+            </a:r>
+            <a:r>
+              <a:rPr lang="en-US" sz="1800" dirty="0" err="1">
+                <a:effectLst/>
+                <a:latin typeface="Arial" panose="020B0604020202020204" pitchFamily="34" charset="0"/>
+                <a:ea typeface="Times New Roman" panose="02020603050405020304" pitchFamily="18" charset="0"/>
+                <a:cs typeface="Arial" panose="020B0604020202020204" pitchFamily="34" charset="0"/>
+              </a:rPr>
+              <a:t>el</a:t>
+            </a:r>
+            <a:r>
+              <a:rPr lang="en-US" sz="1800" dirty="0">
+                <a:effectLst/>
+                <a:latin typeface="Arial" panose="020B0604020202020204" pitchFamily="34" charset="0"/>
+                <a:ea typeface="Times New Roman" panose="02020603050405020304" pitchFamily="18" charset="0"/>
+                <a:cs typeface="Arial" panose="020B0604020202020204" pitchFamily="34" charset="0"/>
+              </a:rPr>
+              <a:t> </a:t>
+            </a:r>
+            <a:r>
+              <a:rPr lang="en-US" sz="1800" dirty="0" err="1">
+                <a:effectLst/>
+                <a:latin typeface="Arial" panose="020B0604020202020204" pitchFamily="34" charset="0"/>
+                <a:ea typeface="Times New Roman" panose="02020603050405020304" pitchFamily="18" charset="0"/>
+                <a:cs typeface="Arial" panose="020B0604020202020204" pitchFamily="34" charset="0"/>
+              </a:rPr>
+              <a:t>tiempo</a:t>
+            </a:r>
+            <a:r>
+              <a:rPr lang="en-US" sz="1800" dirty="0">
+                <a:effectLst/>
+                <a:latin typeface="Arial" panose="020B0604020202020204" pitchFamily="34" charset="0"/>
+                <a:ea typeface="Times New Roman" panose="02020603050405020304" pitchFamily="18" charset="0"/>
+                <a:cs typeface="Arial" panose="020B0604020202020204" pitchFamily="34" charset="0"/>
+              </a:rPr>
+              <a:t> de </a:t>
+            </a:r>
+            <a:r>
+              <a:rPr lang="en-US" sz="1800" dirty="0" err="1">
+                <a:effectLst/>
+                <a:latin typeface="Arial" panose="020B0604020202020204" pitchFamily="34" charset="0"/>
+                <a:ea typeface="Times New Roman" panose="02020603050405020304" pitchFamily="18" charset="0"/>
+                <a:cs typeface="Arial" panose="020B0604020202020204" pitchFamily="34" charset="0"/>
+              </a:rPr>
+              <a:t>ejecución</a:t>
+            </a:r>
+            <a:r>
+              <a:rPr lang="en-US" sz="1800" dirty="0">
+                <a:effectLst/>
+                <a:latin typeface="Arial" panose="020B0604020202020204" pitchFamily="34" charset="0"/>
+                <a:ea typeface="Times New Roman" panose="02020603050405020304" pitchFamily="18" charset="0"/>
+                <a:cs typeface="Arial" panose="020B0604020202020204" pitchFamily="34" charset="0"/>
+              </a:rPr>
+              <a:t> y </a:t>
+            </a:r>
+            <a:r>
+              <a:rPr lang="en-US" sz="1800" u="sng" dirty="0" err="1">
+                <a:effectLst/>
+                <a:latin typeface="Arial" panose="020B0604020202020204" pitchFamily="34" charset="0"/>
+                <a:ea typeface="Times New Roman" panose="02020603050405020304" pitchFamily="18" charset="0"/>
+                <a:cs typeface="Arial" panose="020B0604020202020204" pitchFamily="34" charset="0"/>
+              </a:rPr>
+              <a:t>resultados</a:t>
+            </a:r>
+            <a:r>
+              <a:rPr lang="en-US" sz="1800" dirty="0">
+                <a:effectLst/>
+                <a:latin typeface="Arial" panose="020B0604020202020204" pitchFamily="34" charset="0"/>
+                <a:ea typeface="Times New Roman" panose="02020603050405020304" pitchFamily="18" charset="0"/>
+                <a:cs typeface="Arial" panose="020B0604020202020204" pitchFamily="34" charset="0"/>
+              </a:rPr>
+              <a:t>.</a:t>
+            </a:r>
+            <a:endParaRPr lang="es-CL" sz="1800" dirty="0">
+              <a:effectLst/>
+              <a:latin typeface="Arial" panose="020B0604020202020204" pitchFamily="34" charset="0"/>
+              <a:ea typeface="Times New Roman" panose="02020603050405020304" pitchFamily="18" charset="0"/>
+              <a:cs typeface="Arial" panose="020B0604020202020204" pitchFamily="34" charset="0"/>
+            </a:endParaRPr>
           </a:p>
           <a:p>
             <a:endParaRPr lang="es-CL" dirty="0"/>
@@ -19928,7 +22078,7 @@
     </p:spTree>
     <p:extLst>
       <p:ext uri="{BB962C8B-B14F-4D97-AF65-F5344CB8AC3E}">
-        <p14:creationId xmlns:p14="http://schemas.microsoft.com/office/powerpoint/2010/main" val="2388339472"/>
+        <p14:creationId xmlns:p14="http://schemas.microsoft.com/office/powerpoint/2010/main" val="2135390094"/>
       </p:ext>
     </p:extLst>
   </p:cSld>
@@ -19960,7 +22110,7 @@
           <p:cNvPr id="2" name="Título 1">
             <a:extLst>
               <a:ext uri="{FF2B5EF4-FFF2-40B4-BE49-F238E27FC236}">
-                <a16:creationId xmlns:a16="http://schemas.microsoft.com/office/drawing/2014/main" id="{B08FD583-27D2-9FBA-234F-B8F6CEF82762}"/>
+                <a16:creationId xmlns:a16="http://schemas.microsoft.com/office/drawing/2014/main" id="{3FF15AA0-7B8A-86C1-33AF-853BEBA8435E}"/>
               </a:ext>
             </a:extLst>
           </p:cNvPr>
@@ -19978,7 +22128,7 @@
           <a:p>
             <a:r>
               <a:rPr lang="es-MX" dirty="0"/>
-              <a:t>Objetivos:</a:t>
+              <a:t>Objetivos </a:t>
             </a:r>
             <a:endParaRPr lang="es-CL" dirty="0"/>
           </a:p>
@@ -19989,7 +22139,7 @@
           <p:cNvPr id="3" name="Marcador de contenido 2">
             <a:extLst>
               <a:ext uri="{FF2B5EF4-FFF2-40B4-BE49-F238E27FC236}">
-                <a16:creationId xmlns:a16="http://schemas.microsoft.com/office/drawing/2014/main" id="{81BF05C3-D39F-410C-FE10-51E8EB2B366F}"/>
+                <a16:creationId xmlns:a16="http://schemas.microsoft.com/office/drawing/2014/main" id="{088509B9-CE08-DE52-BFF3-914E382E5F6B}"/>
               </a:ext>
             </a:extLst>
           </p:cNvPr>
@@ -20000,661 +22150,62 @@
             <p:ph idx="1"/>
           </p:nvPr>
         </p:nvSpPr>
-        <p:spPr>
-          <a:xfrm>
-            <a:off x="627311" y="2354980"/>
-            <a:ext cx="9613861" cy="3599316"/>
-          </a:xfrm>
-        </p:spPr>
-        <p:txBody>
-          <a:bodyPr/>
+        <p:spPr/>
+        <p:txBody>
+          <a:bodyPr>
+            <a:normAutofit/>
+          </a:bodyPr>
           <a:lstStyle/>
           <a:p>
             <a:r>
-              <a:rPr lang="es-MX" dirty="0"/>
-              <a:t>Objetivo General: </a:t>
-            </a:r>
-            <a:r>
-              <a:rPr lang="es-MX" sz="1800" dirty="0">
-                <a:effectLst/>
-                <a:latin typeface="Arial" panose="020B0604020202020204" pitchFamily="34" charset="0"/>
-                <a:ea typeface="Times New Roman" panose="02020603050405020304" pitchFamily="18" charset="0"/>
-              </a:rPr>
-              <a:t>Optimización de función en algoritmo PSO</a:t>
-            </a:r>
-            <a:r>
-              <a:rPr lang="en-US" sz="1800" dirty="0">
-                <a:effectLst/>
-                <a:latin typeface="Arial" panose="020B0604020202020204" pitchFamily="34" charset="0"/>
-                <a:ea typeface="Times New Roman" panose="02020603050405020304" pitchFamily="18" charset="0"/>
-              </a:rPr>
-              <a:t>. El </a:t>
-            </a:r>
-            <a:r>
-              <a:rPr lang="en-US" sz="1800" dirty="0" err="1">
-                <a:effectLst/>
-                <a:latin typeface="Arial" panose="020B0604020202020204" pitchFamily="34" charset="0"/>
-                <a:ea typeface="Times New Roman" panose="02020603050405020304" pitchFamily="18" charset="0"/>
-              </a:rPr>
-              <a:t>objetivo</a:t>
-            </a:r>
-            <a:r>
-              <a:rPr lang="en-US" sz="1800" dirty="0">
-                <a:effectLst/>
-                <a:latin typeface="Arial" panose="020B0604020202020204" pitchFamily="34" charset="0"/>
-                <a:ea typeface="Times New Roman" panose="02020603050405020304" pitchFamily="18" charset="0"/>
-              </a:rPr>
-              <a:t> de la </a:t>
-            </a:r>
-            <a:r>
-              <a:rPr lang="en-US" sz="1800" dirty="0" err="1">
-                <a:effectLst/>
-                <a:latin typeface="Arial" panose="020B0604020202020204" pitchFamily="34" charset="0"/>
-                <a:ea typeface="Times New Roman" panose="02020603050405020304" pitchFamily="18" charset="0"/>
-              </a:rPr>
-              <a:t>optimización</a:t>
-            </a:r>
-            <a:r>
-              <a:rPr lang="en-US" sz="1800" dirty="0">
-                <a:effectLst/>
-                <a:latin typeface="Arial" panose="020B0604020202020204" pitchFamily="34" charset="0"/>
-                <a:ea typeface="Times New Roman" panose="02020603050405020304" pitchFamily="18" charset="0"/>
-              </a:rPr>
-              <a:t> es </a:t>
-            </a:r>
-            <a:r>
-              <a:rPr lang="en-US" sz="1800" dirty="0" err="1">
-                <a:effectLst/>
-                <a:latin typeface="Arial" panose="020B0604020202020204" pitchFamily="34" charset="0"/>
-                <a:ea typeface="Times New Roman" panose="02020603050405020304" pitchFamily="18" charset="0"/>
-              </a:rPr>
-              <a:t>encontrar</a:t>
-            </a:r>
-            <a:r>
-              <a:rPr lang="en-US" sz="1800" dirty="0">
-                <a:effectLst/>
-                <a:latin typeface="Arial" panose="020B0604020202020204" pitchFamily="34" charset="0"/>
-                <a:ea typeface="Times New Roman" panose="02020603050405020304" pitchFamily="18" charset="0"/>
-              </a:rPr>
-              <a:t> la </a:t>
-            </a:r>
-            <a:r>
-              <a:rPr lang="en-US" sz="1800" dirty="0" err="1">
-                <a:effectLst/>
-                <a:latin typeface="Arial" panose="020B0604020202020204" pitchFamily="34" charset="0"/>
-                <a:ea typeface="Times New Roman" panose="02020603050405020304" pitchFamily="18" charset="0"/>
-              </a:rPr>
-              <a:t>posición</a:t>
-            </a:r>
-            <a:r>
-              <a:rPr lang="en-US" sz="1800" dirty="0">
-                <a:effectLst/>
-                <a:latin typeface="Arial" panose="020B0604020202020204" pitchFamily="34" charset="0"/>
-                <a:ea typeface="Times New Roman" panose="02020603050405020304" pitchFamily="18" charset="0"/>
-              </a:rPr>
-              <a:t> de la </a:t>
-            </a:r>
-            <a:r>
-              <a:rPr lang="en-US" sz="1800" dirty="0" err="1">
-                <a:effectLst/>
-                <a:latin typeface="Arial" panose="020B0604020202020204" pitchFamily="34" charset="0"/>
-                <a:ea typeface="Times New Roman" panose="02020603050405020304" pitchFamily="18" charset="0"/>
-              </a:rPr>
-              <a:t>partícula</a:t>
-            </a:r>
-            <a:r>
-              <a:rPr lang="en-US" sz="1800" dirty="0">
-                <a:effectLst/>
-                <a:latin typeface="Arial" panose="020B0604020202020204" pitchFamily="34" charset="0"/>
-                <a:ea typeface="Times New Roman" panose="02020603050405020304" pitchFamily="18" charset="0"/>
-              </a:rPr>
-              <a:t> que produce </a:t>
-            </a:r>
-            <a:r>
-              <a:rPr lang="en-US" sz="1800" dirty="0" err="1">
-                <a:effectLst/>
-                <a:latin typeface="Arial" panose="020B0604020202020204" pitchFamily="34" charset="0"/>
-                <a:ea typeface="Times New Roman" panose="02020603050405020304" pitchFamily="18" charset="0"/>
-              </a:rPr>
-              <a:t>el</a:t>
-            </a:r>
-            <a:r>
-              <a:rPr lang="en-US" sz="1800" dirty="0">
-                <a:effectLst/>
-                <a:latin typeface="Arial" panose="020B0604020202020204" pitchFamily="34" charset="0"/>
-                <a:ea typeface="Times New Roman" panose="02020603050405020304" pitchFamily="18" charset="0"/>
-              </a:rPr>
-              <a:t> </a:t>
-            </a:r>
-            <a:r>
-              <a:rPr lang="en-US" sz="1800" dirty="0" err="1">
-                <a:effectLst/>
-                <a:latin typeface="Arial" panose="020B0604020202020204" pitchFamily="34" charset="0"/>
-                <a:ea typeface="Times New Roman" panose="02020603050405020304" pitchFamily="18" charset="0"/>
-              </a:rPr>
-              <a:t>mejor</a:t>
-            </a:r>
-            <a:r>
-              <a:rPr lang="en-US" sz="1800" dirty="0">
-                <a:effectLst/>
-                <a:latin typeface="Arial" panose="020B0604020202020204" pitchFamily="34" charset="0"/>
-                <a:ea typeface="Times New Roman" panose="02020603050405020304" pitchFamily="18" charset="0"/>
-              </a:rPr>
-              <a:t> valor de la </a:t>
-            </a:r>
-            <a:r>
-              <a:rPr lang="en-US" sz="1800" dirty="0" err="1">
-                <a:effectLst/>
-                <a:latin typeface="Arial" panose="020B0604020202020204" pitchFamily="34" charset="0"/>
-                <a:ea typeface="Times New Roman" panose="02020603050405020304" pitchFamily="18" charset="0"/>
-              </a:rPr>
-              <a:t>función</a:t>
-            </a:r>
-            <a:r>
-              <a:rPr lang="en-US" sz="1800" dirty="0">
-                <a:effectLst/>
-                <a:latin typeface="Arial" panose="020B0604020202020204" pitchFamily="34" charset="0"/>
-                <a:ea typeface="Times New Roman" panose="02020603050405020304" pitchFamily="18" charset="0"/>
-              </a:rPr>
-              <a:t> de </a:t>
-            </a:r>
-            <a:r>
-              <a:rPr lang="en-US" sz="1800" dirty="0" err="1">
-                <a:effectLst/>
-                <a:latin typeface="Arial" panose="020B0604020202020204" pitchFamily="34" charset="0"/>
-                <a:ea typeface="Times New Roman" panose="02020603050405020304" pitchFamily="18" charset="0"/>
-              </a:rPr>
-              <a:t>costo</a:t>
-            </a:r>
-            <a:r>
-              <a:rPr lang="en-US" sz="1800" dirty="0">
-                <a:effectLst/>
-                <a:latin typeface="Arial" panose="020B0604020202020204" pitchFamily="34" charset="0"/>
-                <a:ea typeface="Times New Roman" panose="02020603050405020304" pitchFamily="18" charset="0"/>
-              </a:rPr>
-              <a:t> (</a:t>
-            </a:r>
-            <a:r>
-              <a:rPr lang="en-US" sz="1800" dirty="0" err="1">
-                <a:effectLst/>
-                <a:latin typeface="Arial" panose="020B0604020202020204" pitchFamily="34" charset="0"/>
-                <a:ea typeface="Times New Roman" panose="02020603050405020304" pitchFamily="18" charset="0"/>
-              </a:rPr>
-              <a:t>ya</a:t>
-            </a:r>
-            <a:r>
-              <a:rPr lang="en-US" sz="1800" dirty="0">
-                <a:effectLst/>
-                <a:latin typeface="Arial" panose="020B0604020202020204" pitchFamily="34" charset="0"/>
-                <a:ea typeface="Times New Roman" panose="02020603050405020304" pitchFamily="18" charset="0"/>
-              </a:rPr>
-              <a:t> sea un </a:t>
-            </a:r>
-            <a:r>
-              <a:rPr lang="en-US" sz="1800" dirty="0" err="1">
-                <a:effectLst/>
-                <a:latin typeface="Arial" panose="020B0604020202020204" pitchFamily="34" charset="0"/>
-                <a:ea typeface="Times New Roman" panose="02020603050405020304" pitchFamily="18" charset="0"/>
-              </a:rPr>
-              <a:t>máximo</a:t>
-            </a:r>
-            <a:r>
-              <a:rPr lang="en-US" sz="1800" dirty="0">
-                <a:effectLst/>
-                <a:latin typeface="Arial" panose="020B0604020202020204" pitchFamily="34" charset="0"/>
-                <a:ea typeface="Times New Roman" panose="02020603050405020304" pitchFamily="18" charset="0"/>
-              </a:rPr>
-              <a:t> o un </a:t>
-            </a:r>
-            <a:r>
-              <a:rPr lang="en-US" sz="1800" dirty="0" err="1">
-                <a:effectLst/>
-                <a:latin typeface="Arial" panose="020B0604020202020204" pitchFamily="34" charset="0"/>
-                <a:ea typeface="Times New Roman" panose="02020603050405020304" pitchFamily="18" charset="0"/>
-              </a:rPr>
-              <a:t>mínimo</a:t>
-            </a:r>
-            <a:r>
-              <a:rPr lang="en-US" sz="1800" dirty="0">
-                <a:effectLst/>
-                <a:latin typeface="Arial" panose="020B0604020202020204" pitchFamily="34" charset="0"/>
-                <a:ea typeface="Times New Roman" panose="02020603050405020304" pitchFamily="18" charset="0"/>
-              </a:rPr>
-              <a:t>) </a:t>
-            </a:r>
-            <a:r>
-              <a:rPr lang="en-US" sz="1800" dirty="0" err="1">
-                <a:effectLst/>
-                <a:latin typeface="Arial" panose="020B0604020202020204" pitchFamily="34" charset="0"/>
-                <a:ea typeface="Times New Roman" panose="02020603050405020304" pitchFamily="18" charset="0"/>
-              </a:rPr>
-              <a:t>en</a:t>
-            </a:r>
-            <a:r>
-              <a:rPr lang="en-US" sz="1800" dirty="0">
-                <a:effectLst/>
-                <a:latin typeface="Arial" panose="020B0604020202020204" pitchFamily="34" charset="0"/>
-                <a:ea typeface="Times New Roman" panose="02020603050405020304" pitchFamily="18" charset="0"/>
-              </a:rPr>
-              <a:t> </a:t>
-            </a:r>
-            <a:r>
-              <a:rPr lang="en-US" sz="1800" dirty="0" err="1">
-                <a:effectLst/>
-                <a:latin typeface="Arial" panose="020B0604020202020204" pitchFamily="34" charset="0"/>
-                <a:ea typeface="Times New Roman" panose="02020603050405020304" pitchFamily="18" charset="0"/>
-              </a:rPr>
-              <a:t>el</a:t>
-            </a:r>
-            <a:r>
-              <a:rPr lang="en-US" sz="1800" dirty="0">
-                <a:effectLst/>
-                <a:latin typeface="Arial" panose="020B0604020202020204" pitchFamily="34" charset="0"/>
-                <a:ea typeface="Times New Roman" panose="02020603050405020304" pitchFamily="18" charset="0"/>
-              </a:rPr>
-              <a:t> </a:t>
-            </a:r>
-            <a:r>
-              <a:rPr lang="en-US" sz="1800" dirty="0" err="1">
-                <a:effectLst/>
-                <a:latin typeface="Arial" panose="020B0604020202020204" pitchFamily="34" charset="0"/>
-                <a:ea typeface="Times New Roman" panose="02020603050405020304" pitchFamily="18" charset="0"/>
-              </a:rPr>
-              <a:t>menor</a:t>
-            </a:r>
-            <a:r>
-              <a:rPr lang="en-US" sz="1800" dirty="0">
-                <a:effectLst/>
-                <a:latin typeface="Arial" panose="020B0604020202020204" pitchFamily="34" charset="0"/>
-                <a:ea typeface="Times New Roman" panose="02020603050405020304" pitchFamily="18" charset="0"/>
-              </a:rPr>
-              <a:t> </a:t>
-            </a:r>
-            <a:r>
-              <a:rPr lang="en-US" sz="1800" dirty="0" err="1">
-                <a:effectLst/>
-                <a:latin typeface="Arial" panose="020B0604020202020204" pitchFamily="34" charset="0"/>
-                <a:ea typeface="Times New Roman" panose="02020603050405020304" pitchFamily="18" charset="0"/>
-              </a:rPr>
-              <a:t>tiempo</a:t>
-            </a:r>
-            <a:r>
-              <a:rPr lang="en-US" sz="1800" dirty="0">
-                <a:effectLst/>
-                <a:latin typeface="Arial" panose="020B0604020202020204" pitchFamily="34" charset="0"/>
-                <a:ea typeface="Times New Roman" panose="02020603050405020304" pitchFamily="18" charset="0"/>
-              </a:rPr>
-              <a:t> </a:t>
-            </a:r>
-            <a:r>
-              <a:rPr lang="en-US" sz="1800" dirty="0" err="1">
-                <a:effectLst/>
-                <a:latin typeface="Arial" panose="020B0604020202020204" pitchFamily="34" charset="0"/>
-                <a:ea typeface="Times New Roman" panose="02020603050405020304" pitchFamily="18" charset="0"/>
-              </a:rPr>
-              <a:t>posible</a:t>
-            </a:r>
-            <a:r>
-              <a:rPr lang="en-US" sz="1800" dirty="0">
-                <a:effectLst/>
-                <a:latin typeface="Arial" panose="020B0604020202020204" pitchFamily="34" charset="0"/>
-                <a:ea typeface="Times New Roman" panose="02020603050405020304" pitchFamily="18" charset="0"/>
-              </a:rPr>
-              <a:t>. </a:t>
-            </a:r>
-          </a:p>
-          <a:p>
-            <a:endParaRPr lang="es-CL" sz="1800" dirty="0">
-              <a:latin typeface="Arial" panose="020B0604020202020204" pitchFamily="34" charset="0"/>
-            </a:endParaRPr>
-          </a:p>
-          <a:p>
-            <a:pPr marL="342900" lvl="0" indent="-342900" algn="just">
-              <a:buFont typeface="Symbol" panose="05050102010706020507" pitchFamily="18" charset="2"/>
-              <a:buChar char=""/>
-            </a:pPr>
-            <a:r>
-              <a:rPr lang="en-US" sz="1800" dirty="0" err="1">
-                <a:latin typeface="Arial" panose="020B0604020202020204" pitchFamily="34" charset="0"/>
-              </a:rPr>
-              <a:t>Objetivo</a:t>
-            </a:r>
-            <a:r>
-              <a:rPr lang="en-US" sz="1800" dirty="0">
-                <a:latin typeface="Arial" panose="020B0604020202020204" pitchFamily="34" charset="0"/>
-              </a:rPr>
-              <a:t> </a:t>
-            </a:r>
-            <a:r>
-              <a:rPr lang="en-US" sz="1800" dirty="0" err="1">
-                <a:latin typeface="Arial" panose="020B0604020202020204" pitchFamily="34" charset="0"/>
-              </a:rPr>
-              <a:t>especifico</a:t>
-            </a:r>
-            <a:r>
-              <a:rPr lang="en-US" sz="1800" dirty="0">
-                <a:latin typeface="Arial" panose="020B0604020202020204" pitchFamily="34" charset="0"/>
-              </a:rPr>
-              <a:t>: </a:t>
-            </a:r>
-            <a:r>
-              <a:rPr lang="en-US" sz="1800" dirty="0" err="1">
-                <a:effectLst/>
-                <a:latin typeface="Arial" panose="020B0604020202020204" pitchFamily="34" charset="0"/>
-                <a:ea typeface="Times New Roman" panose="02020603050405020304" pitchFamily="18" charset="0"/>
-              </a:rPr>
-              <a:t>Esta</a:t>
-            </a:r>
-            <a:r>
-              <a:rPr lang="en-US" sz="1800" dirty="0">
-                <a:effectLst/>
-                <a:latin typeface="Arial" panose="020B0604020202020204" pitchFamily="34" charset="0"/>
-                <a:ea typeface="Times New Roman" panose="02020603050405020304" pitchFamily="18" charset="0"/>
-              </a:rPr>
-              <a:t> </a:t>
-            </a:r>
-            <a:r>
-              <a:rPr lang="en-US" sz="1800" dirty="0" err="1">
-                <a:effectLst/>
-                <a:latin typeface="Arial" panose="020B0604020202020204" pitchFamily="34" charset="0"/>
-                <a:ea typeface="Times New Roman" panose="02020603050405020304" pitchFamily="18" charset="0"/>
-              </a:rPr>
-              <a:t>implementación</a:t>
-            </a:r>
-            <a:r>
-              <a:rPr lang="en-US" sz="1800" dirty="0">
-                <a:effectLst/>
-                <a:latin typeface="Arial" panose="020B0604020202020204" pitchFamily="34" charset="0"/>
-                <a:ea typeface="Times New Roman" panose="02020603050405020304" pitchFamily="18" charset="0"/>
-              </a:rPr>
-              <a:t> </a:t>
-            </a:r>
-            <a:r>
-              <a:rPr lang="en-US" sz="1800" dirty="0" err="1">
-                <a:effectLst/>
-                <a:latin typeface="Arial" panose="020B0604020202020204" pitchFamily="34" charset="0"/>
-                <a:ea typeface="Times New Roman" panose="02020603050405020304" pitchFamily="18" charset="0"/>
-              </a:rPr>
-              <a:t>debe</a:t>
-            </a:r>
-            <a:r>
-              <a:rPr lang="en-US" sz="1800" dirty="0">
-                <a:effectLst/>
-                <a:latin typeface="Arial" panose="020B0604020202020204" pitchFamily="34" charset="0"/>
-                <a:ea typeface="Times New Roman" panose="02020603050405020304" pitchFamily="18" charset="0"/>
-              </a:rPr>
-              <a:t> </a:t>
-            </a:r>
-            <a:r>
-              <a:rPr lang="en-US" sz="1800" dirty="0" err="1">
-                <a:effectLst/>
-                <a:latin typeface="Arial" panose="020B0604020202020204" pitchFamily="34" charset="0"/>
-                <a:ea typeface="Times New Roman" panose="02020603050405020304" pitchFamily="18" charset="0"/>
-              </a:rPr>
-              <a:t>llevarse</a:t>
-            </a:r>
-            <a:r>
-              <a:rPr lang="en-US" sz="1800" dirty="0">
-                <a:effectLst/>
-                <a:latin typeface="Arial" panose="020B0604020202020204" pitchFamily="34" charset="0"/>
-                <a:ea typeface="Times New Roman" panose="02020603050405020304" pitchFamily="18" charset="0"/>
-              </a:rPr>
-              <a:t> a </a:t>
-            </a:r>
-            <a:r>
-              <a:rPr lang="en-US" sz="1800" dirty="0" err="1">
-                <a:effectLst/>
-                <a:latin typeface="Arial" panose="020B0604020202020204" pitchFamily="34" charset="0"/>
-                <a:ea typeface="Times New Roman" panose="02020603050405020304" pitchFamily="18" charset="0"/>
-              </a:rPr>
-              <a:t>cabo</a:t>
-            </a:r>
-            <a:r>
-              <a:rPr lang="en-US" sz="1800" dirty="0">
-                <a:effectLst/>
-                <a:latin typeface="Arial" panose="020B0604020202020204" pitchFamily="34" charset="0"/>
-                <a:ea typeface="Times New Roman" panose="02020603050405020304" pitchFamily="18" charset="0"/>
-              </a:rPr>
-              <a:t> </a:t>
-            </a:r>
-            <a:r>
-              <a:rPr lang="es-CL" sz="1800" dirty="0">
-                <a:effectLst/>
-                <a:latin typeface="Arial" panose="020B0604020202020204" pitchFamily="34" charset="0"/>
-                <a:ea typeface="Times New Roman" panose="02020603050405020304" pitchFamily="18" charset="0"/>
-              </a:rPr>
-              <a:t>en</a:t>
-            </a:r>
-            <a:r>
-              <a:rPr lang="en-US" sz="1800" dirty="0">
-                <a:effectLst/>
-                <a:latin typeface="Arial" panose="020B0604020202020204" pitchFamily="34" charset="0"/>
-                <a:ea typeface="Times New Roman" panose="02020603050405020304" pitchFamily="18" charset="0"/>
-              </a:rPr>
-              <a:t> Python y </a:t>
-            </a:r>
-            <a:r>
-              <a:rPr lang="en-US" sz="1800" dirty="0" err="1">
-                <a:effectLst/>
-                <a:latin typeface="Arial" panose="020B0604020202020204" pitchFamily="34" charset="0"/>
-                <a:ea typeface="Times New Roman" panose="02020603050405020304" pitchFamily="18" charset="0"/>
-              </a:rPr>
-              <a:t>encontrar</a:t>
-            </a:r>
-            <a:r>
-              <a:rPr lang="en-US" sz="1800" dirty="0">
-                <a:effectLst/>
-                <a:latin typeface="Arial" panose="020B0604020202020204" pitchFamily="34" charset="0"/>
-                <a:ea typeface="Times New Roman" panose="02020603050405020304" pitchFamily="18" charset="0"/>
-              </a:rPr>
-              <a:t> un </a:t>
-            </a:r>
-            <a:r>
-              <a:rPr lang="es-CL" sz="1800" dirty="0">
-                <a:effectLst/>
-                <a:latin typeface="Arial" panose="020B0604020202020204" pitchFamily="34" charset="0"/>
-                <a:ea typeface="Times New Roman" panose="02020603050405020304" pitchFamily="18" charset="0"/>
-              </a:rPr>
-              <a:t>mínimo</a:t>
-            </a:r>
-            <a:r>
-              <a:rPr lang="en-US" sz="1800" dirty="0">
-                <a:effectLst/>
-                <a:latin typeface="Arial" panose="020B0604020202020204" pitchFamily="34" charset="0"/>
-                <a:ea typeface="Times New Roman" panose="02020603050405020304" pitchFamily="18" charset="0"/>
-              </a:rPr>
-              <a:t> y </a:t>
-            </a:r>
-            <a:r>
-              <a:rPr lang="en-US" sz="1800" dirty="0" err="1">
-                <a:effectLst/>
-                <a:latin typeface="Arial" panose="020B0604020202020204" pitchFamily="34" charset="0"/>
-                <a:ea typeface="Times New Roman" panose="02020603050405020304" pitchFamily="18" charset="0"/>
-              </a:rPr>
-              <a:t>máximo</a:t>
-            </a:r>
-            <a:r>
-              <a:rPr lang="en-US" sz="1800" dirty="0">
-                <a:effectLst/>
-                <a:latin typeface="Arial" panose="020B0604020202020204" pitchFamily="34" charset="0"/>
-                <a:ea typeface="Times New Roman" panose="02020603050405020304" pitchFamily="18" charset="0"/>
-              </a:rPr>
-              <a:t> de la </a:t>
-            </a:r>
-            <a:r>
-              <a:rPr lang="en-US" sz="1800" dirty="0" err="1">
-                <a:effectLst/>
-                <a:latin typeface="Arial" panose="020B0604020202020204" pitchFamily="34" charset="0"/>
-                <a:ea typeface="Times New Roman" panose="02020603050405020304" pitchFamily="18" charset="0"/>
-              </a:rPr>
-              <a:t>función</a:t>
-            </a:r>
-            <a:r>
-              <a:rPr lang="en-US" sz="1800" dirty="0">
-                <a:effectLst/>
-                <a:latin typeface="Arial" panose="020B0604020202020204" pitchFamily="34" charset="0"/>
-                <a:ea typeface="Times New Roman" panose="02020603050405020304" pitchFamily="18" charset="0"/>
-              </a:rPr>
-              <a:t>. Se </a:t>
-            </a:r>
-            <a:r>
-              <a:rPr lang="en-US" sz="1800" dirty="0" err="1">
-                <a:effectLst/>
-                <a:latin typeface="Arial" panose="020B0604020202020204" pitchFamily="34" charset="0"/>
-                <a:ea typeface="Times New Roman" panose="02020603050405020304" pitchFamily="18" charset="0"/>
-              </a:rPr>
-              <a:t>debe</a:t>
-            </a:r>
-            <a:r>
-              <a:rPr lang="en-US" sz="1800" dirty="0">
-                <a:effectLst/>
-                <a:latin typeface="Arial" panose="020B0604020202020204" pitchFamily="34" charset="0"/>
-                <a:ea typeface="Times New Roman" panose="02020603050405020304" pitchFamily="18" charset="0"/>
-              </a:rPr>
-              <a:t> </a:t>
-            </a:r>
-            <a:r>
-              <a:rPr lang="en-US" sz="1800" dirty="0" err="1">
-                <a:effectLst/>
-                <a:latin typeface="Arial" panose="020B0604020202020204" pitchFamily="34" charset="0"/>
-                <a:ea typeface="Times New Roman" panose="02020603050405020304" pitchFamily="18" charset="0"/>
-              </a:rPr>
-              <a:t>comparar</a:t>
-            </a:r>
-            <a:r>
-              <a:rPr lang="en-US" sz="1800" dirty="0">
-                <a:effectLst/>
-                <a:latin typeface="Arial" panose="020B0604020202020204" pitchFamily="34" charset="0"/>
-                <a:ea typeface="Times New Roman" panose="02020603050405020304" pitchFamily="18" charset="0"/>
-              </a:rPr>
-              <a:t> con </a:t>
-            </a:r>
-            <a:r>
-              <a:rPr lang="en-US" sz="1800" dirty="0" err="1">
-                <a:effectLst/>
-                <a:latin typeface="Arial" panose="020B0604020202020204" pitchFamily="34" charset="0"/>
-                <a:ea typeface="Times New Roman" panose="02020603050405020304" pitchFamily="18" charset="0"/>
-              </a:rPr>
-              <a:t>resultados</a:t>
-            </a:r>
-            <a:r>
-              <a:rPr lang="en-US" sz="1800" dirty="0">
-                <a:latin typeface="Arial" panose="020B0604020202020204" pitchFamily="34" charset="0"/>
-                <a:ea typeface="Times New Roman" panose="02020603050405020304" pitchFamily="18" charset="0"/>
-              </a:rPr>
-              <a:t> </a:t>
-            </a:r>
-            <a:r>
-              <a:rPr lang="en-US" sz="1800" dirty="0" err="1">
-                <a:effectLst/>
-                <a:latin typeface="Arial" panose="020B0604020202020204" pitchFamily="34" charset="0"/>
-                <a:ea typeface="Times New Roman" panose="02020603050405020304" pitchFamily="18" charset="0"/>
-              </a:rPr>
-              <a:t>en</a:t>
-            </a:r>
-            <a:r>
-              <a:rPr lang="en-US" sz="1800" dirty="0">
-                <a:effectLst/>
-                <a:latin typeface="Arial" panose="020B0604020202020204" pitchFamily="34" charset="0"/>
-                <a:ea typeface="Times New Roman" panose="02020603050405020304" pitchFamily="18" charset="0"/>
-              </a:rPr>
-              <a:t> </a:t>
-            </a:r>
-            <a:r>
-              <a:rPr lang="en-US" sz="1800" dirty="0" err="1">
-                <a:effectLst/>
-                <a:latin typeface="Arial" panose="020B0604020202020204" pitchFamily="34" charset="0"/>
-                <a:ea typeface="Times New Roman" panose="02020603050405020304" pitchFamily="18" charset="0"/>
-              </a:rPr>
-              <a:t>relación</a:t>
-            </a:r>
-            <a:r>
-              <a:rPr lang="en-US" sz="1800" dirty="0">
-                <a:effectLst/>
-                <a:latin typeface="Arial" panose="020B0604020202020204" pitchFamily="34" charset="0"/>
-                <a:ea typeface="Times New Roman" panose="02020603050405020304" pitchFamily="18" charset="0"/>
-              </a:rPr>
-              <a:t> a </a:t>
-            </a:r>
-            <a:r>
-              <a:rPr lang="en-US" sz="1800" dirty="0" err="1">
-                <a:effectLst/>
-                <a:latin typeface="Arial" panose="020B0604020202020204" pitchFamily="34" charset="0"/>
-                <a:ea typeface="Times New Roman" panose="02020603050405020304" pitchFamily="18" charset="0"/>
-              </a:rPr>
-              <a:t>el</a:t>
-            </a:r>
-            <a:r>
-              <a:rPr lang="en-US" sz="1800" dirty="0">
-                <a:effectLst/>
-                <a:latin typeface="Arial" panose="020B0604020202020204" pitchFamily="34" charset="0"/>
-                <a:ea typeface="Times New Roman" panose="02020603050405020304" pitchFamily="18" charset="0"/>
-              </a:rPr>
-              <a:t> </a:t>
-            </a:r>
-            <a:r>
-              <a:rPr lang="en-US" sz="1800" dirty="0" err="1">
-                <a:effectLst/>
-                <a:latin typeface="Arial" panose="020B0604020202020204" pitchFamily="34" charset="0"/>
-                <a:ea typeface="Times New Roman" panose="02020603050405020304" pitchFamily="18" charset="0"/>
-              </a:rPr>
-              <a:t>tiempo</a:t>
-            </a:r>
-            <a:r>
-              <a:rPr lang="en-US" sz="1800" dirty="0">
-                <a:effectLst/>
-                <a:latin typeface="Arial" panose="020B0604020202020204" pitchFamily="34" charset="0"/>
-                <a:ea typeface="Times New Roman" panose="02020603050405020304" pitchFamily="18" charset="0"/>
-              </a:rPr>
-              <a:t> de </a:t>
-            </a:r>
-            <a:r>
-              <a:rPr lang="en-US" sz="1800" dirty="0" err="1">
-                <a:effectLst/>
-                <a:latin typeface="Arial" panose="020B0604020202020204" pitchFamily="34" charset="0"/>
-                <a:ea typeface="Times New Roman" panose="02020603050405020304" pitchFamily="18" charset="0"/>
-              </a:rPr>
-              <a:t>ejecución</a:t>
-            </a:r>
-            <a:r>
-              <a:rPr lang="en-US" sz="1800" dirty="0">
-                <a:effectLst/>
-                <a:latin typeface="Arial" panose="020B0604020202020204" pitchFamily="34" charset="0"/>
-                <a:ea typeface="Times New Roman" panose="02020603050405020304" pitchFamily="18" charset="0"/>
-              </a:rPr>
-              <a:t> y </a:t>
-            </a:r>
-            <a:r>
-              <a:rPr lang="en-US" sz="1800" u="sng" dirty="0" err="1">
-                <a:effectLst/>
-                <a:latin typeface="Arial" panose="020B0604020202020204" pitchFamily="34" charset="0"/>
-                <a:ea typeface="Times New Roman" panose="02020603050405020304" pitchFamily="18" charset="0"/>
-              </a:rPr>
-              <a:t>resultados</a:t>
-            </a:r>
-            <a:r>
-              <a:rPr lang="en-US" sz="1800" dirty="0">
-                <a:effectLst/>
-                <a:latin typeface="Arial" panose="020B0604020202020204" pitchFamily="34" charset="0"/>
-                <a:ea typeface="Times New Roman" panose="02020603050405020304" pitchFamily="18" charset="0"/>
-              </a:rPr>
-              <a:t>.</a:t>
-            </a:r>
-            <a:endParaRPr lang="es-CL" sz="1800" dirty="0">
-              <a:effectLst/>
-              <a:latin typeface="Times New Roman" panose="02020603050405020304" pitchFamily="18" charset="0"/>
-              <a:ea typeface="Times New Roman" panose="02020603050405020304" pitchFamily="18" charset="0"/>
-            </a:endParaRPr>
-          </a:p>
-          <a:p>
-            <a:endParaRPr lang="es-CL" dirty="0"/>
+              <a:rPr lang="es-MX" sz="1800" dirty="0"/>
+              <a:t>Implantación de PSO</a:t>
+            </a:r>
+          </a:p>
+          <a:p>
+            <a:r>
+              <a:rPr lang="es-MX" sz="1800" dirty="0"/>
+              <a:t>Optimización de PSO</a:t>
+            </a:r>
+          </a:p>
+          <a:p>
+            <a:r>
+              <a:rPr lang="es-MX" sz="1800" dirty="0"/>
+              <a:t>Implementación de DExPSO</a:t>
+            </a:r>
+          </a:p>
+          <a:p>
+            <a:r>
+              <a:rPr lang="es-MX" sz="1800" dirty="0"/>
+              <a:t>Comparación con DExPSO &amp; PSO</a:t>
+            </a:r>
+          </a:p>
+          <a:p>
+            <a:r>
+              <a:rPr lang="es-MX" sz="1800" dirty="0"/>
+              <a:t>Comparación con cambio de variable </a:t>
+            </a:r>
+            <a:endParaRPr lang="es-CL" sz="1800" dirty="0"/>
+          </a:p>
+          <a:p>
+            <a:r>
+              <a:rPr lang="es-MX" sz="1800" dirty="0"/>
+              <a:t>Implementación PSO 2 dimensiones </a:t>
+            </a:r>
+          </a:p>
+          <a:p>
+            <a:r>
+              <a:rPr lang="es-MX" sz="1800" dirty="0"/>
+              <a:t>Test de estrés </a:t>
+            </a:r>
+            <a:endParaRPr lang="es-CL" sz="1800" dirty="0"/>
           </a:p>
         </p:txBody>
       </p:sp>
     </p:spTree>
     <p:extLst>
       <p:ext uri="{BB962C8B-B14F-4D97-AF65-F5344CB8AC3E}">
-        <p14:creationId xmlns:p14="http://schemas.microsoft.com/office/powerpoint/2010/main" val="2135390094"/>
+        <p14:creationId xmlns:p14="http://schemas.microsoft.com/office/powerpoint/2010/main" val="3039723208"/>
       </p:ext>
     </p:extLst>
   </p:cSld>
@@ -20686,7 +22237,7 @@
           <p:cNvPr id="2" name="Título 1">
             <a:extLst>
               <a:ext uri="{FF2B5EF4-FFF2-40B4-BE49-F238E27FC236}">
-                <a16:creationId xmlns:a16="http://schemas.microsoft.com/office/drawing/2014/main" id="{3FF15AA0-7B8A-86C1-33AF-853BEBA8435E}"/>
+                <a16:creationId xmlns:a16="http://schemas.microsoft.com/office/drawing/2014/main" id="{A3EA8E11-8876-645A-870D-996FCBE0E7AC}"/>
               </a:ext>
             </a:extLst>
           </p:cNvPr>
@@ -20704,7 +22255,7 @@
           <a:p>
             <a:r>
               <a:rPr lang="es-MX" dirty="0"/>
-              <a:t>Objetivos </a:t>
+              <a:t>Marco Teórico</a:t>
             </a:r>
             <a:endParaRPr lang="es-CL" dirty="0"/>
           </a:p>
@@ -20715,7 +22266,7 @@
           <p:cNvPr id="3" name="Marcador de contenido 2">
             <a:extLst>
               <a:ext uri="{FF2B5EF4-FFF2-40B4-BE49-F238E27FC236}">
-                <a16:creationId xmlns:a16="http://schemas.microsoft.com/office/drawing/2014/main" id="{088509B9-CE08-DE52-BFF3-914E382E5F6B}"/>
+                <a16:creationId xmlns:a16="http://schemas.microsoft.com/office/drawing/2014/main" id="{CAB9D550-C094-BAB5-28C4-F339EC92D55F}"/>
               </a:ext>
             </a:extLst>
           </p:cNvPr>
@@ -20726,60 +22277,171 @@
             <p:ph idx="1"/>
           </p:nvPr>
         </p:nvSpPr>
-        <p:spPr/>
-        <p:txBody>
-          <a:bodyPr/>
+        <p:spPr>
+          <a:xfrm>
+            <a:off x="680320" y="1980257"/>
+            <a:ext cx="9613861" cy="3599316"/>
+          </a:xfrm>
+        </p:spPr>
+        <p:txBody>
+          <a:bodyPr>
+            <a:noAutofit/>
+          </a:bodyPr>
           <a:lstStyle/>
           <a:p>
             <a:r>
-              <a:rPr lang="es-MX" dirty="0"/>
-              <a:t>Implantación de PSO</a:t>
-            </a:r>
-          </a:p>
-          <a:p>
-            <a:r>
-              <a:rPr lang="es-MX" dirty="0"/>
-              <a:t>Optimización de PSO</a:t>
-            </a:r>
-          </a:p>
-          <a:p>
-            <a:r>
-              <a:rPr lang="es-MX" dirty="0"/>
-              <a:t>Implementación de DExPSO</a:t>
-            </a:r>
-          </a:p>
-          <a:p>
-            <a:r>
-              <a:rPr lang="es-MX" dirty="0"/>
-              <a:t>Comparación con DExPSO &amp; PSO</a:t>
-            </a:r>
-          </a:p>
-          <a:p>
-            <a:r>
-              <a:rPr lang="es-MX" dirty="0"/>
-              <a:t>Comparación con cambio de variable </a:t>
-            </a:r>
-            <a:endParaRPr lang="es-CL" dirty="0"/>
-          </a:p>
-          <a:p>
-            <a:r>
-              <a:rPr lang="es-MX" dirty="0"/>
-              <a:t>Implementación PSO 2 dimensiones </a:t>
-            </a:r>
-          </a:p>
-          <a:p>
-            <a:r>
-              <a:rPr lang="es-MX" dirty="0"/>
-              <a:t>Test de estrés </a:t>
-            </a:r>
-            <a:endParaRPr lang="es-CL" dirty="0"/>
+              <a:rPr lang="es-MX" sz="1600" b="1" dirty="0"/>
+              <a:t>Principios Básicos de PSO:</a:t>
+            </a:r>
+          </a:p>
+          <a:p>
+            <a:pPr>
+              <a:buFont typeface="+mj-lt"/>
+              <a:buAutoNum type="arabicPeriod"/>
+            </a:pPr>
+            <a:r>
+              <a:rPr lang="es-MX" sz="1600" b="1" dirty="0"/>
+              <a:t>Partículas:</a:t>
+            </a:r>
+            <a:endParaRPr lang="es-MX" sz="1600" dirty="0"/>
+          </a:p>
+          <a:p>
+            <a:pPr marL="742950" lvl="1" indent="-285750">
+              <a:buFont typeface="+mj-lt"/>
+              <a:buAutoNum type="arabicPeriod"/>
+            </a:pPr>
+            <a:r>
+              <a:rPr lang="es-MX" sz="1600" dirty="0"/>
+              <a:t>En PSO, una solución potencial se representa como una "partícula".</a:t>
+            </a:r>
+          </a:p>
+          <a:p>
+            <a:pPr marL="742950" lvl="1" indent="-285750">
+              <a:buFont typeface="+mj-lt"/>
+              <a:buAutoNum type="arabicPeriod"/>
+            </a:pPr>
+            <a:r>
+              <a:rPr lang="es-MX" sz="1600" dirty="0"/>
+              <a:t>Cada partícula tiene una posición y una velocidad en el espacio de búsqueda.</a:t>
+            </a:r>
+          </a:p>
+          <a:p>
+            <a:pPr>
+              <a:buFont typeface="+mj-lt"/>
+              <a:buAutoNum type="arabicPeriod"/>
+            </a:pPr>
+            <a:r>
+              <a:rPr lang="es-MX" sz="1600" b="1" dirty="0"/>
+              <a:t>Enjambre:</a:t>
+            </a:r>
+            <a:endParaRPr lang="es-MX" sz="1600" dirty="0"/>
+          </a:p>
+          <a:p>
+            <a:pPr marL="742950" lvl="1" indent="-285750">
+              <a:buFont typeface="+mj-lt"/>
+              <a:buAutoNum type="arabicPeriod"/>
+            </a:pPr>
+            <a:r>
+              <a:rPr lang="es-MX" sz="1600" dirty="0"/>
+              <a:t>Las partículas forman un "enjambre" que busca la solución óptima.</a:t>
+            </a:r>
+          </a:p>
+          <a:p>
+            <a:pPr marL="742950" lvl="1" indent="-285750">
+              <a:buFont typeface="+mj-lt"/>
+              <a:buAutoNum type="arabicPeriod"/>
+            </a:pPr>
+            <a:r>
+              <a:rPr lang="es-MX" sz="1600" dirty="0"/>
+              <a:t>La información sobre la calidad de la solución se comparte entre las partículas.</a:t>
+            </a:r>
+          </a:p>
+          <a:p>
+            <a:pPr marL="457200" lvl="1" indent="0">
+              <a:buNone/>
+            </a:pPr>
+            <a:endParaRPr lang="es-MX" sz="1600" dirty="0"/>
+          </a:p>
+          <a:p>
+            <a:r>
+              <a:rPr lang="es-MX" sz="1600" b="1" dirty="0"/>
+              <a:t>Factores Clave de PSO:</a:t>
+            </a:r>
+          </a:p>
+          <a:p>
+            <a:pPr>
+              <a:buFont typeface="+mj-lt"/>
+              <a:buAutoNum type="arabicPeriod"/>
+            </a:pPr>
+            <a:r>
+              <a:rPr lang="es-MX" sz="1600" b="1" dirty="0"/>
+              <a:t>Cognitivo y Social:</a:t>
+            </a:r>
+            <a:endParaRPr lang="es-MX" sz="1600" dirty="0"/>
+          </a:p>
+          <a:p>
+            <a:pPr marL="742950" lvl="1" indent="-285750">
+              <a:buFont typeface="+mj-lt"/>
+              <a:buAutoNum type="arabicPeriod"/>
+            </a:pPr>
+            <a:r>
+              <a:rPr lang="es-MX" sz="1600" dirty="0"/>
+              <a:t>Cada partícula tiene una "mejor posición personal" (cognitiva) y "mejor posición global" (social).</a:t>
+            </a:r>
+          </a:p>
+          <a:p>
+            <a:pPr marL="742950" lvl="1" indent="-285750">
+              <a:buFont typeface="+mj-lt"/>
+              <a:buAutoNum type="arabicPeriod"/>
+            </a:pPr>
+            <a:r>
+              <a:rPr lang="es-MX" sz="1600" dirty="0"/>
+              <a:t>El equilibrio entre la experiencia individual y colectiva es crucial.</a:t>
+            </a:r>
+          </a:p>
+          <a:p>
+            <a:pPr>
+              <a:buFont typeface="+mj-lt"/>
+              <a:buAutoNum type="arabicPeriod"/>
+            </a:pPr>
+            <a:r>
+              <a:rPr lang="es-MX" sz="1600" b="1" dirty="0"/>
+              <a:t>Inercia:</a:t>
+            </a:r>
+            <a:endParaRPr lang="es-MX" sz="1600" dirty="0"/>
+          </a:p>
+          <a:p>
+            <a:pPr marL="742950" lvl="1" indent="-285750">
+              <a:buFont typeface="+mj-lt"/>
+              <a:buAutoNum type="arabicPeriod"/>
+            </a:pPr>
+            <a:r>
+              <a:rPr lang="es-MX" sz="1600" dirty="0"/>
+              <a:t>La inercia controla la importancia de la velocidad anterior en la actualización de la posición.</a:t>
+            </a:r>
+          </a:p>
+          <a:p>
+            <a:pPr marL="742950" lvl="1" indent="-285750">
+              <a:buFont typeface="+mj-lt"/>
+              <a:buAutoNum type="arabicPeriod"/>
+            </a:pPr>
+            <a:r>
+              <a:rPr lang="es-MX" sz="1600" dirty="0"/>
+              <a:t>Ajustar este parámetro afecta la exploración y explotación del espacio de búsqueda.</a:t>
+            </a:r>
+          </a:p>
+          <a:p>
+            <a:pPr marL="457200" lvl="1" indent="0">
+              <a:buNone/>
+            </a:pPr>
+            <a:endParaRPr lang="es-MX" sz="1600" dirty="0"/>
           </a:p>
         </p:txBody>
       </p:sp>
     </p:spTree>
     <p:extLst>
       <p:ext uri="{BB962C8B-B14F-4D97-AF65-F5344CB8AC3E}">
-        <p14:creationId xmlns:p14="http://schemas.microsoft.com/office/powerpoint/2010/main" val="3039723208"/>
+        <p14:creationId xmlns:p14="http://schemas.microsoft.com/office/powerpoint/2010/main" val="4277127648"/>
       </p:ext>
     </p:extLst>
   </p:cSld>
@@ -20811,7 +22473,7 @@
           <p:cNvPr id="2" name="Título 1">
             <a:extLst>
               <a:ext uri="{FF2B5EF4-FFF2-40B4-BE49-F238E27FC236}">
-                <a16:creationId xmlns:a16="http://schemas.microsoft.com/office/drawing/2014/main" id="{A3EA8E11-8876-645A-870D-996FCBE0E7AC}"/>
+                <a16:creationId xmlns:a16="http://schemas.microsoft.com/office/drawing/2014/main" id="{A922A134-7581-8D75-0730-A1C048FB8289}"/>
               </a:ext>
             </a:extLst>
           </p:cNvPr>
@@ -20829,188 +22491,187 @@
           <a:p>
             <a:r>
               <a:rPr lang="es-MX" dirty="0"/>
-              <a:t>Marco Teórico</a:t>
+              <a:t>Fuerzas aplicadas a la partícula en PSO</a:t>
             </a:r>
             <a:endParaRPr lang="es-CL" dirty="0"/>
           </a:p>
         </p:txBody>
       </p:sp>
-      <p:sp>
-        <p:nvSpPr>
-          <p:cNvPr id="3" name="Marcador de contenido 2">
+      <p:pic>
+        <p:nvPicPr>
+          <p:cNvPr id="4" name="Marcador de contenido 3" descr="Diagrama&#10;&#10;Descripción generada automáticamente">
             <a:extLst>
               <a:ext uri="{FF2B5EF4-FFF2-40B4-BE49-F238E27FC236}">
-                <a16:creationId xmlns:a16="http://schemas.microsoft.com/office/drawing/2014/main" id="{CAB9D550-C094-BAB5-28C4-F339EC92D55F}"/>
+                <a16:creationId xmlns:a16="http://schemas.microsoft.com/office/drawing/2014/main" id="{7779C035-D921-3686-CAA6-CF4B1C54B632}"/>
               </a:ext>
             </a:extLst>
           </p:cNvPr>
-          <p:cNvSpPr>
-            <a:spLocks noGrp="1"/>
-          </p:cNvSpPr>
+          <p:cNvPicPr>
+            <a:picLocks noGrp="1" noChangeAspect="1"/>
+          </p:cNvPicPr>
           <p:nvPr>
             <p:ph idx="1"/>
           </p:nvPr>
-        </p:nvSpPr>
-        <p:spPr/>
-        <p:txBody>
-          <a:bodyPr>
-            <a:normAutofit lnSpcReduction="10000"/>
+        </p:nvPicPr>
+        <p:blipFill>
+          <a:blip r:embed="rId3"/>
+          <a:stretch>
+            <a:fillRect/>
+          </a:stretch>
+        </p:blipFill>
+        <p:spPr>
+          <a:xfrm>
+            <a:off x="2686512" y="2300557"/>
+            <a:ext cx="6818975" cy="3026538"/>
+          </a:xfrm>
+          <a:prstGeom prst="rect">
+            <a:avLst/>
+          </a:prstGeom>
+        </p:spPr>
+      </p:pic>
+      <p:sp>
+        <p:nvSpPr>
+          <p:cNvPr id="3" name="CuadroTexto 2">
+            <a:extLst>
+              <a:ext uri="{FF2B5EF4-FFF2-40B4-BE49-F238E27FC236}">
+                <a16:creationId xmlns:a16="http://schemas.microsoft.com/office/drawing/2014/main" id="{E5EA985E-1467-B026-4E10-27D06C25F134}"/>
+              </a:ext>
+            </a:extLst>
+          </p:cNvPr>
+          <p:cNvSpPr txBox="1"/>
+          <p:nvPr/>
+        </p:nvSpPr>
+        <p:spPr>
+          <a:xfrm>
+            <a:off x="2995502" y="5327095"/>
+            <a:ext cx="6200993" cy="646331"/>
+          </a:xfrm>
+          <a:prstGeom prst="rect">
+            <a:avLst/>
+          </a:prstGeom>
+          <a:noFill/>
+        </p:spPr>
+        <p:txBody>
+          <a:bodyPr wrap="none" rtlCol="0">
+            <a:spAutoFit/>
           </a:bodyPr>
           <a:lstStyle/>
           <a:p>
             <a:r>
-              <a:rPr lang="es-MX" sz="1200" b="1" dirty="0"/>
-              <a:t>Principios Básicos de PSO:</a:t>
-            </a:r>
-          </a:p>
-          <a:p>
-            <a:pPr>
-              <a:buFont typeface="+mj-lt"/>
-              <a:buAutoNum type="arabicPeriod"/>
-            </a:pPr>
-            <a:r>
-              <a:rPr lang="es-MX" sz="1200" b="1" dirty="0"/>
-              <a:t>Partículas:</a:t>
-            </a:r>
-            <a:endParaRPr lang="es-MX" sz="1200" dirty="0"/>
-          </a:p>
-          <a:p>
-            <a:pPr marL="742950" lvl="1" indent="-285750">
-              <a:buFont typeface="+mj-lt"/>
-              <a:buAutoNum type="arabicPeriod"/>
-            </a:pPr>
-            <a:r>
-              <a:rPr lang="es-MX" sz="1200" dirty="0"/>
-              <a:t>En PSO, una solución potencial se representa como una "partícula".</a:t>
-            </a:r>
-          </a:p>
-          <a:p>
-            <a:pPr marL="742950" lvl="1" indent="-285750">
-              <a:buFont typeface="+mj-lt"/>
-              <a:buAutoNum type="arabicPeriod"/>
-            </a:pPr>
-            <a:r>
-              <a:rPr lang="es-MX" sz="1200" dirty="0"/>
-              <a:t>Cada partícula tiene una posición y una velocidad en el espacio de búsqueda.</a:t>
-            </a:r>
-          </a:p>
-          <a:p>
-            <a:pPr>
-              <a:buFont typeface="+mj-lt"/>
-              <a:buAutoNum type="arabicPeriod"/>
-            </a:pPr>
-            <a:r>
-              <a:rPr lang="es-MX" sz="1200" b="1" dirty="0"/>
-              <a:t>Enjambre:</a:t>
-            </a:r>
-            <a:endParaRPr lang="es-MX" sz="1200" dirty="0"/>
-          </a:p>
-          <a:p>
-            <a:pPr marL="742950" lvl="1" indent="-285750">
-              <a:buFont typeface="+mj-lt"/>
-              <a:buAutoNum type="arabicPeriod"/>
-            </a:pPr>
-            <a:r>
-              <a:rPr lang="es-MX" sz="1200" dirty="0"/>
-              <a:t>Las partículas forman un "enjambre" que busca la solución óptima.</a:t>
-            </a:r>
-          </a:p>
-          <a:p>
-            <a:pPr marL="742950" lvl="1" indent="-285750">
-              <a:buFont typeface="+mj-lt"/>
-              <a:buAutoNum type="arabicPeriod"/>
-            </a:pPr>
-            <a:r>
-              <a:rPr lang="es-MX" sz="1200" dirty="0"/>
-              <a:t>La información sobre la calidad de la solución se comparte entre las partículas.</a:t>
-            </a:r>
-          </a:p>
-          <a:p>
-            <a:pPr marL="457200" lvl="1" indent="0">
-              <a:buNone/>
-            </a:pPr>
-            <a:endParaRPr lang="es-MX" sz="1200" dirty="0"/>
-          </a:p>
-          <a:p>
-            <a:r>
-              <a:rPr lang="es-MX" sz="1200" b="1" dirty="0"/>
-              <a:t>Factores Clave de PSO:</a:t>
-            </a:r>
-          </a:p>
-          <a:p>
-            <a:pPr>
-              <a:buFont typeface="+mj-lt"/>
-              <a:buAutoNum type="arabicPeriod"/>
-            </a:pPr>
-            <a:r>
-              <a:rPr lang="es-MX" sz="1200" b="1" dirty="0"/>
-              <a:t>Cognitivo y Social:</a:t>
-            </a:r>
-            <a:endParaRPr lang="es-MX" sz="1200" dirty="0"/>
-          </a:p>
-          <a:p>
-            <a:pPr marL="742950" lvl="1" indent="-285750">
-              <a:buFont typeface="+mj-lt"/>
-              <a:buAutoNum type="arabicPeriod"/>
-            </a:pPr>
-            <a:r>
-              <a:rPr lang="es-MX" sz="1200" dirty="0"/>
-              <a:t>Cada partícula tiene una "mejor posición personal" (cognitiva) y "mejor posición global" (social).</a:t>
-            </a:r>
-          </a:p>
-          <a:p>
-            <a:pPr marL="742950" lvl="1" indent="-285750">
-              <a:buFont typeface="+mj-lt"/>
-              <a:buAutoNum type="arabicPeriod"/>
-            </a:pPr>
-            <a:r>
-              <a:rPr lang="es-MX" sz="1200" dirty="0"/>
-              <a:t>El equilibrio entre la experiencia individual y colectiva es crucial.</a:t>
-            </a:r>
-          </a:p>
-          <a:p>
-            <a:pPr>
-              <a:buFont typeface="+mj-lt"/>
-              <a:buAutoNum type="arabicPeriod"/>
-            </a:pPr>
-            <a:r>
-              <a:rPr lang="es-MX" sz="1200" b="1" dirty="0"/>
-              <a:t>Inercia:</a:t>
-            </a:r>
-            <a:endParaRPr lang="es-MX" sz="1200" dirty="0"/>
-          </a:p>
-          <a:p>
-            <a:pPr marL="742950" lvl="1" indent="-285750">
-              <a:buFont typeface="+mj-lt"/>
-              <a:buAutoNum type="arabicPeriod"/>
-            </a:pPr>
-            <a:r>
-              <a:rPr lang="es-MX" sz="1200" dirty="0"/>
-              <a:t>La inercia controla la importancia de la velocidad anterior en la actualización de la posición.</a:t>
-            </a:r>
-          </a:p>
-          <a:p>
-            <a:pPr marL="742950" lvl="1" indent="-285750">
-              <a:buFont typeface="+mj-lt"/>
-              <a:buAutoNum type="arabicPeriod"/>
-            </a:pPr>
-            <a:r>
-              <a:rPr lang="es-MX" sz="1200" dirty="0"/>
-              <a:t>Ajustar este parámetro afecta la exploración y explotación del espacio de búsqueda.</a:t>
-            </a:r>
-          </a:p>
-          <a:p>
-            <a:pPr marL="457200" lvl="1" indent="0">
-              <a:buNone/>
-            </a:pPr>
-            <a:endParaRPr lang="es-MX" sz="1200" dirty="0"/>
+              <a:rPr lang="es-CL" sz="1800" u="none" strike="noStrike" kern="100" dirty="0">
+                <a:effectLst/>
+                <a:latin typeface="Calibri" panose="020F0502020204030204" pitchFamily="34" charset="0"/>
+                <a:ea typeface="Calibri" panose="020F0502020204030204" pitchFamily="34" charset="0"/>
+                <a:cs typeface="Times New Roman" panose="02020603050405020304" pitchFamily="18" charset="0"/>
+                <a:hlinkClick r:id="rId4" tooltip="Universidad Carlos III Madrid: Particle Swarm Intelligence">
+                  <a:extLst>
+                    <a:ext uri="{A12FA001-AC4F-418D-AE19-62706E023703}">
+                      <ahyp:hlinkClr xmlns:ahyp="http://schemas.microsoft.com/office/drawing/2018/hyperlinkcolor" val="tx"/>
+                    </a:ext>
+                  </a:extLst>
+                </a:hlinkClick>
+              </a:rPr>
+              <a:t>Universidad Carlos III Madrid: </a:t>
+            </a:r>
+            <a:r>
+              <a:rPr lang="es-CL" sz="1800" u="none" strike="noStrike" kern="100" dirty="0" err="1">
+                <a:effectLst/>
+                <a:latin typeface="Calibri" panose="020F0502020204030204" pitchFamily="34" charset="0"/>
+                <a:ea typeface="Calibri" panose="020F0502020204030204" pitchFamily="34" charset="0"/>
+                <a:cs typeface="Times New Roman" panose="02020603050405020304" pitchFamily="18" charset="0"/>
+                <a:hlinkClick r:id="rId4" tooltip="Universidad Carlos III Madrid: Particle Swarm Intelligence">
+                  <a:extLst>
+                    <a:ext uri="{A12FA001-AC4F-418D-AE19-62706E023703}">
+                      <ahyp:hlinkClr xmlns:ahyp="http://schemas.microsoft.com/office/drawing/2018/hyperlinkcolor" val="tx"/>
+                    </a:ext>
+                  </a:extLst>
+                </a:hlinkClick>
+              </a:rPr>
+              <a:t>Particle</a:t>
+            </a:r>
+            <a:r>
+              <a:rPr lang="es-CL" sz="1800" u="none" strike="noStrike" kern="100" dirty="0">
+                <a:effectLst/>
+                <a:latin typeface="Calibri" panose="020F0502020204030204" pitchFamily="34" charset="0"/>
+                <a:ea typeface="Calibri" panose="020F0502020204030204" pitchFamily="34" charset="0"/>
+                <a:cs typeface="Times New Roman" panose="02020603050405020304" pitchFamily="18" charset="0"/>
+                <a:hlinkClick r:id="rId4" tooltip="Universidad Carlos III Madrid: Particle Swarm Intelligence">
+                  <a:extLst>
+                    <a:ext uri="{A12FA001-AC4F-418D-AE19-62706E023703}">
+                      <ahyp:hlinkClr xmlns:ahyp="http://schemas.microsoft.com/office/drawing/2018/hyperlinkcolor" val="tx"/>
+                    </a:ext>
+                  </a:extLst>
+                </a:hlinkClick>
+              </a:rPr>
+              <a:t> </a:t>
+            </a:r>
+            <a:r>
+              <a:rPr lang="es-CL" sz="1800" u="none" strike="noStrike" kern="100" dirty="0" err="1">
+                <a:effectLst/>
+                <a:latin typeface="Calibri" panose="020F0502020204030204" pitchFamily="34" charset="0"/>
+                <a:ea typeface="Calibri" panose="020F0502020204030204" pitchFamily="34" charset="0"/>
+                <a:cs typeface="Times New Roman" panose="02020603050405020304" pitchFamily="18" charset="0"/>
+                <a:hlinkClick r:id="rId4" tooltip="Universidad Carlos III Madrid: Particle Swarm Intelligence">
+                  <a:extLst>
+                    <a:ext uri="{A12FA001-AC4F-418D-AE19-62706E023703}">
+                      <ahyp:hlinkClr xmlns:ahyp="http://schemas.microsoft.com/office/drawing/2018/hyperlinkcolor" val="tx"/>
+                    </a:ext>
+                  </a:extLst>
+                </a:hlinkClick>
+              </a:rPr>
+              <a:t>Swarm</a:t>
+            </a:r>
+            <a:r>
+              <a:rPr lang="es-CL" sz="1800" u="none" strike="noStrike" kern="100" dirty="0">
+                <a:effectLst/>
+                <a:latin typeface="Calibri" panose="020F0502020204030204" pitchFamily="34" charset="0"/>
+                <a:ea typeface="Calibri" panose="020F0502020204030204" pitchFamily="34" charset="0"/>
+                <a:cs typeface="Times New Roman" panose="02020603050405020304" pitchFamily="18" charset="0"/>
+                <a:hlinkClick r:id="rId4" tooltip="Universidad Carlos III Madrid: Particle Swarm Intelligence">
+                  <a:extLst>
+                    <a:ext uri="{A12FA001-AC4F-418D-AE19-62706E023703}">
+                      <ahyp:hlinkClr xmlns:ahyp="http://schemas.microsoft.com/office/drawing/2018/hyperlinkcolor" val="tx"/>
+                    </a:ext>
+                  </a:extLst>
+                </a:hlinkClick>
+              </a:rPr>
+              <a:t> </a:t>
+            </a:r>
+            <a:r>
+              <a:rPr lang="es-CL" sz="1800" u="none" strike="noStrike" kern="100" dirty="0" err="1">
+                <a:effectLst/>
+                <a:latin typeface="Calibri" panose="020F0502020204030204" pitchFamily="34" charset="0"/>
+                <a:ea typeface="Calibri" panose="020F0502020204030204" pitchFamily="34" charset="0"/>
+                <a:cs typeface="Times New Roman" panose="02020603050405020304" pitchFamily="18" charset="0"/>
+                <a:hlinkClick r:id="rId4" tooltip="Universidad Carlos III Madrid: Particle Swarm Intelligence">
+                  <a:extLst>
+                    <a:ext uri="{A12FA001-AC4F-418D-AE19-62706E023703}">
+                      <ahyp:hlinkClr xmlns:ahyp="http://schemas.microsoft.com/office/drawing/2018/hyperlinkcolor" val="tx"/>
+                    </a:ext>
+                  </a:extLst>
+                </a:hlinkClick>
+              </a:rPr>
+              <a:t>Intelligence</a:t>
+            </a:r>
+            <a:r>
+              <a:rPr lang="es-CL" sz="1800" kern="100" dirty="0">
+                <a:effectLst/>
+                <a:latin typeface="Calibri" panose="020F0502020204030204" pitchFamily="34" charset="0"/>
+                <a:ea typeface="Calibri" panose="020F0502020204030204" pitchFamily="34" charset="0"/>
+                <a:cs typeface="Times New Roman" panose="02020603050405020304" pitchFamily="18" charset="0"/>
+              </a:rPr>
+              <a:t> (2019)</a:t>
+            </a:r>
+          </a:p>
+          <a:p>
+            <a:endParaRPr lang="es-CL" dirty="0"/>
           </a:p>
         </p:txBody>
       </p:sp>
     </p:spTree>
     <p:extLst>
       <p:ext uri="{BB962C8B-B14F-4D97-AF65-F5344CB8AC3E}">
-        <p14:creationId xmlns:p14="http://schemas.microsoft.com/office/powerpoint/2010/main" val="4277127648"/>
+        <p14:creationId xmlns:p14="http://schemas.microsoft.com/office/powerpoint/2010/main" val="2754665317"/>
       </p:ext>
     </p:extLst>
   </p:cSld>
@@ -21042,7 +22703,7 @@
           <p:cNvPr id="2" name="Título 1">
             <a:extLst>
               <a:ext uri="{FF2B5EF4-FFF2-40B4-BE49-F238E27FC236}">
-                <a16:creationId xmlns:a16="http://schemas.microsoft.com/office/drawing/2014/main" id="{A922A134-7581-8D75-0730-A1C048FB8289}"/>
+                <a16:creationId xmlns:a16="http://schemas.microsoft.com/office/drawing/2014/main" id="{4BB8D913-8F56-2AEC-DCE8-69D6D2D835E1}"/>
               </a:ext>
             </a:extLst>
           </p:cNvPr>
@@ -21059,188 +22720,239 @@
           <a:lstStyle/>
           <a:p>
             <a:r>
-              <a:rPr lang="es-MX" dirty="0"/>
-              <a:t>Fuerzas aplicadas a la partícula en PSO</a:t>
-            </a:r>
-            <a:endParaRPr lang="es-CL" dirty="0"/>
-          </a:p>
-        </p:txBody>
-      </p:sp>
-      <p:pic>
-        <p:nvPicPr>
-          <p:cNvPr id="4" name="Marcador de contenido 3" descr="Diagrama&#10;&#10;Descripción generada automáticamente">
+              <a:rPr lang="es-CL" dirty="0"/>
+              <a:t>Lógica principal del algoritmo PSO</a:t>
+            </a:r>
+          </a:p>
+        </p:txBody>
+      </p:sp>
+      <p:sp>
+        <p:nvSpPr>
+          <p:cNvPr id="3" name="Marcador de contenido 2">
             <a:extLst>
               <a:ext uri="{FF2B5EF4-FFF2-40B4-BE49-F238E27FC236}">
-                <a16:creationId xmlns:a16="http://schemas.microsoft.com/office/drawing/2014/main" id="{7779C035-D921-3686-CAA6-CF4B1C54B632}"/>
+                <a16:creationId xmlns:a16="http://schemas.microsoft.com/office/drawing/2014/main" id="{CC7AE743-927B-D705-68D1-F39635701807}"/>
               </a:ext>
             </a:extLst>
           </p:cNvPr>
-          <p:cNvPicPr>
-            <a:picLocks noGrp="1" noChangeAspect="1"/>
-          </p:cNvPicPr>
+          <p:cNvSpPr>
+            <a:spLocks noGrp="1"/>
+          </p:cNvSpPr>
           <p:nvPr>
             <p:ph idx="1"/>
           </p:nvPr>
-        </p:nvPicPr>
-        <p:blipFill>
-          <a:blip r:embed="rId3"/>
-          <a:stretch>
-            <a:fillRect/>
-          </a:stretch>
-        </p:blipFill>
-        <p:spPr>
-          <a:xfrm>
-            <a:off x="2686512" y="2300557"/>
-            <a:ext cx="6818975" cy="3026538"/>
-          </a:xfrm>
-          <a:prstGeom prst="rect">
-            <a:avLst/>
-          </a:prstGeom>
-        </p:spPr>
-      </p:pic>
-      <p:sp>
-        <p:nvSpPr>
-          <p:cNvPr id="3" name="CuadroTexto 2">
-            <a:extLst>
-              <a:ext uri="{FF2B5EF4-FFF2-40B4-BE49-F238E27FC236}">
-                <a16:creationId xmlns:a16="http://schemas.microsoft.com/office/drawing/2014/main" id="{E5EA985E-1467-B026-4E10-27D06C25F134}"/>
-              </a:ext>
-            </a:extLst>
-          </p:cNvPr>
-          <p:cNvSpPr txBox="1"/>
-          <p:nvPr/>
-        </p:nvSpPr>
-        <p:spPr>
-          <a:xfrm>
-            <a:off x="2995502" y="5327095"/>
-            <a:ext cx="6200993" cy="646331"/>
-          </a:xfrm>
-          <a:prstGeom prst="rect">
-            <a:avLst/>
-          </a:prstGeom>
-          <a:noFill/>
-        </p:spPr>
-        <p:txBody>
-          <a:bodyPr wrap="none" rtlCol="0">
-            <a:spAutoFit/>
+        </p:nvSpPr>
+        <p:spPr/>
+        <p:txBody>
+          <a:bodyPr>
+            <a:normAutofit lnSpcReduction="10000"/>
           </a:bodyPr>
           <a:lstStyle/>
           <a:p>
             <a:r>
-              <a:rPr lang="es-CL" sz="1800" u="none" strike="noStrike" kern="100" dirty="0">
+              <a:rPr lang="es-CL" b="0" dirty="0" err="1">
+                <a:solidFill>
+                  <a:srgbClr val="C00000"/>
+                </a:solidFill>
                 <a:effectLst/>
-                <a:latin typeface="Calibri" panose="020F0502020204030204" pitchFamily="34" charset="0"/>
-                <a:ea typeface="Calibri" panose="020F0502020204030204" pitchFamily="34" charset="0"/>
-                <a:cs typeface="Times New Roman" panose="02020603050405020304" pitchFamily="18" charset="0"/>
-                <a:hlinkClick r:id="rId4" tooltip="Universidad Carlos III Madrid: Particle Swarm Intelligence">
-                  <a:extLst>
-                    <a:ext uri="{A12FA001-AC4F-418D-AE19-62706E023703}">
-                      <ahyp:hlinkClr xmlns:ahyp="http://schemas.microsoft.com/office/drawing/2018/hyperlinkcolor" val="tx"/>
-                    </a:ext>
-                  </a:extLst>
-                </a:hlinkClick>
+                <a:highlight>
+                  <a:srgbClr val="FFFF00"/>
+                </a:highlight>
+                <a:latin typeface="Consolas" panose="020B0609020204030204" pitchFamily="49" charset="0"/>
               </a:rPr>
-              <a:t>Universidad Carlos III Madrid: </a:t>
-            </a:r>
-            <a:r>
-              <a:rPr lang="es-CL" sz="1800" u="none" strike="noStrike" kern="100" dirty="0" err="1">
+              <a:t>particle.velocity</a:t>
+            </a:r>
+            <a:r>
+              <a:rPr lang="es-CL" b="0" dirty="0">
+                <a:solidFill>
+                  <a:srgbClr val="C00000"/>
+                </a:solidFill>
                 <a:effectLst/>
-                <a:latin typeface="Calibri" panose="020F0502020204030204" pitchFamily="34" charset="0"/>
-                <a:ea typeface="Calibri" panose="020F0502020204030204" pitchFamily="34" charset="0"/>
-                <a:cs typeface="Times New Roman" panose="02020603050405020304" pitchFamily="18" charset="0"/>
-                <a:hlinkClick r:id="rId4" tooltip="Universidad Carlos III Madrid: Particle Swarm Intelligence">
-                  <a:extLst>
-                    <a:ext uri="{A12FA001-AC4F-418D-AE19-62706E023703}">
-                      <ahyp:hlinkClr xmlns:ahyp="http://schemas.microsoft.com/office/drawing/2018/hyperlinkcolor" val="tx"/>
-                    </a:ext>
-                  </a:extLst>
-                </a:hlinkClick>
+                <a:highlight>
+                  <a:srgbClr val="FFFF00"/>
+                </a:highlight>
+                <a:latin typeface="Consolas" panose="020B0609020204030204" pitchFamily="49" charset="0"/>
               </a:rPr>
-              <a:t>Particle</a:t>
-            </a:r>
-            <a:r>
-              <a:rPr lang="es-CL" sz="1800" u="none" strike="noStrike" kern="100" dirty="0">
+              <a:t> = (w * </a:t>
+            </a:r>
+            <a:r>
+              <a:rPr lang="es-CL" b="0" dirty="0" err="1">
+                <a:solidFill>
+                  <a:srgbClr val="C00000"/>
+                </a:solidFill>
                 <a:effectLst/>
-                <a:latin typeface="Calibri" panose="020F0502020204030204" pitchFamily="34" charset="0"/>
-                <a:ea typeface="Calibri" panose="020F0502020204030204" pitchFamily="34" charset="0"/>
-                <a:cs typeface="Times New Roman" panose="02020603050405020304" pitchFamily="18" charset="0"/>
-                <a:hlinkClick r:id="rId4" tooltip="Universidad Carlos III Madrid: Particle Swarm Intelligence">
-                  <a:extLst>
-                    <a:ext uri="{A12FA001-AC4F-418D-AE19-62706E023703}">
-                      <ahyp:hlinkClr xmlns:ahyp="http://schemas.microsoft.com/office/drawing/2018/hyperlinkcolor" val="tx"/>
-                    </a:ext>
-                  </a:extLst>
-                </a:hlinkClick>
+                <a:highlight>
+                  <a:srgbClr val="FFFF00"/>
+                </a:highlight>
+                <a:latin typeface="Consolas" panose="020B0609020204030204" pitchFamily="49" charset="0"/>
               </a:rPr>
-              <a:t> </a:t>
-            </a:r>
-            <a:r>
-              <a:rPr lang="es-CL" sz="1800" u="none" strike="noStrike" kern="100" dirty="0" err="1">
+              <a:t>particle.velocity</a:t>
+            </a:r>
+            <a:r>
+              <a:rPr lang="es-CL" b="0" dirty="0">
+                <a:solidFill>
+                  <a:srgbClr val="C00000"/>
+                </a:solidFill>
                 <a:effectLst/>
-                <a:latin typeface="Calibri" panose="020F0502020204030204" pitchFamily="34" charset="0"/>
-                <a:ea typeface="Calibri" panose="020F0502020204030204" pitchFamily="34" charset="0"/>
-                <a:cs typeface="Times New Roman" panose="02020603050405020304" pitchFamily="18" charset="0"/>
-                <a:hlinkClick r:id="rId4" tooltip="Universidad Carlos III Madrid: Particle Swarm Intelligence">
-                  <a:extLst>
-                    <a:ext uri="{A12FA001-AC4F-418D-AE19-62706E023703}">
-                      <ahyp:hlinkClr xmlns:ahyp="http://schemas.microsoft.com/office/drawing/2018/hyperlinkcolor" val="tx"/>
-                    </a:ext>
-                  </a:extLst>
-                </a:hlinkClick>
+                <a:highlight>
+                  <a:srgbClr val="FFFF00"/>
+                </a:highlight>
+                <a:latin typeface="Consolas" panose="020B0609020204030204" pitchFamily="49" charset="0"/>
               </a:rPr>
-              <a:t>Swarm</a:t>
-            </a:r>
-            <a:r>
-              <a:rPr lang="es-CL" sz="1800" u="none" strike="noStrike" kern="100" dirty="0">
+              <a:t>) + (c1 * r1 * (</a:t>
+            </a:r>
+            <a:r>
+              <a:rPr lang="es-CL" b="0" dirty="0" err="1">
+                <a:solidFill>
+                  <a:srgbClr val="C00000"/>
+                </a:solidFill>
                 <a:effectLst/>
-                <a:latin typeface="Calibri" panose="020F0502020204030204" pitchFamily="34" charset="0"/>
-                <a:ea typeface="Calibri" panose="020F0502020204030204" pitchFamily="34" charset="0"/>
-                <a:cs typeface="Times New Roman" panose="02020603050405020304" pitchFamily="18" charset="0"/>
-                <a:hlinkClick r:id="rId4" tooltip="Universidad Carlos III Madrid: Particle Swarm Intelligence">
-                  <a:extLst>
-                    <a:ext uri="{A12FA001-AC4F-418D-AE19-62706E023703}">
-                      <ahyp:hlinkClr xmlns:ahyp="http://schemas.microsoft.com/office/drawing/2018/hyperlinkcolor" val="tx"/>
-                    </a:ext>
-                  </a:extLst>
-                </a:hlinkClick>
+                <a:highlight>
+                  <a:srgbClr val="FFFF00"/>
+                </a:highlight>
+                <a:latin typeface="Consolas" panose="020B0609020204030204" pitchFamily="49" charset="0"/>
               </a:rPr>
-              <a:t> </a:t>
-            </a:r>
-            <a:r>
-              <a:rPr lang="es-CL" sz="1800" u="none" strike="noStrike" kern="100" dirty="0" err="1">
+              <a:t>particle.best_position</a:t>
+            </a:r>
+            <a:r>
+              <a:rPr lang="es-CL" b="0" dirty="0">
+                <a:solidFill>
+                  <a:srgbClr val="C00000"/>
+                </a:solidFill>
                 <a:effectLst/>
-                <a:latin typeface="Calibri" panose="020F0502020204030204" pitchFamily="34" charset="0"/>
-                <a:ea typeface="Calibri" panose="020F0502020204030204" pitchFamily="34" charset="0"/>
-                <a:cs typeface="Times New Roman" panose="02020603050405020304" pitchFamily="18" charset="0"/>
-                <a:hlinkClick r:id="rId4" tooltip="Universidad Carlos III Madrid: Particle Swarm Intelligence">
-                  <a:extLst>
-                    <a:ext uri="{A12FA001-AC4F-418D-AE19-62706E023703}">
-                      <ahyp:hlinkClr xmlns:ahyp="http://schemas.microsoft.com/office/drawing/2018/hyperlinkcolor" val="tx"/>
-                    </a:ext>
-                  </a:extLst>
-                </a:hlinkClick>
+                <a:highlight>
+                  <a:srgbClr val="FFFF00"/>
+                </a:highlight>
+                <a:latin typeface="Consolas" panose="020B0609020204030204" pitchFamily="49" charset="0"/>
               </a:rPr>
-              <a:t>Intelligence</a:t>
-            </a:r>
-            <a:r>
-              <a:rPr lang="es-CL" sz="1800" kern="100" dirty="0">
+              <a:t> - </a:t>
+            </a:r>
+            <a:r>
+              <a:rPr lang="es-CL" b="0" dirty="0" err="1">
+                <a:solidFill>
+                  <a:srgbClr val="C00000"/>
+                </a:solidFill>
                 <a:effectLst/>
-                <a:latin typeface="Calibri" panose="020F0502020204030204" pitchFamily="34" charset="0"/>
-                <a:ea typeface="Calibri" panose="020F0502020204030204" pitchFamily="34" charset="0"/>
-                <a:cs typeface="Times New Roman" panose="02020603050405020304" pitchFamily="18" charset="0"/>
+                <a:highlight>
+                  <a:srgbClr val="FFFF00"/>
+                </a:highlight>
+                <a:latin typeface="Consolas" panose="020B0609020204030204" pitchFamily="49" charset="0"/>
               </a:rPr>
-              <a:t> (2019)</a:t>
+              <a:t>particle.position</a:t>
+            </a:r>
+            <a:r>
+              <a:rPr lang="es-CL" b="0" dirty="0">
+                <a:solidFill>
+                  <a:srgbClr val="C00000"/>
+                </a:solidFill>
+                <a:effectLst/>
+                <a:highlight>
+                  <a:srgbClr val="FFFF00"/>
+                </a:highlight>
+                <a:latin typeface="Consolas" panose="020B0609020204030204" pitchFamily="49" charset="0"/>
+              </a:rPr>
+              <a:t>)) + (c2 * r2 * (</a:t>
+            </a:r>
+            <a:r>
+              <a:rPr lang="es-CL" b="0" dirty="0" err="1">
+                <a:solidFill>
+                  <a:srgbClr val="C00000"/>
+                </a:solidFill>
+                <a:effectLst/>
+                <a:highlight>
+                  <a:srgbClr val="FFFF00"/>
+                </a:highlight>
+                <a:latin typeface="Consolas" panose="020B0609020204030204" pitchFamily="49" charset="0"/>
+              </a:rPr>
+              <a:t>self.global_best_position</a:t>
+            </a:r>
+            <a:r>
+              <a:rPr lang="es-CL" b="0" dirty="0">
+                <a:solidFill>
+                  <a:srgbClr val="C00000"/>
+                </a:solidFill>
+                <a:effectLst/>
+                <a:highlight>
+                  <a:srgbClr val="FFFF00"/>
+                </a:highlight>
+                <a:latin typeface="Consolas" panose="020B0609020204030204" pitchFamily="49" charset="0"/>
+              </a:rPr>
+              <a:t> - </a:t>
+            </a:r>
+            <a:r>
+              <a:rPr lang="es-CL" b="0" dirty="0" err="1">
+                <a:solidFill>
+                  <a:srgbClr val="C00000"/>
+                </a:solidFill>
+                <a:effectLst/>
+                <a:highlight>
+                  <a:srgbClr val="FFFF00"/>
+                </a:highlight>
+                <a:latin typeface="Consolas" panose="020B0609020204030204" pitchFamily="49" charset="0"/>
+              </a:rPr>
+              <a:t>particle.position</a:t>
+            </a:r>
+            <a:r>
+              <a:rPr lang="es-CL" b="0" dirty="0">
+                <a:solidFill>
+                  <a:srgbClr val="C00000"/>
+                </a:solidFill>
+                <a:effectLst/>
+                <a:highlight>
+                  <a:srgbClr val="FFFF00"/>
+                </a:highlight>
+                <a:latin typeface="Consolas" panose="020B0609020204030204" pitchFamily="49" charset="0"/>
+              </a:rPr>
+              <a:t>))</a:t>
             </a:r>
           </a:p>
           <a:p>
             <a:endParaRPr lang="es-CL" dirty="0"/>
+          </a:p>
+          <a:p>
+            <a:r>
+              <a:rPr lang="es-CL" dirty="0"/>
+              <a:t>W: inercia (</a:t>
+            </a:r>
+            <a:r>
+              <a:rPr lang="es-CL" b="0" dirty="0">
+                <a:solidFill>
+                  <a:srgbClr val="B5CEA8"/>
+                </a:solidFill>
+                <a:effectLst/>
+                <a:latin typeface="Consolas" panose="020B0609020204030204" pitchFamily="49" charset="0"/>
+              </a:rPr>
+              <a:t>0.729</a:t>
+            </a:r>
+            <a:r>
+              <a:rPr lang="es-CL" dirty="0"/>
+              <a:t>)</a:t>
+            </a:r>
+          </a:p>
+          <a:p>
+            <a:r>
+              <a:rPr lang="es-CL" dirty="0"/>
+              <a:t>C1: peso cognitivo </a:t>
+            </a:r>
+          </a:p>
+          <a:p>
+            <a:r>
+              <a:rPr lang="es-CL" dirty="0"/>
+              <a:t>C2: peso social </a:t>
+            </a:r>
+          </a:p>
+          <a:p>
+            <a:r>
+              <a:rPr lang="es-CL" dirty="0"/>
+              <a:t>R1 y r2: componentes aleatorias </a:t>
+            </a:r>
           </a:p>
         </p:txBody>
       </p:sp>
     </p:spTree>
     <p:extLst>
       <p:ext uri="{BB962C8B-B14F-4D97-AF65-F5344CB8AC3E}">
-        <p14:creationId xmlns:p14="http://schemas.microsoft.com/office/powerpoint/2010/main" val="2754665317"/>
+        <p14:creationId xmlns:p14="http://schemas.microsoft.com/office/powerpoint/2010/main" val="4039717733"/>
       </p:ext>
     </p:extLst>
   </p:cSld>
@@ -21272,7 +22984,7 @@
           <p:cNvPr id="2" name="Título 1">
             <a:extLst>
               <a:ext uri="{FF2B5EF4-FFF2-40B4-BE49-F238E27FC236}">
-                <a16:creationId xmlns:a16="http://schemas.microsoft.com/office/drawing/2014/main" id="{4BB8D913-8F56-2AEC-DCE8-69D6D2D835E1}"/>
+                <a16:creationId xmlns:a16="http://schemas.microsoft.com/office/drawing/2014/main" id="{5C9A82A6-A8A1-49A4-5CAF-1C3471A04B4E}"/>
               </a:ext>
             </a:extLst>
           </p:cNvPr>
@@ -21289,9 +23001,10 @@
           <a:lstStyle/>
           <a:p>
             <a:r>
-              <a:rPr lang="es-CL" dirty="0"/>
-              <a:t>Lógica principal del algoritmo PSO</a:t>
-            </a:r>
+              <a:rPr lang="es-MX" dirty="0"/>
+              <a:t>Funciones utilizadas </a:t>
+            </a:r>
+            <a:endParaRPr lang="es-CL" dirty="0"/>
           </a:p>
         </p:txBody>
       </p:sp>
@@ -21300,7 +23013,7 @@
           <p:cNvPr id="3" name="Marcador de contenido 2">
             <a:extLst>
               <a:ext uri="{FF2B5EF4-FFF2-40B4-BE49-F238E27FC236}">
-                <a16:creationId xmlns:a16="http://schemas.microsoft.com/office/drawing/2014/main" id="{CC7AE743-927B-D705-68D1-F39635701807}"/>
+                <a16:creationId xmlns:a16="http://schemas.microsoft.com/office/drawing/2014/main" id="{E6F507AC-E7A8-4D51-9E6F-00E1B85E0848}"/>
               </a:ext>
             </a:extLst>
           </p:cNvPr>
@@ -21313,215 +23026,330 @@
         </p:nvSpPr>
         <p:spPr/>
         <p:txBody>
-          <a:bodyPr>
-            <a:normAutofit lnSpcReduction="10000"/>
+          <a:bodyPr/>
+          <a:lstStyle/>
+          <a:p>
+            <a:pPr marL="0" indent="0">
+              <a:buNone/>
+            </a:pPr>
+            <a:endParaRPr lang="es-CL" dirty="0"/>
+          </a:p>
+        </p:txBody>
+      </p:sp>
+      <p:pic>
+        <p:nvPicPr>
+          <p:cNvPr id="5" name="Imagen 4">
+            <a:extLst>
+              <a:ext uri="{FF2B5EF4-FFF2-40B4-BE49-F238E27FC236}">
+                <a16:creationId xmlns:a16="http://schemas.microsoft.com/office/drawing/2014/main" id="{F0616CBC-23E2-0976-F5E3-AE3924435EAF}"/>
+              </a:ext>
+            </a:extLst>
+          </p:cNvPr>
+          <p:cNvPicPr>
+            <a:picLocks noChangeAspect="1"/>
+          </p:cNvPicPr>
+          <p:nvPr/>
+        </p:nvPicPr>
+        <p:blipFill>
+          <a:blip r:embed="rId2"/>
+          <a:stretch>
+            <a:fillRect/>
+          </a:stretch>
+        </p:blipFill>
+        <p:spPr>
+          <a:xfrm>
+            <a:off x="2312500" y="2249746"/>
+            <a:ext cx="6349502" cy="3375547"/>
+          </a:xfrm>
+          <a:prstGeom prst="rect">
+            <a:avLst/>
+          </a:prstGeom>
+        </p:spPr>
+      </p:pic>
+      <p:sp>
+        <p:nvSpPr>
+          <p:cNvPr id="4" name="CuadroTexto 3">
+            <a:extLst>
+              <a:ext uri="{FF2B5EF4-FFF2-40B4-BE49-F238E27FC236}">
+                <a16:creationId xmlns:a16="http://schemas.microsoft.com/office/drawing/2014/main" id="{E6018E97-1754-970C-7E0D-13FF4F9394E5}"/>
+              </a:ext>
+            </a:extLst>
+          </p:cNvPr>
+          <p:cNvSpPr txBox="1"/>
+          <p:nvPr/>
+        </p:nvSpPr>
+        <p:spPr>
+          <a:xfrm>
+            <a:off x="2148840" y="5625293"/>
+            <a:ext cx="545342" cy="369332"/>
+          </a:xfrm>
+          <a:prstGeom prst="rect">
+            <a:avLst/>
+          </a:prstGeom>
+          <a:noFill/>
+        </p:spPr>
+        <p:txBody>
+          <a:bodyPr wrap="none" rtlCol="0">
+            <a:spAutoFit/>
           </a:bodyPr>
           <a:lstStyle/>
           <a:p>
             <a:r>
-              <a:rPr lang="es-CL" b="0" dirty="0" err="1">
-                <a:solidFill>
-                  <a:srgbClr val="C00000"/>
-                </a:solidFill>
+              <a:rPr lang="es-MX" dirty="0"/>
+              <a:t> [1]</a:t>
+            </a:r>
+            <a:endParaRPr lang="es-CL" dirty="0"/>
+          </a:p>
+        </p:txBody>
+      </p:sp>
+      <p:sp>
+        <p:nvSpPr>
+          <p:cNvPr id="6" name="CuadroTexto 5">
+            <a:extLst>
+              <a:ext uri="{FF2B5EF4-FFF2-40B4-BE49-F238E27FC236}">
+                <a16:creationId xmlns:a16="http://schemas.microsoft.com/office/drawing/2014/main" id="{362527A3-E964-955D-122D-1822812330A8}"/>
+              </a:ext>
+            </a:extLst>
+          </p:cNvPr>
+          <p:cNvSpPr txBox="1"/>
+          <p:nvPr/>
+        </p:nvSpPr>
+        <p:spPr>
+          <a:xfrm>
+            <a:off x="566928" y="6355080"/>
+            <a:ext cx="10722359" cy="369332"/>
+          </a:xfrm>
+          <a:prstGeom prst="rect">
+            <a:avLst/>
+          </a:prstGeom>
+          <a:noFill/>
+        </p:spPr>
+        <p:txBody>
+          <a:bodyPr wrap="none" rtlCol="0">
+            <a:spAutoFit/>
+          </a:bodyPr>
+          <a:lstStyle/>
+          <a:p>
+            <a:r>
+              <a:rPr lang="es-MX" dirty="0"/>
+              <a:t>[1] </a:t>
+            </a:r>
+            <a:r>
+              <a:rPr lang="es-CL" sz="1800" dirty="0" err="1">
                 <a:effectLst/>
-                <a:highlight>
-                  <a:srgbClr val="FFFF00"/>
-                </a:highlight>
-                <a:latin typeface="Consolas" panose="020B0609020204030204" pitchFamily="49" charset="0"/>
+                <a:latin typeface="Arial" panose="020B0604020202020204" pitchFamily="34" charset="0"/>
+                <a:ea typeface="Calibri" panose="020F0502020204030204" pitchFamily="34" charset="0"/>
               </a:rPr>
-              <a:t>particle.velocity</a:t>
-            </a:r>
-            <a:r>
-              <a:rPr lang="es-CL" b="0" dirty="0">
-                <a:solidFill>
-                  <a:srgbClr val="C00000"/>
-                </a:solidFill>
+              <a:t>Some</a:t>
+            </a:r>
+            <a:r>
+              <a:rPr lang="es-CL" sz="1800" dirty="0">
                 <a:effectLst/>
-                <a:highlight>
-                  <a:srgbClr val="FFFF00"/>
-                </a:highlight>
-                <a:latin typeface="Consolas" panose="020B0609020204030204" pitchFamily="49" charset="0"/>
+                <a:latin typeface="Arial" panose="020B0604020202020204" pitchFamily="34" charset="0"/>
+                <a:ea typeface="Calibri" panose="020F0502020204030204" pitchFamily="34" charset="0"/>
               </a:rPr>
-              <a:t> = (w * </a:t>
-            </a:r>
-            <a:r>
-              <a:rPr lang="es-CL" b="0" dirty="0" err="1">
-                <a:solidFill>
-                  <a:srgbClr val="C00000"/>
-                </a:solidFill>
+              <a:t> </a:t>
+            </a:r>
+            <a:r>
+              <a:rPr lang="es-CL" sz="1800" dirty="0" err="1">
                 <a:effectLst/>
-                <a:highlight>
-                  <a:srgbClr val="FFFF00"/>
-                </a:highlight>
-                <a:latin typeface="Consolas" panose="020B0609020204030204" pitchFamily="49" charset="0"/>
+                <a:latin typeface="Arial" panose="020B0604020202020204" pitchFamily="34" charset="0"/>
+                <a:ea typeface="Calibri" panose="020F0502020204030204" pitchFamily="34" charset="0"/>
               </a:rPr>
-              <a:t>particle.velocity</a:t>
-            </a:r>
-            <a:r>
-              <a:rPr lang="es-CL" b="0" dirty="0">
-                <a:solidFill>
-                  <a:srgbClr val="C00000"/>
-                </a:solidFill>
+              <a:t>Properties</a:t>
+            </a:r>
+            <a:r>
+              <a:rPr lang="es-CL" sz="1800" dirty="0">
                 <a:effectLst/>
-                <a:highlight>
-                  <a:srgbClr val="FFFF00"/>
-                </a:highlight>
-                <a:latin typeface="Consolas" panose="020B0609020204030204" pitchFamily="49" charset="0"/>
+                <a:latin typeface="Arial" panose="020B0604020202020204" pitchFamily="34" charset="0"/>
+                <a:ea typeface="Calibri" panose="020F0502020204030204" pitchFamily="34" charset="0"/>
               </a:rPr>
-              <a:t>) + (c1 * r1 * (</a:t>
-            </a:r>
-            <a:r>
-              <a:rPr lang="es-CL" b="0" dirty="0" err="1">
-                <a:solidFill>
-                  <a:srgbClr val="C00000"/>
-                </a:solidFill>
+              <a:t> </a:t>
+            </a:r>
+            <a:r>
+              <a:rPr lang="es-CL" sz="1800" dirty="0" err="1">
                 <a:effectLst/>
-                <a:highlight>
-                  <a:srgbClr val="FFFF00"/>
-                </a:highlight>
-                <a:latin typeface="Consolas" panose="020B0609020204030204" pitchFamily="49" charset="0"/>
+                <a:latin typeface="Arial" panose="020B0604020202020204" pitchFamily="34" charset="0"/>
+                <a:ea typeface="Calibri" panose="020F0502020204030204" pitchFamily="34" charset="0"/>
               </a:rPr>
-              <a:t>particle.best_position</a:t>
-            </a:r>
-            <a:r>
-              <a:rPr lang="es-CL" b="0" dirty="0">
-                <a:solidFill>
-                  <a:srgbClr val="C00000"/>
-                </a:solidFill>
+              <a:t>of</a:t>
+            </a:r>
+            <a:r>
+              <a:rPr lang="es-CL" sz="1800" dirty="0">
                 <a:effectLst/>
-                <a:highlight>
-                  <a:srgbClr val="FFFF00"/>
-                </a:highlight>
-                <a:latin typeface="Consolas" panose="020B0609020204030204" pitchFamily="49" charset="0"/>
+                <a:latin typeface="Arial" panose="020B0604020202020204" pitchFamily="34" charset="0"/>
+                <a:ea typeface="Calibri" panose="020F0502020204030204" pitchFamily="34" charset="0"/>
               </a:rPr>
-              <a:t> - </a:t>
-            </a:r>
-            <a:r>
-              <a:rPr lang="es-CL" b="0" dirty="0" err="1">
-                <a:solidFill>
-                  <a:srgbClr val="C00000"/>
-                </a:solidFill>
+              <a:t> D-</a:t>
+            </a:r>
+            <a:r>
+              <a:rPr lang="es-CL" sz="1800" dirty="0" err="1">
                 <a:effectLst/>
-                <a:highlight>
-                  <a:srgbClr val="FFFF00"/>
-                </a:highlight>
-                <a:latin typeface="Consolas" panose="020B0609020204030204" pitchFamily="49" charset="0"/>
+                <a:latin typeface="Arial" panose="020B0604020202020204" pitchFamily="34" charset="0"/>
+                <a:ea typeface="Calibri" panose="020F0502020204030204" pitchFamily="34" charset="0"/>
               </a:rPr>
-              <a:t>particle.position</a:t>
-            </a:r>
-            <a:r>
-              <a:rPr lang="es-CL" b="0" dirty="0">
-                <a:solidFill>
-                  <a:srgbClr val="C00000"/>
-                </a:solidFill>
+              <a:t>optimal</a:t>
+            </a:r>
+            <a:r>
+              <a:rPr lang="es-CL" sz="1800" dirty="0">
                 <a:effectLst/>
-                <a:highlight>
-                  <a:srgbClr val="FFFF00"/>
-                </a:highlight>
-                <a:latin typeface="Consolas" panose="020B0609020204030204" pitchFamily="49" charset="0"/>
+                <a:latin typeface="Arial" panose="020B0604020202020204" pitchFamily="34" charset="0"/>
+                <a:ea typeface="Calibri" panose="020F0502020204030204" pitchFamily="34" charset="0"/>
               </a:rPr>
-              <a:t>)) + (c2 * r2 * (</a:t>
-            </a:r>
-            <a:r>
-              <a:rPr lang="es-CL" b="0" dirty="0" err="1">
-                <a:solidFill>
-                  <a:srgbClr val="C00000"/>
-                </a:solidFill>
+              <a:t> </a:t>
+            </a:r>
+            <a:r>
+              <a:rPr lang="es-CL" sz="1800" dirty="0" err="1">
                 <a:effectLst/>
-                <a:highlight>
-                  <a:srgbClr val="FFFF00"/>
-                </a:highlight>
-                <a:latin typeface="Consolas" panose="020B0609020204030204" pitchFamily="49" charset="0"/>
+                <a:latin typeface="Arial" panose="020B0604020202020204" pitchFamily="34" charset="0"/>
+                <a:ea typeface="Calibri" panose="020F0502020204030204" pitchFamily="34" charset="0"/>
               </a:rPr>
-              <a:t>self.global_best_position</a:t>
-            </a:r>
-            <a:r>
-              <a:rPr lang="es-CL" b="0" dirty="0">
-                <a:solidFill>
-                  <a:srgbClr val="C00000"/>
-                </a:solidFill>
+              <a:t>Designs</a:t>
+            </a:r>
+            <a:r>
+              <a:rPr lang="es-CL" sz="1800" dirty="0">
                 <a:effectLst/>
-                <a:highlight>
-                  <a:srgbClr val="FFFF00"/>
-                </a:highlight>
-                <a:latin typeface="Consolas" panose="020B0609020204030204" pitchFamily="49" charset="0"/>
+                <a:latin typeface="Arial" panose="020B0604020202020204" pitchFamily="34" charset="0"/>
+                <a:ea typeface="Calibri" panose="020F0502020204030204" pitchFamily="34" charset="0"/>
               </a:rPr>
-              <a:t> - </a:t>
-            </a:r>
-            <a:r>
-              <a:rPr lang="es-CL" b="0" dirty="0" err="1">
-                <a:solidFill>
-                  <a:srgbClr val="C00000"/>
-                </a:solidFill>
+              <a:t> </a:t>
+            </a:r>
+            <a:r>
+              <a:rPr lang="es-CL" sz="1800" dirty="0" err="1">
                 <a:effectLst/>
-                <a:highlight>
-                  <a:srgbClr val="FFFF00"/>
-                </a:highlight>
-                <a:latin typeface="Consolas" panose="020B0609020204030204" pitchFamily="49" charset="0"/>
+                <a:latin typeface="Arial" panose="020B0604020202020204" pitchFamily="34" charset="0"/>
+                <a:ea typeface="Calibri" panose="020F0502020204030204" pitchFamily="34" charset="0"/>
               </a:rPr>
-              <a:t>particle.position</a:t>
-            </a:r>
-            <a:r>
-              <a:rPr lang="es-CL" b="0" dirty="0">
-                <a:solidFill>
-                  <a:srgbClr val="C00000"/>
-                </a:solidFill>
+              <a:t>for</a:t>
+            </a:r>
+            <a:r>
+              <a:rPr lang="es-CL" sz="1800" dirty="0">
                 <a:effectLst/>
-                <a:highlight>
-                  <a:srgbClr val="FFFF00"/>
-                </a:highlight>
-                <a:latin typeface="Consolas" panose="020B0609020204030204" pitchFamily="49" charset="0"/>
+                <a:latin typeface="Arial" panose="020B0604020202020204" pitchFamily="34" charset="0"/>
+                <a:ea typeface="Calibri" panose="020F0502020204030204" pitchFamily="34" charset="0"/>
               </a:rPr>
-              <a:t>))</a:t>
-            </a:r>
-          </a:p>
-          <a:p>
+              <a:t> </a:t>
+            </a:r>
+            <a:r>
+              <a:rPr lang="es-CL" sz="1800" dirty="0" err="1">
+                <a:effectLst/>
+                <a:latin typeface="Arial" panose="020B0604020202020204" pitchFamily="34" charset="0"/>
+                <a:ea typeface="Calibri" panose="020F0502020204030204" pitchFamily="34" charset="0"/>
+              </a:rPr>
+              <a:t>Random</a:t>
+            </a:r>
+            <a:r>
+              <a:rPr lang="es-CL" sz="1800" dirty="0">
+                <a:effectLst/>
+                <a:latin typeface="Arial" panose="020B0604020202020204" pitchFamily="34" charset="0"/>
+                <a:ea typeface="Calibri" panose="020F0502020204030204" pitchFamily="34" charset="0"/>
+              </a:rPr>
+              <a:t> </a:t>
+            </a:r>
+            <a:r>
+              <a:rPr lang="es-CL" sz="1800" dirty="0" err="1">
+                <a:effectLst/>
+                <a:latin typeface="Arial" panose="020B0604020202020204" pitchFamily="34" charset="0"/>
+                <a:ea typeface="Calibri" panose="020F0502020204030204" pitchFamily="34" charset="0"/>
+              </a:rPr>
+              <a:t>Fields</a:t>
+            </a:r>
+            <a:r>
+              <a:rPr lang="es-CL" sz="1800" dirty="0">
+                <a:effectLst/>
+                <a:latin typeface="Arial" panose="020B0604020202020204" pitchFamily="34" charset="0"/>
+                <a:ea typeface="Calibri" panose="020F0502020204030204" pitchFamily="34" charset="0"/>
+              </a:rPr>
+              <a:t> </a:t>
+            </a:r>
+            <a:r>
+              <a:rPr lang="es-CL" sz="1800" dirty="0" err="1">
+                <a:effectLst/>
+                <a:latin typeface="Arial" panose="020B0604020202020204" pitchFamily="34" charset="0"/>
+                <a:ea typeface="Calibri" panose="020F0502020204030204" pitchFamily="34" charset="0"/>
+              </a:rPr>
+              <a:t>with</a:t>
+            </a:r>
+            <a:r>
+              <a:rPr lang="es-CL" sz="1800" dirty="0">
+                <a:effectLst/>
+                <a:latin typeface="Arial" panose="020B0604020202020204" pitchFamily="34" charset="0"/>
+                <a:ea typeface="Calibri" panose="020F0502020204030204" pitchFamily="34" charset="0"/>
+              </a:rPr>
+              <a:t> </a:t>
+            </a:r>
+            <a:r>
+              <a:rPr lang="es-CL" sz="1800" dirty="0" err="1">
+                <a:effectLst/>
+                <a:latin typeface="Arial" panose="020B0604020202020204" pitchFamily="34" charset="0"/>
+                <a:ea typeface="Calibri" panose="020F0502020204030204" pitchFamily="34" charset="0"/>
+              </a:rPr>
+              <a:t>Different</a:t>
+            </a:r>
+            <a:r>
+              <a:rPr lang="es-CL" sz="1800" dirty="0">
+                <a:effectLst/>
+                <a:latin typeface="Arial" panose="020B0604020202020204" pitchFamily="34" charset="0"/>
+                <a:ea typeface="Calibri" panose="020F0502020204030204" pitchFamily="34" charset="0"/>
+              </a:rPr>
+              <a:t> </a:t>
+            </a:r>
+            <a:r>
+              <a:rPr lang="es-CL" sz="1800" dirty="0" err="1">
+                <a:effectLst/>
+                <a:latin typeface="Arial" panose="020B0604020202020204" pitchFamily="34" charset="0"/>
+                <a:ea typeface="Calibri" panose="020F0502020204030204" pitchFamily="34" charset="0"/>
+              </a:rPr>
+              <a:t>Variograms</a:t>
+            </a:r>
+            <a:r>
+              <a:rPr lang="es-CL" sz="1800" dirty="0">
+                <a:effectLst/>
+                <a:latin typeface="Arial" panose="020B0604020202020204" pitchFamily="34" charset="0"/>
+                <a:ea typeface="Calibri" panose="020F0502020204030204" pitchFamily="34" charset="0"/>
+              </a:rPr>
+              <a:t> (</a:t>
+            </a:r>
+            <a:r>
+              <a:rPr lang="es-CL" sz="1800" dirty="0" err="1">
+                <a:effectLst/>
+                <a:latin typeface="Arial" panose="020B0604020202020204" pitchFamily="34" charset="0"/>
+                <a:ea typeface="Calibri" panose="020F0502020204030204" pitchFamily="34" charset="0"/>
+              </a:rPr>
+              <a:t>Milan</a:t>
+            </a:r>
+            <a:r>
+              <a:rPr lang="es-CL" sz="1800" dirty="0">
+                <a:effectLst/>
+                <a:latin typeface="Arial" panose="020B0604020202020204" pitchFamily="34" charset="0"/>
+                <a:ea typeface="Calibri" panose="020F0502020204030204" pitchFamily="34" charset="0"/>
+              </a:rPr>
+              <a:t> </a:t>
+            </a:r>
+            <a:r>
+              <a:rPr lang="es-CL" sz="1800" dirty="0" err="1">
+                <a:effectLst/>
+                <a:latin typeface="Arial" panose="020B0604020202020204" pitchFamily="34" charset="0"/>
+                <a:ea typeface="Calibri" panose="020F0502020204030204" pitchFamily="34" charset="0"/>
+              </a:rPr>
+              <a:t>Stehl´ık</a:t>
+            </a:r>
+            <a:r>
+              <a:rPr lang="es-CL" sz="1800" dirty="0">
+                <a:effectLst/>
+                <a:latin typeface="Arial" panose="020B0604020202020204" pitchFamily="34" charset="0"/>
+                <a:ea typeface="Calibri" panose="020F0502020204030204" pitchFamily="34" charset="0"/>
+              </a:rPr>
+              <a:t>).</a:t>
+            </a:r>
             <a:endParaRPr lang="es-CL" dirty="0"/>
-          </a:p>
-          <a:p>
-            <a:r>
-              <a:rPr lang="es-CL" dirty="0"/>
-              <a:t>W: inercia (</a:t>
-            </a:r>
-            <a:r>
-              <a:rPr lang="es-CL" b="0" dirty="0">
-                <a:solidFill>
-                  <a:srgbClr val="B5CEA8"/>
-                </a:solidFill>
-                <a:effectLst/>
-                <a:latin typeface="Consolas" panose="020B0609020204030204" pitchFamily="49" charset="0"/>
-              </a:rPr>
-              <a:t>0.729</a:t>
-            </a:r>
-            <a:r>
-              <a:rPr lang="es-CL" dirty="0"/>
-              <a:t>)</a:t>
-            </a:r>
-          </a:p>
-          <a:p>
-            <a:r>
-              <a:rPr lang="es-CL" dirty="0"/>
-              <a:t>C1: peso cognitivo </a:t>
-            </a:r>
-          </a:p>
-          <a:p>
-            <a:r>
-              <a:rPr lang="es-CL" dirty="0"/>
-              <a:t>C2: peso social </a:t>
-            </a:r>
-          </a:p>
-          <a:p>
-            <a:r>
-              <a:rPr lang="es-CL" dirty="0"/>
-              <a:t>R1 y r2: componentes aleatorias </a:t>
-            </a:r>
           </a:p>
         </p:txBody>
       </p:sp>
     </p:spTree>
     <p:extLst>
       <p:ext uri="{BB962C8B-B14F-4D97-AF65-F5344CB8AC3E}">
-        <p14:creationId xmlns:p14="http://schemas.microsoft.com/office/powerpoint/2010/main" val="4039717733"/>
+        <p14:creationId xmlns:p14="http://schemas.microsoft.com/office/powerpoint/2010/main" val="305507002"/>
       </p:ext>
     </p:extLst>
   </p:cSld>
@@ -21553,7 +23381,7 @@
           <p:cNvPr id="2" name="Título 1">
             <a:extLst>
               <a:ext uri="{FF2B5EF4-FFF2-40B4-BE49-F238E27FC236}">
-                <a16:creationId xmlns:a16="http://schemas.microsoft.com/office/drawing/2014/main" id="{5C9A82A6-A8A1-49A4-5CAF-1C3471A04B4E}"/>
+                <a16:creationId xmlns:a16="http://schemas.microsoft.com/office/drawing/2014/main" id="{1FD00EC5-EBA0-C357-9876-FA2A9D97D22B}"/>
               </a:ext>
             </a:extLst>
           </p:cNvPr>
@@ -21582,7 +23410,7 @@
           <p:cNvPr id="3" name="Marcador de contenido 2">
             <a:extLst>
               <a:ext uri="{FF2B5EF4-FFF2-40B4-BE49-F238E27FC236}">
-                <a16:creationId xmlns:a16="http://schemas.microsoft.com/office/drawing/2014/main" id="{E6F507AC-E7A8-4D51-9E6F-00E1B85E0848}"/>
+                <a16:creationId xmlns:a16="http://schemas.microsoft.com/office/drawing/2014/main" id="{0201771E-6B6E-B149-168E-008129D2A4C1}"/>
               </a:ext>
             </a:extLst>
           </p:cNvPr>
@@ -21598,20 +23426,19 @@
           <a:bodyPr/>
           <a:lstStyle/>
           <a:p>
-            <a:r>
-              <a:rPr lang="es-MX" dirty="0"/>
-              <a:t>1.- </a:t>
-            </a:r>
+            <a:pPr marL="0" indent="0">
+              <a:buNone/>
+            </a:pPr>
             <a:endParaRPr lang="es-CL" dirty="0"/>
           </a:p>
         </p:txBody>
       </p:sp>
       <p:pic>
         <p:nvPicPr>
-          <p:cNvPr id="5" name="Imagen 4">
+          <p:cNvPr id="4" name="Imagen 3" descr="Gráfico, Gráfico de cajas y bigotes&#10;&#10;Descripción generada automáticamente">
             <a:extLst>
               <a:ext uri="{FF2B5EF4-FFF2-40B4-BE49-F238E27FC236}">
-                <a16:creationId xmlns:a16="http://schemas.microsoft.com/office/drawing/2014/main" id="{F0616CBC-23E2-0976-F5E3-AE3924435EAF}"/>
+                <a16:creationId xmlns:a16="http://schemas.microsoft.com/office/drawing/2014/main" id="{A0DECC6A-9036-4959-83AB-C65876CFD23A}"/>
               </a:ext>
             </a:extLst>
           </p:cNvPr>
@@ -21628,18 +23455,298 @@
         </p:blipFill>
         <p:spPr>
           <a:xfrm>
-            <a:off x="2514579" y="2448757"/>
-            <a:ext cx="6349502" cy="3375547"/>
+            <a:off x="1977352" y="3049804"/>
+            <a:ext cx="8237295" cy="1595638"/>
           </a:xfrm>
           <a:prstGeom prst="rect">
             <a:avLst/>
           </a:prstGeom>
         </p:spPr>
       </p:pic>
+      <p:sp>
+        <p:nvSpPr>
+          <p:cNvPr id="5" name="CuadroTexto 4">
+            <a:extLst>
+              <a:ext uri="{FF2B5EF4-FFF2-40B4-BE49-F238E27FC236}">
+                <a16:creationId xmlns:a16="http://schemas.microsoft.com/office/drawing/2014/main" id="{B4844DE8-31F5-BE74-D500-3A609E85C3F0}"/>
+              </a:ext>
+            </a:extLst>
+          </p:cNvPr>
+          <p:cNvSpPr txBox="1"/>
+          <p:nvPr/>
+        </p:nvSpPr>
+        <p:spPr>
+          <a:xfrm>
+            <a:off x="2231136" y="4937760"/>
+            <a:ext cx="476412" cy="369332"/>
+          </a:xfrm>
+          <a:prstGeom prst="rect">
+            <a:avLst/>
+          </a:prstGeom>
+          <a:noFill/>
+        </p:spPr>
+        <p:txBody>
+          <a:bodyPr wrap="none" rtlCol="0">
+            <a:spAutoFit/>
+          </a:bodyPr>
+          <a:lstStyle/>
+          <a:p>
+            <a:r>
+              <a:rPr lang="es-MX" dirty="0"/>
+              <a:t>[2]</a:t>
+            </a:r>
+            <a:endParaRPr lang="es-CL" dirty="0"/>
+          </a:p>
+        </p:txBody>
+      </p:sp>
+      <p:sp>
+        <p:nvSpPr>
+          <p:cNvPr id="6" name="CuadroTexto 5">
+            <a:extLst>
+              <a:ext uri="{FF2B5EF4-FFF2-40B4-BE49-F238E27FC236}">
+                <a16:creationId xmlns:a16="http://schemas.microsoft.com/office/drawing/2014/main" id="{C7B22A5F-AF7B-C22C-388C-3A8AD75380CC}"/>
+              </a:ext>
+            </a:extLst>
+          </p:cNvPr>
+          <p:cNvSpPr txBox="1"/>
+          <p:nvPr/>
+        </p:nvSpPr>
+        <p:spPr>
+          <a:xfrm>
+            <a:off x="466344" y="6464808"/>
+            <a:ext cx="10722359" cy="369332"/>
+          </a:xfrm>
+          <a:prstGeom prst="rect">
+            <a:avLst/>
+          </a:prstGeom>
+          <a:noFill/>
+        </p:spPr>
+        <p:txBody>
+          <a:bodyPr wrap="none" rtlCol="0">
+            <a:spAutoFit/>
+          </a:bodyPr>
+          <a:lstStyle/>
+          <a:p>
+            <a:r>
+              <a:rPr lang="es-MX" dirty="0"/>
+              <a:t>[2] </a:t>
+            </a:r>
+            <a:r>
+              <a:rPr lang="es-CL" sz="1800" dirty="0" err="1">
+                <a:effectLst/>
+                <a:latin typeface="Arial" panose="020B0604020202020204" pitchFamily="34" charset="0"/>
+                <a:ea typeface="Calibri" panose="020F0502020204030204" pitchFamily="34" charset="0"/>
+              </a:rPr>
+              <a:t>Some</a:t>
+            </a:r>
+            <a:r>
+              <a:rPr lang="es-CL" sz="1800" dirty="0">
+                <a:effectLst/>
+                <a:latin typeface="Arial" panose="020B0604020202020204" pitchFamily="34" charset="0"/>
+                <a:ea typeface="Calibri" panose="020F0502020204030204" pitchFamily="34" charset="0"/>
+              </a:rPr>
+              <a:t> </a:t>
+            </a:r>
+            <a:r>
+              <a:rPr lang="es-CL" sz="1800" dirty="0" err="1">
+                <a:effectLst/>
+                <a:latin typeface="Arial" panose="020B0604020202020204" pitchFamily="34" charset="0"/>
+                <a:ea typeface="Calibri" panose="020F0502020204030204" pitchFamily="34" charset="0"/>
+              </a:rPr>
+              <a:t>Properties</a:t>
+            </a:r>
+            <a:r>
+              <a:rPr lang="es-CL" sz="1800" dirty="0">
+                <a:effectLst/>
+                <a:latin typeface="Arial" panose="020B0604020202020204" pitchFamily="34" charset="0"/>
+                <a:ea typeface="Calibri" panose="020F0502020204030204" pitchFamily="34" charset="0"/>
+              </a:rPr>
+              <a:t> </a:t>
+            </a:r>
+            <a:r>
+              <a:rPr lang="es-CL" sz="1800" dirty="0" err="1">
+                <a:effectLst/>
+                <a:latin typeface="Arial" panose="020B0604020202020204" pitchFamily="34" charset="0"/>
+                <a:ea typeface="Calibri" panose="020F0502020204030204" pitchFamily="34" charset="0"/>
+              </a:rPr>
+              <a:t>of</a:t>
+            </a:r>
+            <a:r>
+              <a:rPr lang="es-CL" sz="1800" dirty="0">
+                <a:effectLst/>
+                <a:latin typeface="Arial" panose="020B0604020202020204" pitchFamily="34" charset="0"/>
+                <a:ea typeface="Calibri" panose="020F0502020204030204" pitchFamily="34" charset="0"/>
+              </a:rPr>
+              <a:t> D-</a:t>
+            </a:r>
+            <a:r>
+              <a:rPr lang="es-CL" sz="1800" dirty="0" err="1">
+                <a:effectLst/>
+                <a:latin typeface="Arial" panose="020B0604020202020204" pitchFamily="34" charset="0"/>
+                <a:ea typeface="Calibri" panose="020F0502020204030204" pitchFamily="34" charset="0"/>
+              </a:rPr>
+              <a:t>optimal</a:t>
+            </a:r>
+            <a:r>
+              <a:rPr lang="es-CL" sz="1800" dirty="0">
+                <a:effectLst/>
+                <a:latin typeface="Arial" panose="020B0604020202020204" pitchFamily="34" charset="0"/>
+                <a:ea typeface="Calibri" panose="020F0502020204030204" pitchFamily="34" charset="0"/>
+              </a:rPr>
+              <a:t> </a:t>
+            </a:r>
+            <a:r>
+              <a:rPr lang="es-CL" sz="1800" dirty="0" err="1">
+                <a:effectLst/>
+                <a:latin typeface="Arial" panose="020B0604020202020204" pitchFamily="34" charset="0"/>
+                <a:ea typeface="Calibri" panose="020F0502020204030204" pitchFamily="34" charset="0"/>
+              </a:rPr>
+              <a:t>Designs</a:t>
+            </a:r>
+            <a:r>
+              <a:rPr lang="es-CL" sz="1800" dirty="0">
+                <a:effectLst/>
+                <a:latin typeface="Arial" panose="020B0604020202020204" pitchFamily="34" charset="0"/>
+                <a:ea typeface="Calibri" panose="020F0502020204030204" pitchFamily="34" charset="0"/>
+              </a:rPr>
+              <a:t> </a:t>
+            </a:r>
+            <a:r>
+              <a:rPr lang="es-CL" sz="1800" dirty="0" err="1">
+                <a:effectLst/>
+                <a:latin typeface="Arial" panose="020B0604020202020204" pitchFamily="34" charset="0"/>
+                <a:ea typeface="Calibri" panose="020F0502020204030204" pitchFamily="34" charset="0"/>
+              </a:rPr>
+              <a:t>for</a:t>
+            </a:r>
+            <a:r>
+              <a:rPr lang="es-CL" sz="1800" dirty="0">
+                <a:effectLst/>
+                <a:latin typeface="Arial" panose="020B0604020202020204" pitchFamily="34" charset="0"/>
+                <a:ea typeface="Calibri" panose="020F0502020204030204" pitchFamily="34" charset="0"/>
+              </a:rPr>
+              <a:t> </a:t>
+            </a:r>
+            <a:r>
+              <a:rPr lang="es-CL" sz="1800" dirty="0" err="1">
+                <a:effectLst/>
+                <a:latin typeface="Arial" panose="020B0604020202020204" pitchFamily="34" charset="0"/>
+                <a:ea typeface="Calibri" panose="020F0502020204030204" pitchFamily="34" charset="0"/>
+              </a:rPr>
+              <a:t>Random</a:t>
+            </a:r>
+            <a:r>
+              <a:rPr lang="es-CL" sz="1800" dirty="0">
+                <a:effectLst/>
+                <a:latin typeface="Arial" panose="020B0604020202020204" pitchFamily="34" charset="0"/>
+                <a:ea typeface="Calibri" panose="020F0502020204030204" pitchFamily="34" charset="0"/>
+              </a:rPr>
+              <a:t> </a:t>
+            </a:r>
+            <a:r>
+              <a:rPr lang="es-CL" sz="1800" dirty="0" err="1">
+                <a:effectLst/>
+                <a:latin typeface="Arial" panose="020B0604020202020204" pitchFamily="34" charset="0"/>
+                <a:ea typeface="Calibri" panose="020F0502020204030204" pitchFamily="34" charset="0"/>
+              </a:rPr>
+              <a:t>Fields</a:t>
+            </a:r>
+            <a:r>
+              <a:rPr lang="es-CL" sz="1800" dirty="0">
+                <a:effectLst/>
+                <a:latin typeface="Arial" panose="020B0604020202020204" pitchFamily="34" charset="0"/>
+                <a:ea typeface="Calibri" panose="020F0502020204030204" pitchFamily="34" charset="0"/>
+              </a:rPr>
+              <a:t> </a:t>
+            </a:r>
+            <a:r>
+              <a:rPr lang="es-CL" sz="1800" dirty="0" err="1">
+                <a:effectLst/>
+                <a:latin typeface="Arial" panose="020B0604020202020204" pitchFamily="34" charset="0"/>
+                <a:ea typeface="Calibri" panose="020F0502020204030204" pitchFamily="34" charset="0"/>
+              </a:rPr>
+              <a:t>with</a:t>
+            </a:r>
+            <a:r>
+              <a:rPr lang="es-CL" sz="1800" dirty="0">
+                <a:effectLst/>
+                <a:latin typeface="Arial" panose="020B0604020202020204" pitchFamily="34" charset="0"/>
+                <a:ea typeface="Calibri" panose="020F0502020204030204" pitchFamily="34" charset="0"/>
+              </a:rPr>
+              <a:t> </a:t>
+            </a:r>
+            <a:r>
+              <a:rPr lang="es-CL" sz="1800" dirty="0" err="1">
+                <a:effectLst/>
+                <a:latin typeface="Arial" panose="020B0604020202020204" pitchFamily="34" charset="0"/>
+                <a:ea typeface="Calibri" panose="020F0502020204030204" pitchFamily="34" charset="0"/>
+              </a:rPr>
+              <a:t>Different</a:t>
+            </a:r>
+            <a:r>
+              <a:rPr lang="es-CL" sz="1800" dirty="0">
+                <a:effectLst/>
+                <a:latin typeface="Arial" panose="020B0604020202020204" pitchFamily="34" charset="0"/>
+                <a:ea typeface="Calibri" panose="020F0502020204030204" pitchFamily="34" charset="0"/>
+              </a:rPr>
+              <a:t> </a:t>
+            </a:r>
+            <a:r>
+              <a:rPr lang="es-CL" sz="1800" dirty="0" err="1">
+                <a:effectLst/>
+                <a:latin typeface="Arial" panose="020B0604020202020204" pitchFamily="34" charset="0"/>
+                <a:ea typeface="Calibri" panose="020F0502020204030204" pitchFamily="34" charset="0"/>
+              </a:rPr>
+              <a:t>Variograms</a:t>
+            </a:r>
+            <a:r>
+              <a:rPr lang="es-CL" sz="1800" dirty="0">
+                <a:effectLst/>
+                <a:latin typeface="Arial" panose="020B0604020202020204" pitchFamily="34" charset="0"/>
+                <a:ea typeface="Calibri" panose="020F0502020204030204" pitchFamily="34" charset="0"/>
+              </a:rPr>
+              <a:t> (</a:t>
+            </a:r>
+            <a:r>
+              <a:rPr lang="es-CL" sz="1800" dirty="0" err="1">
+                <a:effectLst/>
+                <a:latin typeface="Arial" panose="020B0604020202020204" pitchFamily="34" charset="0"/>
+                <a:ea typeface="Calibri" panose="020F0502020204030204" pitchFamily="34" charset="0"/>
+              </a:rPr>
+              <a:t>Milan</a:t>
+            </a:r>
+            <a:r>
+              <a:rPr lang="es-CL" sz="1800" dirty="0">
+                <a:effectLst/>
+                <a:latin typeface="Arial" panose="020B0604020202020204" pitchFamily="34" charset="0"/>
+                <a:ea typeface="Calibri" panose="020F0502020204030204" pitchFamily="34" charset="0"/>
+              </a:rPr>
+              <a:t> </a:t>
+            </a:r>
+            <a:r>
+              <a:rPr lang="es-CL" sz="1800" dirty="0" err="1">
+                <a:effectLst/>
+                <a:latin typeface="Arial" panose="020B0604020202020204" pitchFamily="34" charset="0"/>
+                <a:ea typeface="Calibri" panose="020F0502020204030204" pitchFamily="34" charset="0"/>
+              </a:rPr>
+              <a:t>Stehl´ık</a:t>
+            </a:r>
+            <a:r>
+              <a:rPr lang="es-CL" sz="1800" dirty="0">
+                <a:effectLst/>
+                <a:latin typeface="Arial" panose="020B0604020202020204" pitchFamily="34" charset="0"/>
+                <a:ea typeface="Calibri" panose="020F0502020204030204" pitchFamily="34" charset="0"/>
+              </a:rPr>
+              <a:t>).</a:t>
+            </a:r>
+            <a:endParaRPr lang="es-CL" dirty="0"/>
+          </a:p>
+        </p:txBody>
+      </p:sp>
     </p:spTree>
     <p:extLst>
       <p:ext uri="{BB962C8B-B14F-4D97-AF65-F5344CB8AC3E}">
-        <p14:creationId xmlns:p14="http://schemas.microsoft.com/office/powerpoint/2010/main" val="305507002"/>
+        <p14:creationId xmlns:p14="http://schemas.microsoft.com/office/powerpoint/2010/main" val="2300176303"/>
       </p:ext>
     </p:extLst>
   </p:cSld>
